--- a/IKT 2.pptx
+++ b/IKT 2.pptx
@@ -106,6 +106,11 @@
       </a:defRPr>
     </a:lvl9pPr>
   </p:defaultTextStyle>
+  <p:extLst>
+    <p:ext uri="{EFAFB233-063F-42B5-8137-9DF3F51BA10A}">
+      <p15:sldGuideLst xmlns:p15="http://schemas.microsoft.com/office/powerpoint/2012/main"/>
+    </p:ext>
+  </p:extLst>
 </p:presentation>
 </file>
 
@@ -4391,7 +4396,7 @@
           <a:p>
             <a:fld id="{C29A6671-07FF-4412-8642-FA14E96349FB}" type="datetimeFigureOut">
               <a:rPr lang="hu-HU" smtClean="0"/>
-              <a:t>2023. 04. 17.</a:t>
+              <a:t>2023. 04. 24.</a:t>
             </a:fld>
             <a:endParaRPr lang="hu-HU"/>
           </a:p>
@@ -4658,7 +4663,7 @@
           <a:p>
             <a:fld id="{C29A6671-07FF-4412-8642-FA14E96349FB}" type="datetimeFigureOut">
               <a:rPr lang="hu-HU" smtClean="0"/>
-              <a:t>2023. 04. 17.</a:t>
+              <a:t>2023. 04. 24.</a:t>
             </a:fld>
             <a:endParaRPr lang="hu-HU"/>
           </a:p>
@@ -4854,7 +4859,7 @@
           <a:p>
             <a:fld id="{C29A6671-07FF-4412-8642-FA14E96349FB}" type="datetimeFigureOut">
               <a:rPr lang="hu-HU" smtClean="0"/>
-              <a:t>2023. 04. 17.</a:t>
+              <a:t>2023. 04. 24.</a:t>
             </a:fld>
             <a:endParaRPr lang="hu-HU"/>
           </a:p>
@@ -5117,7 +5122,7 @@
           <a:p>
             <a:fld id="{C29A6671-07FF-4412-8642-FA14E96349FB}" type="datetimeFigureOut">
               <a:rPr lang="hu-HU" smtClean="0"/>
-              <a:t>2023. 04. 17.</a:t>
+              <a:t>2023. 04. 24.</a:t>
             </a:fld>
             <a:endParaRPr lang="hu-HU"/>
           </a:p>
@@ -5551,7 +5556,7 @@
           <a:p>
             <a:fld id="{C29A6671-07FF-4412-8642-FA14E96349FB}" type="datetimeFigureOut">
               <a:rPr lang="hu-HU" smtClean="0"/>
-              <a:t>2023. 04. 17.</a:t>
+              <a:t>2023. 04. 24.</a:t>
             </a:fld>
             <a:endParaRPr lang="hu-HU"/>
           </a:p>
@@ -6097,7 +6102,7 @@
           <a:p>
             <a:fld id="{C29A6671-07FF-4412-8642-FA14E96349FB}" type="datetimeFigureOut">
               <a:rPr lang="hu-HU" smtClean="0"/>
-              <a:t>2023. 04. 17.</a:t>
+              <a:t>2023. 04. 24.</a:t>
             </a:fld>
             <a:endParaRPr lang="hu-HU"/>
           </a:p>
@@ -6817,7 +6822,7 @@
           <a:p>
             <a:fld id="{C29A6671-07FF-4412-8642-FA14E96349FB}" type="datetimeFigureOut">
               <a:rPr lang="hu-HU" smtClean="0"/>
-              <a:t>2023. 04. 17.</a:t>
+              <a:t>2023. 04. 24.</a:t>
             </a:fld>
             <a:endParaRPr lang="hu-HU"/>
           </a:p>
@@ -6987,7 +6992,7 @@
           <a:p>
             <a:fld id="{C29A6671-07FF-4412-8642-FA14E96349FB}" type="datetimeFigureOut">
               <a:rPr lang="hu-HU" smtClean="0"/>
-              <a:t>2023. 04. 17.</a:t>
+              <a:t>2023. 04. 24.</a:t>
             </a:fld>
             <a:endParaRPr lang="hu-HU"/>
           </a:p>
@@ -7167,7 +7172,7 @@
           <a:p>
             <a:fld id="{C29A6671-07FF-4412-8642-FA14E96349FB}" type="datetimeFigureOut">
               <a:rPr lang="hu-HU" smtClean="0"/>
-              <a:t>2023. 04. 17.</a:t>
+              <a:t>2023. 04. 24.</a:t>
             </a:fld>
             <a:endParaRPr lang="hu-HU"/>
           </a:p>
@@ -7337,7 +7342,7 @@
           <a:p>
             <a:fld id="{C29A6671-07FF-4412-8642-FA14E96349FB}" type="datetimeFigureOut">
               <a:rPr lang="hu-HU" smtClean="0"/>
-              <a:t>2023. 04. 17.</a:t>
+              <a:t>2023. 04. 24.</a:t>
             </a:fld>
             <a:endParaRPr lang="hu-HU"/>
           </a:p>
@@ -7587,7 +7592,7 @@
           <a:p>
             <a:fld id="{C29A6671-07FF-4412-8642-FA14E96349FB}" type="datetimeFigureOut">
               <a:rPr lang="hu-HU" smtClean="0"/>
-              <a:t>2023. 04. 17.</a:t>
+              <a:t>2023. 04. 24.</a:t>
             </a:fld>
             <a:endParaRPr lang="hu-HU"/>
           </a:p>
@@ -7819,7 +7824,7 @@
           <a:p>
             <a:fld id="{C29A6671-07FF-4412-8642-FA14E96349FB}" type="datetimeFigureOut">
               <a:rPr lang="hu-HU" smtClean="0"/>
-              <a:t>2023. 04. 17.</a:t>
+              <a:t>2023. 04. 24.</a:t>
             </a:fld>
             <a:endParaRPr lang="hu-HU"/>
           </a:p>
@@ -8200,7 +8205,7 @@
           <a:p>
             <a:fld id="{C29A6671-07FF-4412-8642-FA14E96349FB}" type="datetimeFigureOut">
               <a:rPr lang="hu-HU" smtClean="0"/>
-              <a:t>2023. 04. 17.</a:t>
+              <a:t>2023. 04. 24.</a:t>
             </a:fld>
             <a:endParaRPr lang="hu-HU"/>
           </a:p>
@@ -8318,7 +8323,7 @@
           <a:p>
             <a:fld id="{C29A6671-07FF-4412-8642-FA14E96349FB}" type="datetimeFigureOut">
               <a:rPr lang="hu-HU" smtClean="0"/>
-              <a:t>2023. 04. 17.</a:t>
+              <a:t>2023. 04. 24.</a:t>
             </a:fld>
             <a:endParaRPr lang="hu-HU"/>
           </a:p>
@@ -8413,7 +8418,7 @@
           <a:p>
             <a:fld id="{C29A6671-07FF-4412-8642-FA14E96349FB}" type="datetimeFigureOut">
               <a:rPr lang="hu-HU" smtClean="0"/>
-              <a:t>2023. 04. 17.</a:t>
+              <a:t>2023. 04. 24.</a:t>
             </a:fld>
             <a:endParaRPr lang="hu-HU"/>
           </a:p>
@@ -8662,7 +8667,7 @@
           <a:p>
             <a:fld id="{C29A6671-07FF-4412-8642-FA14E96349FB}" type="datetimeFigureOut">
               <a:rPr lang="hu-HU" smtClean="0"/>
-              <a:t>2023. 04. 17.</a:t>
+              <a:t>2023. 04. 24.</a:t>
             </a:fld>
             <a:endParaRPr lang="hu-HU"/>
           </a:p>
@@ -8942,7 +8947,7 @@
           <a:p>
             <a:fld id="{C29A6671-07FF-4412-8642-FA14E96349FB}" type="datetimeFigureOut">
               <a:rPr lang="hu-HU" smtClean="0"/>
-              <a:t>2023. 04. 17.</a:t>
+              <a:t>2023. 04. 24.</a:t>
             </a:fld>
             <a:endParaRPr lang="hu-HU"/>
           </a:p>
@@ -12009,7 +12014,7 @@
           <a:p>
             <a:fld id="{C29A6671-07FF-4412-8642-FA14E96349FB}" type="datetimeFigureOut">
               <a:rPr lang="hu-HU" smtClean="0"/>
-              <a:t>2023. 04. 17.</a:t>
+              <a:t>2023. 04. 24.</a:t>
             </a:fld>
             <a:endParaRPr lang="hu-HU"/>
           </a:p>
@@ -12472,13 +12477,13 @@
   <p:clrMapOvr>
     <a:masterClrMapping/>
   </p:clrMapOvr>
-  <mc:AlternateContent xmlns:mc="http://schemas.openxmlformats.org/markup-compatibility/2006">
-    <mc:Choice xmlns:p14="http://schemas.microsoft.com/office/powerpoint/2010/main" Requires="p14">
+  <mc:AlternateContent xmlns:mc="http://schemas.openxmlformats.org/markup-compatibility/2006" xmlns:p14="http://schemas.microsoft.com/office/powerpoint/2010/main">
+    <mc:Choice Requires="p14">
       <p:transition spd="slow" p14:dur="1200">
         <p:dissolve/>
       </p:transition>
     </mc:Choice>
-    <mc:Fallback>
+    <mc:Fallback xmlns="">
       <p:transition spd="slow">
         <p:dissolve/>
       </p:transition>
@@ -12555,8 +12560,13 @@
           <a:p>
             <a:r>
               <a:rPr lang="hu-HU" dirty="0"/>
-              <a:t>Boti Lóránt – HTML , Főoldal</a:t>
+              <a:t>Boti Lóránt – HTML , Főoldal, </a:t>
             </a:r>
+            <a:r>
+              <a:rPr lang="hu-HU" dirty="0" err="1"/>
+              <a:t>Style</a:t>
+            </a:r>
+            <a:endParaRPr lang="hu-HU" dirty="0"/>
           </a:p>
           <a:p>
             <a:r>
@@ -12569,14 +12579,24 @@
             </a:r>
             <a:r>
               <a:rPr lang="hu-HU" dirty="0"/>
-              <a:t> , PHP</a:t>
+              <a:t> , PHP, </a:t>
             </a:r>
+            <a:r>
+              <a:rPr lang="hu-HU" dirty="0" err="1"/>
+              <a:t>Style</a:t>
+            </a:r>
+            <a:endParaRPr lang="hu-HU" dirty="0"/>
           </a:p>
           <a:p>
             <a:r>
               <a:rPr lang="hu-HU" dirty="0"/>
-              <a:t>Csicskó Réka – ASP , képkeresés</a:t>
+              <a:t>Csicskó Réka – ASP , képkeresés, </a:t>
             </a:r>
+            <a:r>
+              <a:rPr lang="hu-HU" dirty="0" err="1"/>
+              <a:t>Style</a:t>
+            </a:r>
+            <a:endParaRPr lang="hu-HU" dirty="0"/>
           </a:p>
         </p:txBody>
       </p:sp>
@@ -12590,13 +12610,13 @@
   <p:clrMapOvr>
     <a:masterClrMapping/>
   </p:clrMapOvr>
-  <mc:AlternateContent xmlns:mc="http://schemas.openxmlformats.org/markup-compatibility/2006">
-    <mc:Choice xmlns:p14="http://schemas.microsoft.com/office/powerpoint/2010/main" Requires="p14">
+  <mc:AlternateContent xmlns:mc="http://schemas.openxmlformats.org/markup-compatibility/2006" xmlns:p14="http://schemas.microsoft.com/office/powerpoint/2010/main">
+    <mc:Choice Requires="p14">
       <p:transition spd="slow" p14:dur="1200">
         <p:dissolve/>
       </p:transition>
     </mc:Choice>
-    <mc:Fallback>
+    <mc:Fallback xmlns="">
       <p:transition spd="slow">
         <p:dissolve/>
       </p:transition>
@@ -12666,7 +12686,12 @@
             <p:ph idx="1"/>
           </p:nvPr>
         </p:nvSpPr>
-        <p:spPr/>
+        <p:spPr>
+          <a:xfrm>
+            <a:off x="1141412" y="2249486"/>
+            <a:ext cx="9905999" cy="4134535"/>
+          </a:xfrm>
+        </p:spPr>
         <p:txBody>
           <a:bodyPr>
             <a:normAutofit/>
@@ -12693,7 +12718,21 @@
           <a:p>
             <a:r>
               <a:rPr lang="hu-HU" dirty="0"/>
-              <a:t>A munka alatt voltak veszekedések de megoldottuk őket. Valakinek mindig más ötlete volt de ezt is megoldottuk. Az elején sokat szenvedünk azzal hogy hogy tudjunk együtt egy weblapon dolgozni.</a:t>
+              <a:t>A munka alatt voltak kisebb viták, de nagyobb konfliktus nélkül megoldottuk őket. Valakinek mindig más </a:t>
+            </a:r>
+            <a:r>
+              <a:rPr lang="hu-HU"/>
+              <a:t>tetszett jobban, de </a:t>
+            </a:r>
+            <a:r>
+              <a:rPr lang="hu-HU" dirty="0"/>
+              <a:t>végül sikerült közös nevezőre jutnunk. </a:t>
+            </a:r>
+          </a:p>
+          <a:p>
+            <a:r>
+              <a:rPr lang="hu-HU" dirty="0"/>
+              <a:t>Az elején nehéz dolgunk volt azzal, hogyan tudjunk együtt egy weblapon dolgozni.</a:t>
             </a:r>
           </a:p>
           <a:p>
@@ -12711,13 +12750,13 @@
   <p:clrMapOvr>
     <a:masterClrMapping/>
   </p:clrMapOvr>
-  <mc:AlternateContent xmlns:mc="http://schemas.openxmlformats.org/markup-compatibility/2006">
-    <mc:Choice xmlns:p14="http://schemas.microsoft.com/office/powerpoint/2010/main" Requires="p14">
+  <mc:AlternateContent xmlns:mc="http://schemas.openxmlformats.org/markup-compatibility/2006" xmlns:p14="http://schemas.microsoft.com/office/powerpoint/2010/main">
+    <mc:Choice Requires="p14">
       <p:transition spd="slow" p14:dur="1200">
         <p:dissolve/>
       </p:transition>
     </mc:Choice>
-    <mc:Fallback>
+    <mc:Fallback xmlns="">
       <p:transition spd="slow">
         <p:dissolve/>
       </p:transition>

--- a/IKT 2.pptx
+++ b/IKT 2.pptx
@@ -8,6 +8,7 @@
     <p:sldId id="256" r:id="rId2"/>
     <p:sldId id="257" r:id="rId3"/>
     <p:sldId id="258" r:id="rId4"/>
+    <p:sldId id="259" r:id="rId5"/>
   </p:sldIdLst>
   <p:sldSz cx="12192000" cy="6858000"/>
   <p:notesSz cx="6858000" cy="9144000"/>
@@ -4396,7 +4397,7 @@
           <a:p>
             <a:fld id="{C29A6671-07FF-4412-8642-FA14E96349FB}" type="datetimeFigureOut">
               <a:rPr lang="hu-HU" smtClean="0"/>
-              <a:t>2023. 04. 24.</a:t>
+              <a:t>2023. 04. 27.</a:t>
             </a:fld>
             <a:endParaRPr lang="hu-HU"/>
           </a:p>
@@ -4663,7 +4664,7 @@
           <a:p>
             <a:fld id="{C29A6671-07FF-4412-8642-FA14E96349FB}" type="datetimeFigureOut">
               <a:rPr lang="hu-HU" smtClean="0"/>
-              <a:t>2023. 04. 24.</a:t>
+              <a:t>2023. 04. 27.</a:t>
             </a:fld>
             <a:endParaRPr lang="hu-HU"/>
           </a:p>
@@ -4859,7 +4860,7 @@
           <a:p>
             <a:fld id="{C29A6671-07FF-4412-8642-FA14E96349FB}" type="datetimeFigureOut">
               <a:rPr lang="hu-HU" smtClean="0"/>
-              <a:t>2023. 04. 24.</a:t>
+              <a:t>2023. 04. 27.</a:t>
             </a:fld>
             <a:endParaRPr lang="hu-HU"/>
           </a:p>
@@ -5122,7 +5123,7 @@
           <a:p>
             <a:fld id="{C29A6671-07FF-4412-8642-FA14E96349FB}" type="datetimeFigureOut">
               <a:rPr lang="hu-HU" smtClean="0"/>
-              <a:t>2023. 04. 24.</a:t>
+              <a:t>2023. 04. 27.</a:t>
             </a:fld>
             <a:endParaRPr lang="hu-HU"/>
           </a:p>
@@ -5556,7 +5557,7 @@
           <a:p>
             <a:fld id="{C29A6671-07FF-4412-8642-FA14E96349FB}" type="datetimeFigureOut">
               <a:rPr lang="hu-HU" smtClean="0"/>
-              <a:t>2023. 04. 24.</a:t>
+              <a:t>2023. 04. 27.</a:t>
             </a:fld>
             <a:endParaRPr lang="hu-HU"/>
           </a:p>
@@ -6102,7 +6103,7 @@
           <a:p>
             <a:fld id="{C29A6671-07FF-4412-8642-FA14E96349FB}" type="datetimeFigureOut">
               <a:rPr lang="hu-HU" smtClean="0"/>
-              <a:t>2023. 04. 24.</a:t>
+              <a:t>2023. 04. 27.</a:t>
             </a:fld>
             <a:endParaRPr lang="hu-HU"/>
           </a:p>
@@ -6822,7 +6823,7 @@
           <a:p>
             <a:fld id="{C29A6671-07FF-4412-8642-FA14E96349FB}" type="datetimeFigureOut">
               <a:rPr lang="hu-HU" smtClean="0"/>
-              <a:t>2023. 04. 24.</a:t>
+              <a:t>2023. 04. 27.</a:t>
             </a:fld>
             <a:endParaRPr lang="hu-HU"/>
           </a:p>
@@ -6992,7 +6993,7 @@
           <a:p>
             <a:fld id="{C29A6671-07FF-4412-8642-FA14E96349FB}" type="datetimeFigureOut">
               <a:rPr lang="hu-HU" smtClean="0"/>
-              <a:t>2023. 04. 24.</a:t>
+              <a:t>2023. 04. 27.</a:t>
             </a:fld>
             <a:endParaRPr lang="hu-HU"/>
           </a:p>
@@ -7172,7 +7173,7 @@
           <a:p>
             <a:fld id="{C29A6671-07FF-4412-8642-FA14E96349FB}" type="datetimeFigureOut">
               <a:rPr lang="hu-HU" smtClean="0"/>
-              <a:t>2023. 04. 24.</a:t>
+              <a:t>2023. 04. 27.</a:t>
             </a:fld>
             <a:endParaRPr lang="hu-HU"/>
           </a:p>
@@ -7342,7 +7343,7 @@
           <a:p>
             <a:fld id="{C29A6671-07FF-4412-8642-FA14E96349FB}" type="datetimeFigureOut">
               <a:rPr lang="hu-HU" smtClean="0"/>
-              <a:t>2023. 04. 24.</a:t>
+              <a:t>2023. 04. 27.</a:t>
             </a:fld>
             <a:endParaRPr lang="hu-HU"/>
           </a:p>
@@ -7592,7 +7593,7 @@
           <a:p>
             <a:fld id="{C29A6671-07FF-4412-8642-FA14E96349FB}" type="datetimeFigureOut">
               <a:rPr lang="hu-HU" smtClean="0"/>
-              <a:t>2023. 04. 24.</a:t>
+              <a:t>2023. 04. 27.</a:t>
             </a:fld>
             <a:endParaRPr lang="hu-HU"/>
           </a:p>
@@ -7824,7 +7825,7 @@
           <a:p>
             <a:fld id="{C29A6671-07FF-4412-8642-FA14E96349FB}" type="datetimeFigureOut">
               <a:rPr lang="hu-HU" smtClean="0"/>
-              <a:t>2023. 04. 24.</a:t>
+              <a:t>2023. 04. 27.</a:t>
             </a:fld>
             <a:endParaRPr lang="hu-HU"/>
           </a:p>
@@ -8205,7 +8206,7 @@
           <a:p>
             <a:fld id="{C29A6671-07FF-4412-8642-FA14E96349FB}" type="datetimeFigureOut">
               <a:rPr lang="hu-HU" smtClean="0"/>
-              <a:t>2023. 04. 24.</a:t>
+              <a:t>2023. 04. 27.</a:t>
             </a:fld>
             <a:endParaRPr lang="hu-HU"/>
           </a:p>
@@ -8323,7 +8324,7 @@
           <a:p>
             <a:fld id="{C29A6671-07FF-4412-8642-FA14E96349FB}" type="datetimeFigureOut">
               <a:rPr lang="hu-HU" smtClean="0"/>
-              <a:t>2023. 04. 24.</a:t>
+              <a:t>2023. 04. 27.</a:t>
             </a:fld>
             <a:endParaRPr lang="hu-HU"/>
           </a:p>
@@ -8418,7 +8419,7 @@
           <a:p>
             <a:fld id="{C29A6671-07FF-4412-8642-FA14E96349FB}" type="datetimeFigureOut">
               <a:rPr lang="hu-HU" smtClean="0"/>
-              <a:t>2023. 04. 24.</a:t>
+              <a:t>2023. 04. 27.</a:t>
             </a:fld>
             <a:endParaRPr lang="hu-HU"/>
           </a:p>
@@ -8667,7 +8668,7 @@
           <a:p>
             <a:fld id="{C29A6671-07FF-4412-8642-FA14E96349FB}" type="datetimeFigureOut">
               <a:rPr lang="hu-HU" smtClean="0"/>
-              <a:t>2023. 04. 24.</a:t>
+              <a:t>2023. 04. 27.</a:t>
             </a:fld>
             <a:endParaRPr lang="hu-HU"/>
           </a:p>
@@ -8947,7 +8948,7 @@
           <a:p>
             <a:fld id="{C29A6671-07FF-4412-8642-FA14E96349FB}" type="datetimeFigureOut">
               <a:rPr lang="hu-HU" smtClean="0"/>
-              <a:t>2023. 04. 24.</a:t>
+              <a:t>2023. 04. 27.</a:t>
             </a:fld>
             <a:endParaRPr lang="hu-HU"/>
           </a:p>
@@ -12014,7 +12015,7 @@
           <a:p>
             <a:fld id="{C29A6671-07FF-4412-8642-FA14E96349FB}" type="datetimeFigureOut">
               <a:rPr lang="hu-HU" smtClean="0"/>
-              <a:t>2023. 04. 24.</a:t>
+              <a:t>2023. 04. 27.</a:t>
             </a:fld>
             <a:endParaRPr lang="hu-HU"/>
           </a:p>
@@ -12452,7 +12453,7 @@
         </p:nvSpPr>
         <p:spPr>
           <a:xfrm>
-            <a:off x="2994913" y="3041424"/>
+            <a:off x="2951370" y="2240236"/>
             <a:ext cx="6202174" cy="775152"/>
           </a:xfrm>
         </p:spPr>
@@ -12489,6 +12490,13 @@
       </p:transition>
     </mc:Fallback>
   </mc:AlternateContent>
+  <p:timing>
+    <p:tnLst>
+      <p:par>
+        <p:cTn id="1" dur="indefinite" restart="never" nodeType="tmRoot"/>
+      </p:par>
+    </p:tnLst>
+  </p:timing>
 </p:sld>
 </file>
 
@@ -12563,7 +12571,7 @@
               <a:t>Boti Lóránt – HTML , Főoldal, </a:t>
             </a:r>
             <a:r>
-              <a:rPr lang="hu-HU" dirty="0" err="1"/>
+              <a:rPr lang="hu-HU" dirty="0" err="1" smtClean="0"/>
               <a:t>Style</a:t>
             </a:r>
             <a:endParaRPr lang="hu-HU" dirty="0"/>
@@ -12590,12 +12598,22 @@
           <a:p>
             <a:r>
               <a:rPr lang="hu-HU" dirty="0"/>
-              <a:t>Csicskó Réka – ASP , képkeresés, </a:t>
+              <a:t>Csicskó Réka – ASP , </a:t>
             </a:r>
             <a:r>
-              <a:rPr lang="hu-HU" dirty="0" err="1"/>
+              <a:rPr lang="hu-HU" dirty="0" smtClean="0"/>
+              <a:t>képkeresés, </a:t>
+            </a:r>
+            <a:r>
+              <a:rPr lang="hu-HU" dirty="0" err="1" smtClean="0"/>
               <a:t>Style</a:t>
             </a:r>
+            <a:r>
+              <a:rPr lang="hu-HU" dirty="0" smtClean="0"/>
+              <a:t>, PPT</a:t>
+            </a:r>
+          </a:p>
+          <a:p>
             <a:endParaRPr lang="hu-HU" dirty="0"/>
           </a:p>
         </p:txBody>
@@ -12622,6 +12640,439 @@
       </p:transition>
     </mc:Fallback>
   </mc:AlternateContent>
+  <p:timing>
+    <p:tnLst>
+      <p:par>
+        <p:cTn id="1" dur="indefinite" restart="never" nodeType="tmRoot">
+          <p:childTnLst>
+            <p:seq concurrent="1" nextAc="seek">
+              <p:cTn id="2" dur="indefinite" nodeType="mainSeq">
+                <p:childTnLst>
+                  <p:par>
+                    <p:cTn id="3" fill="hold">
+                      <p:stCondLst>
+                        <p:cond delay="indefinite"/>
+                      </p:stCondLst>
+                      <p:childTnLst>
+                        <p:par>
+                          <p:cTn id="4" fill="hold">
+                            <p:stCondLst>
+                              <p:cond delay="0"/>
+                            </p:stCondLst>
+                            <p:childTnLst>
+                              <p:par>
+                                <p:cTn id="5" presetID="2" presetClass="entr" presetSubtype="4" fill="hold" grpId="0" nodeType="clickEffect">
+                                  <p:stCondLst>
+                                    <p:cond delay="0"/>
+                                  </p:stCondLst>
+                                  <p:childTnLst>
+                                    <p:set>
+                                      <p:cBhvr>
+                                        <p:cTn id="6" dur="1" fill="hold">
+                                          <p:stCondLst>
+                                            <p:cond delay="0"/>
+                                          </p:stCondLst>
+                                        </p:cTn>
+                                        <p:tgtEl>
+                                          <p:spTgt spid="2"/>
+                                        </p:tgtEl>
+                                        <p:attrNameLst>
+                                          <p:attrName>style.visibility</p:attrName>
+                                        </p:attrNameLst>
+                                      </p:cBhvr>
+                                      <p:to>
+                                        <p:strVal val="visible"/>
+                                      </p:to>
+                                    </p:set>
+                                    <p:anim calcmode="lin" valueType="num">
+                                      <p:cBhvr additive="base">
+                                        <p:cTn id="7" dur="500" fill="hold"/>
+                                        <p:tgtEl>
+                                          <p:spTgt spid="2"/>
+                                        </p:tgtEl>
+                                        <p:attrNameLst>
+                                          <p:attrName>ppt_x</p:attrName>
+                                        </p:attrNameLst>
+                                      </p:cBhvr>
+                                      <p:tavLst>
+                                        <p:tav tm="0">
+                                          <p:val>
+                                            <p:strVal val="#ppt_x"/>
+                                          </p:val>
+                                        </p:tav>
+                                        <p:tav tm="100000">
+                                          <p:val>
+                                            <p:strVal val="#ppt_x"/>
+                                          </p:val>
+                                        </p:tav>
+                                      </p:tavLst>
+                                    </p:anim>
+                                    <p:anim calcmode="lin" valueType="num">
+                                      <p:cBhvr additive="base">
+                                        <p:cTn id="8" dur="500" fill="hold"/>
+                                        <p:tgtEl>
+                                          <p:spTgt spid="2"/>
+                                        </p:tgtEl>
+                                        <p:attrNameLst>
+                                          <p:attrName>ppt_y</p:attrName>
+                                        </p:attrNameLst>
+                                      </p:cBhvr>
+                                      <p:tavLst>
+                                        <p:tav tm="0">
+                                          <p:val>
+                                            <p:strVal val="1+#ppt_h/2"/>
+                                          </p:val>
+                                        </p:tav>
+                                        <p:tav tm="100000">
+                                          <p:val>
+                                            <p:strVal val="#ppt_y"/>
+                                          </p:val>
+                                        </p:tav>
+                                      </p:tavLst>
+                                    </p:anim>
+                                  </p:childTnLst>
+                                </p:cTn>
+                              </p:par>
+                            </p:childTnLst>
+                          </p:cTn>
+                        </p:par>
+                      </p:childTnLst>
+                    </p:cTn>
+                  </p:par>
+                  <p:par>
+                    <p:cTn id="9" fill="hold">
+                      <p:stCondLst>
+                        <p:cond delay="indefinite"/>
+                      </p:stCondLst>
+                      <p:childTnLst>
+                        <p:par>
+                          <p:cTn id="10" fill="hold">
+                            <p:stCondLst>
+                              <p:cond delay="0"/>
+                            </p:stCondLst>
+                            <p:childTnLst>
+                              <p:par>
+                                <p:cTn id="11" presetID="2" presetClass="entr" presetSubtype="4" fill="hold" nodeType="clickEffect">
+                                  <p:stCondLst>
+                                    <p:cond delay="0"/>
+                                  </p:stCondLst>
+                                  <p:childTnLst>
+                                    <p:set>
+                                      <p:cBhvr>
+                                        <p:cTn id="12" dur="1" fill="hold">
+                                          <p:stCondLst>
+                                            <p:cond delay="0"/>
+                                          </p:stCondLst>
+                                        </p:cTn>
+                                        <p:tgtEl>
+                                          <p:spTgt spid="3">
+                                            <p:txEl>
+                                              <p:pRg st="0" end="0"/>
+                                            </p:txEl>
+                                          </p:spTgt>
+                                        </p:tgtEl>
+                                        <p:attrNameLst>
+                                          <p:attrName>style.visibility</p:attrName>
+                                        </p:attrNameLst>
+                                      </p:cBhvr>
+                                      <p:to>
+                                        <p:strVal val="visible"/>
+                                      </p:to>
+                                    </p:set>
+                                    <p:anim calcmode="lin" valueType="num">
+                                      <p:cBhvr additive="base">
+                                        <p:cTn id="13" dur="500" fill="hold"/>
+                                        <p:tgtEl>
+                                          <p:spTgt spid="3">
+                                            <p:txEl>
+                                              <p:pRg st="0" end="0"/>
+                                            </p:txEl>
+                                          </p:spTgt>
+                                        </p:tgtEl>
+                                        <p:attrNameLst>
+                                          <p:attrName>ppt_x</p:attrName>
+                                        </p:attrNameLst>
+                                      </p:cBhvr>
+                                      <p:tavLst>
+                                        <p:tav tm="0">
+                                          <p:val>
+                                            <p:strVal val="#ppt_x"/>
+                                          </p:val>
+                                        </p:tav>
+                                        <p:tav tm="100000">
+                                          <p:val>
+                                            <p:strVal val="#ppt_x"/>
+                                          </p:val>
+                                        </p:tav>
+                                      </p:tavLst>
+                                    </p:anim>
+                                    <p:anim calcmode="lin" valueType="num">
+                                      <p:cBhvr additive="base">
+                                        <p:cTn id="14" dur="500" fill="hold"/>
+                                        <p:tgtEl>
+                                          <p:spTgt spid="3">
+                                            <p:txEl>
+                                              <p:pRg st="0" end="0"/>
+                                            </p:txEl>
+                                          </p:spTgt>
+                                        </p:tgtEl>
+                                        <p:attrNameLst>
+                                          <p:attrName>ppt_y</p:attrName>
+                                        </p:attrNameLst>
+                                      </p:cBhvr>
+                                      <p:tavLst>
+                                        <p:tav tm="0">
+                                          <p:val>
+                                            <p:strVal val="1+#ppt_h/2"/>
+                                          </p:val>
+                                        </p:tav>
+                                        <p:tav tm="100000">
+                                          <p:val>
+                                            <p:strVal val="#ppt_y"/>
+                                          </p:val>
+                                        </p:tav>
+                                      </p:tavLst>
+                                    </p:anim>
+                                  </p:childTnLst>
+                                </p:cTn>
+                              </p:par>
+                            </p:childTnLst>
+                          </p:cTn>
+                        </p:par>
+                      </p:childTnLst>
+                    </p:cTn>
+                  </p:par>
+                  <p:par>
+                    <p:cTn id="15" fill="hold">
+                      <p:stCondLst>
+                        <p:cond delay="indefinite"/>
+                      </p:stCondLst>
+                      <p:childTnLst>
+                        <p:par>
+                          <p:cTn id="16" fill="hold">
+                            <p:stCondLst>
+                              <p:cond delay="0"/>
+                            </p:stCondLst>
+                            <p:childTnLst>
+                              <p:par>
+                                <p:cTn id="17" presetID="2" presetClass="entr" presetSubtype="4" fill="hold" nodeType="clickEffect">
+                                  <p:stCondLst>
+                                    <p:cond delay="0"/>
+                                  </p:stCondLst>
+                                  <p:childTnLst>
+                                    <p:set>
+                                      <p:cBhvr>
+                                        <p:cTn id="18" dur="1" fill="hold">
+                                          <p:stCondLst>
+                                            <p:cond delay="0"/>
+                                          </p:stCondLst>
+                                        </p:cTn>
+                                        <p:tgtEl>
+                                          <p:spTgt spid="3">
+                                            <p:txEl>
+                                              <p:pRg st="1" end="1"/>
+                                            </p:txEl>
+                                          </p:spTgt>
+                                        </p:tgtEl>
+                                        <p:attrNameLst>
+                                          <p:attrName>style.visibility</p:attrName>
+                                        </p:attrNameLst>
+                                      </p:cBhvr>
+                                      <p:to>
+                                        <p:strVal val="visible"/>
+                                      </p:to>
+                                    </p:set>
+                                    <p:anim calcmode="lin" valueType="num">
+                                      <p:cBhvr additive="base">
+                                        <p:cTn id="19" dur="500" fill="hold"/>
+                                        <p:tgtEl>
+                                          <p:spTgt spid="3">
+                                            <p:txEl>
+                                              <p:pRg st="1" end="1"/>
+                                            </p:txEl>
+                                          </p:spTgt>
+                                        </p:tgtEl>
+                                        <p:attrNameLst>
+                                          <p:attrName>ppt_x</p:attrName>
+                                        </p:attrNameLst>
+                                      </p:cBhvr>
+                                      <p:tavLst>
+                                        <p:tav tm="0">
+                                          <p:val>
+                                            <p:strVal val="#ppt_x"/>
+                                          </p:val>
+                                        </p:tav>
+                                        <p:tav tm="100000">
+                                          <p:val>
+                                            <p:strVal val="#ppt_x"/>
+                                          </p:val>
+                                        </p:tav>
+                                      </p:tavLst>
+                                    </p:anim>
+                                    <p:anim calcmode="lin" valueType="num">
+                                      <p:cBhvr additive="base">
+                                        <p:cTn id="20" dur="500" fill="hold"/>
+                                        <p:tgtEl>
+                                          <p:spTgt spid="3">
+                                            <p:txEl>
+                                              <p:pRg st="1" end="1"/>
+                                            </p:txEl>
+                                          </p:spTgt>
+                                        </p:tgtEl>
+                                        <p:attrNameLst>
+                                          <p:attrName>ppt_y</p:attrName>
+                                        </p:attrNameLst>
+                                      </p:cBhvr>
+                                      <p:tavLst>
+                                        <p:tav tm="0">
+                                          <p:val>
+                                            <p:strVal val="1+#ppt_h/2"/>
+                                          </p:val>
+                                        </p:tav>
+                                        <p:tav tm="100000">
+                                          <p:val>
+                                            <p:strVal val="#ppt_y"/>
+                                          </p:val>
+                                        </p:tav>
+                                      </p:tavLst>
+                                    </p:anim>
+                                  </p:childTnLst>
+                                </p:cTn>
+                              </p:par>
+                            </p:childTnLst>
+                          </p:cTn>
+                        </p:par>
+                      </p:childTnLst>
+                    </p:cTn>
+                  </p:par>
+                  <p:par>
+                    <p:cTn id="21" fill="hold">
+                      <p:stCondLst>
+                        <p:cond delay="indefinite"/>
+                      </p:stCondLst>
+                      <p:childTnLst>
+                        <p:par>
+                          <p:cTn id="22" fill="hold">
+                            <p:stCondLst>
+                              <p:cond delay="0"/>
+                            </p:stCondLst>
+                            <p:childTnLst>
+                              <p:par>
+                                <p:cTn id="23" presetID="2" presetClass="entr" presetSubtype="4" fill="hold" nodeType="clickEffect">
+                                  <p:stCondLst>
+                                    <p:cond delay="0"/>
+                                  </p:stCondLst>
+                                  <p:childTnLst>
+                                    <p:set>
+                                      <p:cBhvr>
+                                        <p:cTn id="24" dur="1" fill="hold">
+                                          <p:stCondLst>
+                                            <p:cond delay="0"/>
+                                          </p:stCondLst>
+                                        </p:cTn>
+                                        <p:tgtEl>
+                                          <p:spTgt spid="3">
+                                            <p:txEl>
+                                              <p:pRg st="2" end="2"/>
+                                            </p:txEl>
+                                          </p:spTgt>
+                                        </p:tgtEl>
+                                        <p:attrNameLst>
+                                          <p:attrName>style.visibility</p:attrName>
+                                        </p:attrNameLst>
+                                      </p:cBhvr>
+                                      <p:to>
+                                        <p:strVal val="visible"/>
+                                      </p:to>
+                                    </p:set>
+                                    <p:anim calcmode="lin" valueType="num">
+                                      <p:cBhvr additive="base">
+                                        <p:cTn id="25" dur="500" fill="hold"/>
+                                        <p:tgtEl>
+                                          <p:spTgt spid="3">
+                                            <p:txEl>
+                                              <p:pRg st="2" end="2"/>
+                                            </p:txEl>
+                                          </p:spTgt>
+                                        </p:tgtEl>
+                                        <p:attrNameLst>
+                                          <p:attrName>ppt_x</p:attrName>
+                                        </p:attrNameLst>
+                                      </p:cBhvr>
+                                      <p:tavLst>
+                                        <p:tav tm="0">
+                                          <p:val>
+                                            <p:strVal val="#ppt_x"/>
+                                          </p:val>
+                                        </p:tav>
+                                        <p:tav tm="100000">
+                                          <p:val>
+                                            <p:strVal val="#ppt_x"/>
+                                          </p:val>
+                                        </p:tav>
+                                      </p:tavLst>
+                                    </p:anim>
+                                    <p:anim calcmode="lin" valueType="num">
+                                      <p:cBhvr additive="base">
+                                        <p:cTn id="26" dur="500" fill="hold"/>
+                                        <p:tgtEl>
+                                          <p:spTgt spid="3">
+                                            <p:txEl>
+                                              <p:pRg st="2" end="2"/>
+                                            </p:txEl>
+                                          </p:spTgt>
+                                        </p:tgtEl>
+                                        <p:attrNameLst>
+                                          <p:attrName>ppt_y</p:attrName>
+                                        </p:attrNameLst>
+                                      </p:cBhvr>
+                                      <p:tavLst>
+                                        <p:tav tm="0">
+                                          <p:val>
+                                            <p:strVal val="1+#ppt_h/2"/>
+                                          </p:val>
+                                        </p:tav>
+                                        <p:tav tm="100000">
+                                          <p:val>
+                                            <p:strVal val="#ppt_y"/>
+                                          </p:val>
+                                        </p:tav>
+                                      </p:tavLst>
+                                    </p:anim>
+                                  </p:childTnLst>
+                                </p:cTn>
+                              </p:par>
+                            </p:childTnLst>
+                          </p:cTn>
+                        </p:par>
+                      </p:childTnLst>
+                    </p:cTn>
+                  </p:par>
+                </p:childTnLst>
+              </p:cTn>
+              <p:prevCondLst>
+                <p:cond evt="onPrev" delay="0">
+                  <p:tgtEl>
+                    <p:sldTgt/>
+                  </p:tgtEl>
+                </p:cond>
+              </p:prevCondLst>
+              <p:nextCondLst>
+                <p:cond evt="onNext" delay="0">
+                  <p:tgtEl>
+                    <p:sldTgt/>
+                  </p:tgtEl>
+                </p:cond>
+              </p:nextCondLst>
+            </p:seq>
+          </p:childTnLst>
+        </p:cTn>
+      </p:par>
+    </p:tnLst>
+    <p:bldLst>
+      <p:bldP spid="2" grpId="0"/>
+    </p:bldLst>
+  </p:timing>
 </p:sld>
 </file>
 
@@ -12658,7 +13109,12 @@
             <p:ph type="title"/>
           </p:nvPr>
         </p:nvSpPr>
-        <p:spPr/>
+        <p:spPr>
+          <a:xfrm>
+            <a:off x="113801" y="122130"/>
+            <a:ext cx="9905998" cy="1478570"/>
+          </a:xfrm>
+        </p:spPr>
         <p:txBody>
           <a:bodyPr/>
           <a:lstStyle/>
@@ -12688,8 +13144,8 @@
         </p:nvSpPr>
         <p:spPr>
           <a:xfrm>
-            <a:off x="1141412" y="2249486"/>
-            <a:ext cx="9905999" cy="4134535"/>
+            <a:off x="113802" y="1452654"/>
+            <a:ext cx="9570130" cy="5270363"/>
           </a:xfrm>
         </p:spPr>
         <p:txBody>
@@ -12699,43 +13155,143 @@
           <a:lstStyle/>
           <a:p>
             <a:r>
-              <a:rPr lang="hu-HU" dirty="0"/>
-              <a:t>1. Megbeszéltük hogy ki mit fog csinálni </a:t>
-            </a:r>
-          </a:p>
-          <a:p>
-            <a:r>
-              <a:rPr lang="hu-HU" dirty="0"/>
-              <a:t>2. megterveztük az oldalunk kinézetét, stílusát</a:t>
-            </a:r>
-          </a:p>
-          <a:p>
-            <a:r>
-              <a:rPr lang="hu-HU" dirty="0"/>
-              <a:t>3. Azok után már dolgoztunk </a:t>
-            </a:r>
-          </a:p>
-          <a:p>
-            <a:r>
-              <a:rPr lang="hu-HU" dirty="0"/>
-              <a:t>A munka alatt voltak kisebb viták, de nagyobb konfliktus nélkül megoldottuk őket. Valakinek mindig más </a:t>
+              <a:rPr lang="hu-HU" sz="2000" dirty="0" smtClean="0"/>
+              <a:t>Megbeszéltük </a:t>
             </a:r>
             <a:r>
-              <a:rPr lang="hu-HU"/>
-              <a:t>tetszett jobban, de </a:t>
+              <a:rPr lang="hu-HU" sz="2000" dirty="0"/>
+              <a:t>hogy ki mit fog </a:t>
+            </a:r>
+            <a:r>
+              <a:rPr lang="hu-HU" sz="2000" dirty="0" smtClean="0"/>
+              <a:t>csinálni, felosztottuk a témákat és feladatokat. </a:t>
+            </a:r>
+            <a:endParaRPr lang="hu-HU" sz="2000" dirty="0"/>
+          </a:p>
+          <a:p>
+            <a:r>
+              <a:rPr lang="hu-HU" sz="2000" dirty="0"/>
+              <a:t>M</a:t>
+            </a:r>
+            <a:r>
+              <a:rPr lang="hu-HU" sz="2000" dirty="0" smtClean="0"/>
+              <a:t>egterveztük </a:t>
+            </a:r>
+            <a:r>
+              <a:rPr lang="hu-HU" sz="2000" dirty="0"/>
+              <a:t>az oldalunk kinézetét, </a:t>
+            </a:r>
+            <a:r>
+              <a:rPr lang="hu-HU" sz="2000" dirty="0" smtClean="0"/>
+              <a:t>stílusát, felépítését </a:t>
+            </a:r>
+            <a:endParaRPr lang="hu-HU" sz="2000" dirty="0"/>
+          </a:p>
+          <a:p>
+            <a:r>
+              <a:rPr lang="hu-HU" sz="2000" dirty="0"/>
+              <a:t>E</a:t>
+            </a:r>
+            <a:r>
+              <a:rPr lang="hu-HU" sz="2000" dirty="0" smtClean="0"/>
+              <a:t>zek </a:t>
+            </a:r>
+            <a:r>
+              <a:rPr lang="hu-HU" sz="2000" dirty="0"/>
+              <a:t>után </a:t>
+            </a:r>
+            <a:r>
+              <a:rPr lang="hu-HU" sz="2000" dirty="0" smtClean="0"/>
+              <a:t>érvényben megkezdődött a munka </a:t>
+            </a:r>
+            <a:endParaRPr lang="hu-HU" sz="2000" dirty="0"/>
+          </a:p>
+          <a:p>
+            <a:r>
+              <a:rPr lang="hu-HU" sz="2000" dirty="0" smtClean="0"/>
+              <a:t>A </a:t>
+            </a:r>
+            <a:r>
+              <a:rPr lang="hu-HU" sz="2000" dirty="0"/>
+              <a:t>munka alatt voltak kisebb viták, de nagyobb konfliktus nélkül megoldottuk őket. Valakinek mindig más tetszett jobban, de végül sikerült közös nevezőre jutnunk. </a:t>
+            </a:r>
+          </a:p>
+          <a:p>
+            <a:r>
+              <a:rPr lang="hu-HU" sz="2000" dirty="0"/>
+              <a:t>Az elején nehéz dolgunk volt azzal, hogyan tudjunk együtt egy weblapon </a:t>
+            </a:r>
+            <a:r>
+              <a:rPr lang="hu-HU" sz="2000" dirty="0" smtClean="0"/>
+              <a:t>dolgozni, de a végére ez is megoldódni látszott. </a:t>
+            </a:r>
+            <a:endParaRPr lang="hu-HU" sz="2000" dirty="0" smtClean="0"/>
+          </a:p>
+          <a:p>
+            <a:r>
+              <a:rPr lang="hu-HU" sz="2000" dirty="0" smtClean="0"/>
+              <a:t>A feladat alatt kiismertük egymás tudását, képességeit, a felmerülő problémákat megoldottuk </a:t>
+            </a:r>
+            <a:endParaRPr lang="hu-HU" sz="2000" dirty="0"/>
+          </a:p>
+          <a:p>
+            <a:endParaRPr lang="hu-HU" dirty="0"/>
+          </a:p>
+        </p:txBody>
+      </p:sp>
+      <p:sp>
+        <p:nvSpPr>
+          <p:cNvPr id="4" name="Szövegdoboz 3"/>
+          <p:cNvSpPr txBox="1"/>
+          <p:nvPr/>
+        </p:nvSpPr>
+        <p:spPr>
+          <a:xfrm>
+            <a:off x="7942217" y="5075420"/>
+            <a:ext cx="3897674" cy="1231106"/>
+          </a:xfrm>
+          <a:prstGeom prst="rect">
+            <a:avLst/>
+          </a:prstGeom>
+          <a:noFill/>
+        </p:spPr>
+        <p:txBody>
+          <a:bodyPr wrap="square" rtlCol="0">
+            <a:spAutoFit/>
+          </a:bodyPr>
+          <a:lstStyle/>
+          <a:p>
+            <a:r>
+              <a:rPr lang="hu-HU" sz="2000" dirty="0" smtClean="0"/>
+              <a:t>Teljes munkanapló</a:t>
+            </a:r>
+            <a:r>
+              <a:rPr lang="hu-HU" dirty="0" smtClean="0"/>
+              <a:t>:</a:t>
             </a:r>
             <a:r>
               <a:rPr lang="hu-HU" dirty="0"/>
-              <a:t>végül sikerült közös nevezőre jutnunk. </a:t>
+              <a:t/>
             </a:r>
-          </a:p>
-          <a:p>
+            <a:br>
+              <a:rPr lang="hu-HU" dirty="0"/>
+            </a:br>
             <a:r>
-              <a:rPr lang="hu-HU" dirty="0"/>
-              <a:t>Az elején nehéz dolgunk volt azzal, hogyan tudjunk együtt egy weblapon dolgozni.</a:t>
+              <a:rPr lang="hu-HU" dirty="0">
+                <a:hlinkClick r:id="rId2"/>
+              </a:rPr>
+              <a:t>https://</a:t>
             </a:r>
-          </a:p>
-          <a:p>
+            <a:r>
+              <a:rPr lang="hu-HU" dirty="0" smtClean="0">
+                <a:hlinkClick r:id="rId2"/>
+              </a:rPr>
+              <a:t>docs.google.com/document/d/1QaekkkRWYqpQRyWktSbFMkwrfy7JR0wBL8YyN1vkdzU/edit</a:t>
+            </a:r>
+            <a:r>
+              <a:rPr lang="hu-HU" dirty="0" smtClean="0"/>
+              <a:t> </a:t>
+            </a:r>
             <a:endParaRPr lang="hu-HU" dirty="0"/>
           </a:p>
         </p:txBody>
@@ -12762,6 +13318,982 @@
       </p:transition>
     </mc:Fallback>
   </mc:AlternateContent>
+  <p:timing>
+    <p:tnLst>
+      <p:par>
+        <p:cTn id="1" dur="indefinite" restart="never" nodeType="tmRoot">
+          <p:childTnLst>
+            <p:seq concurrent="1" nextAc="seek">
+              <p:cTn id="2" dur="indefinite" nodeType="mainSeq">
+                <p:childTnLst>
+                  <p:par>
+                    <p:cTn id="3" fill="hold">
+                      <p:stCondLst>
+                        <p:cond delay="indefinite"/>
+                      </p:stCondLst>
+                      <p:childTnLst>
+                        <p:par>
+                          <p:cTn id="4" fill="hold">
+                            <p:stCondLst>
+                              <p:cond delay="0"/>
+                            </p:stCondLst>
+                            <p:childTnLst>
+                              <p:par>
+                                <p:cTn id="5" presetID="2" presetClass="entr" presetSubtype="4" fill="hold" grpId="0" nodeType="clickEffect">
+                                  <p:stCondLst>
+                                    <p:cond delay="0"/>
+                                  </p:stCondLst>
+                                  <p:childTnLst>
+                                    <p:set>
+                                      <p:cBhvr>
+                                        <p:cTn id="6" dur="1" fill="hold">
+                                          <p:stCondLst>
+                                            <p:cond delay="0"/>
+                                          </p:stCondLst>
+                                        </p:cTn>
+                                        <p:tgtEl>
+                                          <p:spTgt spid="2"/>
+                                        </p:tgtEl>
+                                        <p:attrNameLst>
+                                          <p:attrName>style.visibility</p:attrName>
+                                        </p:attrNameLst>
+                                      </p:cBhvr>
+                                      <p:to>
+                                        <p:strVal val="visible"/>
+                                      </p:to>
+                                    </p:set>
+                                    <p:anim calcmode="lin" valueType="num">
+                                      <p:cBhvr additive="base">
+                                        <p:cTn id="7" dur="500" fill="hold"/>
+                                        <p:tgtEl>
+                                          <p:spTgt spid="2"/>
+                                        </p:tgtEl>
+                                        <p:attrNameLst>
+                                          <p:attrName>ppt_x</p:attrName>
+                                        </p:attrNameLst>
+                                      </p:cBhvr>
+                                      <p:tavLst>
+                                        <p:tav tm="0">
+                                          <p:val>
+                                            <p:strVal val="#ppt_x"/>
+                                          </p:val>
+                                        </p:tav>
+                                        <p:tav tm="100000">
+                                          <p:val>
+                                            <p:strVal val="#ppt_x"/>
+                                          </p:val>
+                                        </p:tav>
+                                      </p:tavLst>
+                                    </p:anim>
+                                    <p:anim calcmode="lin" valueType="num">
+                                      <p:cBhvr additive="base">
+                                        <p:cTn id="8" dur="500" fill="hold"/>
+                                        <p:tgtEl>
+                                          <p:spTgt spid="2"/>
+                                        </p:tgtEl>
+                                        <p:attrNameLst>
+                                          <p:attrName>ppt_y</p:attrName>
+                                        </p:attrNameLst>
+                                      </p:cBhvr>
+                                      <p:tavLst>
+                                        <p:tav tm="0">
+                                          <p:val>
+                                            <p:strVal val="1+#ppt_h/2"/>
+                                          </p:val>
+                                        </p:tav>
+                                        <p:tav tm="100000">
+                                          <p:val>
+                                            <p:strVal val="#ppt_y"/>
+                                          </p:val>
+                                        </p:tav>
+                                      </p:tavLst>
+                                    </p:anim>
+                                  </p:childTnLst>
+                                </p:cTn>
+                              </p:par>
+                            </p:childTnLst>
+                          </p:cTn>
+                        </p:par>
+                      </p:childTnLst>
+                    </p:cTn>
+                  </p:par>
+                  <p:par>
+                    <p:cTn id="9" fill="hold">
+                      <p:stCondLst>
+                        <p:cond delay="indefinite"/>
+                      </p:stCondLst>
+                      <p:childTnLst>
+                        <p:par>
+                          <p:cTn id="10" fill="hold">
+                            <p:stCondLst>
+                              <p:cond delay="0"/>
+                            </p:stCondLst>
+                            <p:childTnLst>
+                              <p:par>
+                                <p:cTn id="11" presetID="2" presetClass="entr" presetSubtype="4" fill="hold" nodeType="clickEffect">
+                                  <p:stCondLst>
+                                    <p:cond delay="0"/>
+                                  </p:stCondLst>
+                                  <p:childTnLst>
+                                    <p:set>
+                                      <p:cBhvr>
+                                        <p:cTn id="12" dur="1" fill="hold">
+                                          <p:stCondLst>
+                                            <p:cond delay="0"/>
+                                          </p:stCondLst>
+                                        </p:cTn>
+                                        <p:tgtEl>
+                                          <p:spTgt spid="3">
+                                            <p:txEl>
+                                              <p:pRg st="0" end="0"/>
+                                            </p:txEl>
+                                          </p:spTgt>
+                                        </p:tgtEl>
+                                        <p:attrNameLst>
+                                          <p:attrName>style.visibility</p:attrName>
+                                        </p:attrNameLst>
+                                      </p:cBhvr>
+                                      <p:to>
+                                        <p:strVal val="visible"/>
+                                      </p:to>
+                                    </p:set>
+                                    <p:anim calcmode="lin" valueType="num">
+                                      <p:cBhvr additive="base">
+                                        <p:cTn id="13" dur="500" fill="hold"/>
+                                        <p:tgtEl>
+                                          <p:spTgt spid="3">
+                                            <p:txEl>
+                                              <p:pRg st="0" end="0"/>
+                                            </p:txEl>
+                                          </p:spTgt>
+                                        </p:tgtEl>
+                                        <p:attrNameLst>
+                                          <p:attrName>ppt_x</p:attrName>
+                                        </p:attrNameLst>
+                                      </p:cBhvr>
+                                      <p:tavLst>
+                                        <p:tav tm="0">
+                                          <p:val>
+                                            <p:strVal val="#ppt_x"/>
+                                          </p:val>
+                                        </p:tav>
+                                        <p:tav tm="100000">
+                                          <p:val>
+                                            <p:strVal val="#ppt_x"/>
+                                          </p:val>
+                                        </p:tav>
+                                      </p:tavLst>
+                                    </p:anim>
+                                    <p:anim calcmode="lin" valueType="num">
+                                      <p:cBhvr additive="base">
+                                        <p:cTn id="14" dur="500" fill="hold"/>
+                                        <p:tgtEl>
+                                          <p:spTgt spid="3">
+                                            <p:txEl>
+                                              <p:pRg st="0" end="0"/>
+                                            </p:txEl>
+                                          </p:spTgt>
+                                        </p:tgtEl>
+                                        <p:attrNameLst>
+                                          <p:attrName>ppt_y</p:attrName>
+                                        </p:attrNameLst>
+                                      </p:cBhvr>
+                                      <p:tavLst>
+                                        <p:tav tm="0">
+                                          <p:val>
+                                            <p:strVal val="1+#ppt_h/2"/>
+                                          </p:val>
+                                        </p:tav>
+                                        <p:tav tm="100000">
+                                          <p:val>
+                                            <p:strVal val="#ppt_y"/>
+                                          </p:val>
+                                        </p:tav>
+                                      </p:tavLst>
+                                    </p:anim>
+                                  </p:childTnLst>
+                                </p:cTn>
+                              </p:par>
+                            </p:childTnLst>
+                          </p:cTn>
+                        </p:par>
+                      </p:childTnLst>
+                    </p:cTn>
+                  </p:par>
+                  <p:par>
+                    <p:cTn id="15" fill="hold">
+                      <p:stCondLst>
+                        <p:cond delay="indefinite"/>
+                      </p:stCondLst>
+                      <p:childTnLst>
+                        <p:par>
+                          <p:cTn id="16" fill="hold">
+                            <p:stCondLst>
+                              <p:cond delay="0"/>
+                            </p:stCondLst>
+                            <p:childTnLst>
+                              <p:par>
+                                <p:cTn id="17" presetID="2" presetClass="entr" presetSubtype="4" fill="hold" nodeType="clickEffect">
+                                  <p:stCondLst>
+                                    <p:cond delay="0"/>
+                                  </p:stCondLst>
+                                  <p:childTnLst>
+                                    <p:set>
+                                      <p:cBhvr>
+                                        <p:cTn id="18" dur="1" fill="hold">
+                                          <p:stCondLst>
+                                            <p:cond delay="0"/>
+                                          </p:stCondLst>
+                                        </p:cTn>
+                                        <p:tgtEl>
+                                          <p:spTgt spid="3">
+                                            <p:txEl>
+                                              <p:pRg st="1" end="1"/>
+                                            </p:txEl>
+                                          </p:spTgt>
+                                        </p:tgtEl>
+                                        <p:attrNameLst>
+                                          <p:attrName>style.visibility</p:attrName>
+                                        </p:attrNameLst>
+                                      </p:cBhvr>
+                                      <p:to>
+                                        <p:strVal val="visible"/>
+                                      </p:to>
+                                    </p:set>
+                                    <p:anim calcmode="lin" valueType="num">
+                                      <p:cBhvr additive="base">
+                                        <p:cTn id="19" dur="500" fill="hold"/>
+                                        <p:tgtEl>
+                                          <p:spTgt spid="3">
+                                            <p:txEl>
+                                              <p:pRg st="1" end="1"/>
+                                            </p:txEl>
+                                          </p:spTgt>
+                                        </p:tgtEl>
+                                        <p:attrNameLst>
+                                          <p:attrName>ppt_x</p:attrName>
+                                        </p:attrNameLst>
+                                      </p:cBhvr>
+                                      <p:tavLst>
+                                        <p:tav tm="0">
+                                          <p:val>
+                                            <p:strVal val="#ppt_x"/>
+                                          </p:val>
+                                        </p:tav>
+                                        <p:tav tm="100000">
+                                          <p:val>
+                                            <p:strVal val="#ppt_x"/>
+                                          </p:val>
+                                        </p:tav>
+                                      </p:tavLst>
+                                    </p:anim>
+                                    <p:anim calcmode="lin" valueType="num">
+                                      <p:cBhvr additive="base">
+                                        <p:cTn id="20" dur="500" fill="hold"/>
+                                        <p:tgtEl>
+                                          <p:spTgt spid="3">
+                                            <p:txEl>
+                                              <p:pRg st="1" end="1"/>
+                                            </p:txEl>
+                                          </p:spTgt>
+                                        </p:tgtEl>
+                                        <p:attrNameLst>
+                                          <p:attrName>ppt_y</p:attrName>
+                                        </p:attrNameLst>
+                                      </p:cBhvr>
+                                      <p:tavLst>
+                                        <p:tav tm="0">
+                                          <p:val>
+                                            <p:strVal val="1+#ppt_h/2"/>
+                                          </p:val>
+                                        </p:tav>
+                                        <p:tav tm="100000">
+                                          <p:val>
+                                            <p:strVal val="#ppt_y"/>
+                                          </p:val>
+                                        </p:tav>
+                                      </p:tavLst>
+                                    </p:anim>
+                                  </p:childTnLst>
+                                </p:cTn>
+                              </p:par>
+                            </p:childTnLst>
+                          </p:cTn>
+                        </p:par>
+                      </p:childTnLst>
+                    </p:cTn>
+                  </p:par>
+                  <p:par>
+                    <p:cTn id="21" fill="hold">
+                      <p:stCondLst>
+                        <p:cond delay="indefinite"/>
+                      </p:stCondLst>
+                      <p:childTnLst>
+                        <p:par>
+                          <p:cTn id="22" fill="hold">
+                            <p:stCondLst>
+                              <p:cond delay="0"/>
+                            </p:stCondLst>
+                            <p:childTnLst>
+                              <p:par>
+                                <p:cTn id="23" presetID="2" presetClass="entr" presetSubtype="4" fill="hold" nodeType="clickEffect">
+                                  <p:stCondLst>
+                                    <p:cond delay="0"/>
+                                  </p:stCondLst>
+                                  <p:childTnLst>
+                                    <p:set>
+                                      <p:cBhvr>
+                                        <p:cTn id="24" dur="1" fill="hold">
+                                          <p:stCondLst>
+                                            <p:cond delay="0"/>
+                                          </p:stCondLst>
+                                        </p:cTn>
+                                        <p:tgtEl>
+                                          <p:spTgt spid="3">
+                                            <p:txEl>
+                                              <p:pRg st="2" end="2"/>
+                                            </p:txEl>
+                                          </p:spTgt>
+                                        </p:tgtEl>
+                                        <p:attrNameLst>
+                                          <p:attrName>style.visibility</p:attrName>
+                                        </p:attrNameLst>
+                                      </p:cBhvr>
+                                      <p:to>
+                                        <p:strVal val="visible"/>
+                                      </p:to>
+                                    </p:set>
+                                    <p:anim calcmode="lin" valueType="num">
+                                      <p:cBhvr additive="base">
+                                        <p:cTn id="25" dur="500" fill="hold"/>
+                                        <p:tgtEl>
+                                          <p:spTgt spid="3">
+                                            <p:txEl>
+                                              <p:pRg st="2" end="2"/>
+                                            </p:txEl>
+                                          </p:spTgt>
+                                        </p:tgtEl>
+                                        <p:attrNameLst>
+                                          <p:attrName>ppt_x</p:attrName>
+                                        </p:attrNameLst>
+                                      </p:cBhvr>
+                                      <p:tavLst>
+                                        <p:tav tm="0">
+                                          <p:val>
+                                            <p:strVal val="#ppt_x"/>
+                                          </p:val>
+                                        </p:tav>
+                                        <p:tav tm="100000">
+                                          <p:val>
+                                            <p:strVal val="#ppt_x"/>
+                                          </p:val>
+                                        </p:tav>
+                                      </p:tavLst>
+                                    </p:anim>
+                                    <p:anim calcmode="lin" valueType="num">
+                                      <p:cBhvr additive="base">
+                                        <p:cTn id="26" dur="500" fill="hold"/>
+                                        <p:tgtEl>
+                                          <p:spTgt spid="3">
+                                            <p:txEl>
+                                              <p:pRg st="2" end="2"/>
+                                            </p:txEl>
+                                          </p:spTgt>
+                                        </p:tgtEl>
+                                        <p:attrNameLst>
+                                          <p:attrName>ppt_y</p:attrName>
+                                        </p:attrNameLst>
+                                      </p:cBhvr>
+                                      <p:tavLst>
+                                        <p:tav tm="0">
+                                          <p:val>
+                                            <p:strVal val="1+#ppt_h/2"/>
+                                          </p:val>
+                                        </p:tav>
+                                        <p:tav tm="100000">
+                                          <p:val>
+                                            <p:strVal val="#ppt_y"/>
+                                          </p:val>
+                                        </p:tav>
+                                      </p:tavLst>
+                                    </p:anim>
+                                  </p:childTnLst>
+                                </p:cTn>
+                              </p:par>
+                            </p:childTnLst>
+                          </p:cTn>
+                        </p:par>
+                      </p:childTnLst>
+                    </p:cTn>
+                  </p:par>
+                  <p:par>
+                    <p:cTn id="27" fill="hold">
+                      <p:stCondLst>
+                        <p:cond delay="indefinite"/>
+                      </p:stCondLst>
+                      <p:childTnLst>
+                        <p:par>
+                          <p:cTn id="28" fill="hold">
+                            <p:stCondLst>
+                              <p:cond delay="0"/>
+                            </p:stCondLst>
+                            <p:childTnLst>
+                              <p:par>
+                                <p:cTn id="29" presetID="2" presetClass="entr" presetSubtype="4" fill="hold" nodeType="clickEffect">
+                                  <p:stCondLst>
+                                    <p:cond delay="0"/>
+                                  </p:stCondLst>
+                                  <p:childTnLst>
+                                    <p:set>
+                                      <p:cBhvr>
+                                        <p:cTn id="30" dur="1" fill="hold">
+                                          <p:stCondLst>
+                                            <p:cond delay="0"/>
+                                          </p:stCondLst>
+                                        </p:cTn>
+                                        <p:tgtEl>
+                                          <p:spTgt spid="3">
+                                            <p:txEl>
+                                              <p:pRg st="3" end="3"/>
+                                            </p:txEl>
+                                          </p:spTgt>
+                                        </p:tgtEl>
+                                        <p:attrNameLst>
+                                          <p:attrName>style.visibility</p:attrName>
+                                        </p:attrNameLst>
+                                      </p:cBhvr>
+                                      <p:to>
+                                        <p:strVal val="visible"/>
+                                      </p:to>
+                                    </p:set>
+                                    <p:anim calcmode="lin" valueType="num">
+                                      <p:cBhvr additive="base">
+                                        <p:cTn id="31" dur="500" fill="hold"/>
+                                        <p:tgtEl>
+                                          <p:spTgt spid="3">
+                                            <p:txEl>
+                                              <p:pRg st="3" end="3"/>
+                                            </p:txEl>
+                                          </p:spTgt>
+                                        </p:tgtEl>
+                                        <p:attrNameLst>
+                                          <p:attrName>ppt_x</p:attrName>
+                                        </p:attrNameLst>
+                                      </p:cBhvr>
+                                      <p:tavLst>
+                                        <p:tav tm="0">
+                                          <p:val>
+                                            <p:strVal val="#ppt_x"/>
+                                          </p:val>
+                                        </p:tav>
+                                        <p:tav tm="100000">
+                                          <p:val>
+                                            <p:strVal val="#ppt_x"/>
+                                          </p:val>
+                                        </p:tav>
+                                      </p:tavLst>
+                                    </p:anim>
+                                    <p:anim calcmode="lin" valueType="num">
+                                      <p:cBhvr additive="base">
+                                        <p:cTn id="32" dur="500" fill="hold"/>
+                                        <p:tgtEl>
+                                          <p:spTgt spid="3">
+                                            <p:txEl>
+                                              <p:pRg st="3" end="3"/>
+                                            </p:txEl>
+                                          </p:spTgt>
+                                        </p:tgtEl>
+                                        <p:attrNameLst>
+                                          <p:attrName>ppt_y</p:attrName>
+                                        </p:attrNameLst>
+                                      </p:cBhvr>
+                                      <p:tavLst>
+                                        <p:tav tm="0">
+                                          <p:val>
+                                            <p:strVal val="1+#ppt_h/2"/>
+                                          </p:val>
+                                        </p:tav>
+                                        <p:tav tm="100000">
+                                          <p:val>
+                                            <p:strVal val="#ppt_y"/>
+                                          </p:val>
+                                        </p:tav>
+                                      </p:tavLst>
+                                    </p:anim>
+                                  </p:childTnLst>
+                                </p:cTn>
+                              </p:par>
+                            </p:childTnLst>
+                          </p:cTn>
+                        </p:par>
+                      </p:childTnLst>
+                    </p:cTn>
+                  </p:par>
+                  <p:par>
+                    <p:cTn id="33" fill="hold">
+                      <p:stCondLst>
+                        <p:cond delay="indefinite"/>
+                      </p:stCondLst>
+                      <p:childTnLst>
+                        <p:par>
+                          <p:cTn id="34" fill="hold">
+                            <p:stCondLst>
+                              <p:cond delay="0"/>
+                            </p:stCondLst>
+                            <p:childTnLst>
+                              <p:par>
+                                <p:cTn id="35" presetID="2" presetClass="entr" presetSubtype="4" fill="hold" nodeType="clickEffect">
+                                  <p:stCondLst>
+                                    <p:cond delay="0"/>
+                                  </p:stCondLst>
+                                  <p:childTnLst>
+                                    <p:set>
+                                      <p:cBhvr>
+                                        <p:cTn id="36" dur="1" fill="hold">
+                                          <p:stCondLst>
+                                            <p:cond delay="0"/>
+                                          </p:stCondLst>
+                                        </p:cTn>
+                                        <p:tgtEl>
+                                          <p:spTgt spid="3">
+                                            <p:txEl>
+                                              <p:pRg st="4" end="4"/>
+                                            </p:txEl>
+                                          </p:spTgt>
+                                        </p:tgtEl>
+                                        <p:attrNameLst>
+                                          <p:attrName>style.visibility</p:attrName>
+                                        </p:attrNameLst>
+                                      </p:cBhvr>
+                                      <p:to>
+                                        <p:strVal val="visible"/>
+                                      </p:to>
+                                    </p:set>
+                                    <p:anim calcmode="lin" valueType="num">
+                                      <p:cBhvr additive="base">
+                                        <p:cTn id="37" dur="500" fill="hold"/>
+                                        <p:tgtEl>
+                                          <p:spTgt spid="3">
+                                            <p:txEl>
+                                              <p:pRg st="4" end="4"/>
+                                            </p:txEl>
+                                          </p:spTgt>
+                                        </p:tgtEl>
+                                        <p:attrNameLst>
+                                          <p:attrName>ppt_x</p:attrName>
+                                        </p:attrNameLst>
+                                      </p:cBhvr>
+                                      <p:tavLst>
+                                        <p:tav tm="0">
+                                          <p:val>
+                                            <p:strVal val="#ppt_x"/>
+                                          </p:val>
+                                        </p:tav>
+                                        <p:tav tm="100000">
+                                          <p:val>
+                                            <p:strVal val="#ppt_x"/>
+                                          </p:val>
+                                        </p:tav>
+                                      </p:tavLst>
+                                    </p:anim>
+                                    <p:anim calcmode="lin" valueType="num">
+                                      <p:cBhvr additive="base">
+                                        <p:cTn id="38" dur="500" fill="hold"/>
+                                        <p:tgtEl>
+                                          <p:spTgt spid="3">
+                                            <p:txEl>
+                                              <p:pRg st="4" end="4"/>
+                                            </p:txEl>
+                                          </p:spTgt>
+                                        </p:tgtEl>
+                                        <p:attrNameLst>
+                                          <p:attrName>ppt_y</p:attrName>
+                                        </p:attrNameLst>
+                                      </p:cBhvr>
+                                      <p:tavLst>
+                                        <p:tav tm="0">
+                                          <p:val>
+                                            <p:strVal val="1+#ppt_h/2"/>
+                                          </p:val>
+                                        </p:tav>
+                                        <p:tav tm="100000">
+                                          <p:val>
+                                            <p:strVal val="#ppt_y"/>
+                                          </p:val>
+                                        </p:tav>
+                                      </p:tavLst>
+                                    </p:anim>
+                                  </p:childTnLst>
+                                </p:cTn>
+                              </p:par>
+                            </p:childTnLst>
+                          </p:cTn>
+                        </p:par>
+                      </p:childTnLst>
+                    </p:cTn>
+                  </p:par>
+                  <p:par>
+                    <p:cTn id="39" fill="hold">
+                      <p:stCondLst>
+                        <p:cond delay="indefinite"/>
+                      </p:stCondLst>
+                      <p:childTnLst>
+                        <p:par>
+                          <p:cTn id="40" fill="hold">
+                            <p:stCondLst>
+                              <p:cond delay="0"/>
+                            </p:stCondLst>
+                            <p:childTnLst>
+                              <p:par>
+                                <p:cTn id="41" presetID="2" presetClass="entr" presetSubtype="4" fill="hold" nodeType="clickEffect">
+                                  <p:stCondLst>
+                                    <p:cond delay="0"/>
+                                  </p:stCondLst>
+                                  <p:childTnLst>
+                                    <p:set>
+                                      <p:cBhvr>
+                                        <p:cTn id="42" dur="1" fill="hold">
+                                          <p:stCondLst>
+                                            <p:cond delay="0"/>
+                                          </p:stCondLst>
+                                        </p:cTn>
+                                        <p:tgtEl>
+                                          <p:spTgt spid="3">
+                                            <p:txEl>
+                                              <p:pRg st="5" end="5"/>
+                                            </p:txEl>
+                                          </p:spTgt>
+                                        </p:tgtEl>
+                                        <p:attrNameLst>
+                                          <p:attrName>style.visibility</p:attrName>
+                                        </p:attrNameLst>
+                                      </p:cBhvr>
+                                      <p:to>
+                                        <p:strVal val="visible"/>
+                                      </p:to>
+                                    </p:set>
+                                    <p:anim calcmode="lin" valueType="num">
+                                      <p:cBhvr additive="base">
+                                        <p:cTn id="43" dur="500" fill="hold"/>
+                                        <p:tgtEl>
+                                          <p:spTgt spid="3">
+                                            <p:txEl>
+                                              <p:pRg st="5" end="5"/>
+                                            </p:txEl>
+                                          </p:spTgt>
+                                        </p:tgtEl>
+                                        <p:attrNameLst>
+                                          <p:attrName>ppt_x</p:attrName>
+                                        </p:attrNameLst>
+                                      </p:cBhvr>
+                                      <p:tavLst>
+                                        <p:tav tm="0">
+                                          <p:val>
+                                            <p:strVal val="#ppt_x"/>
+                                          </p:val>
+                                        </p:tav>
+                                        <p:tav tm="100000">
+                                          <p:val>
+                                            <p:strVal val="#ppt_x"/>
+                                          </p:val>
+                                        </p:tav>
+                                      </p:tavLst>
+                                    </p:anim>
+                                    <p:anim calcmode="lin" valueType="num">
+                                      <p:cBhvr additive="base">
+                                        <p:cTn id="44" dur="500" fill="hold"/>
+                                        <p:tgtEl>
+                                          <p:spTgt spid="3">
+                                            <p:txEl>
+                                              <p:pRg st="5" end="5"/>
+                                            </p:txEl>
+                                          </p:spTgt>
+                                        </p:tgtEl>
+                                        <p:attrNameLst>
+                                          <p:attrName>ppt_y</p:attrName>
+                                        </p:attrNameLst>
+                                      </p:cBhvr>
+                                      <p:tavLst>
+                                        <p:tav tm="0">
+                                          <p:val>
+                                            <p:strVal val="1+#ppt_h/2"/>
+                                          </p:val>
+                                        </p:tav>
+                                        <p:tav tm="100000">
+                                          <p:val>
+                                            <p:strVal val="#ppt_y"/>
+                                          </p:val>
+                                        </p:tav>
+                                      </p:tavLst>
+                                    </p:anim>
+                                  </p:childTnLst>
+                                </p:cTn>
+                              </p:par>
+                            </p:childTnLst>
+                          </p:cTn>
+                        </p:par>
+                      </p:childTnLst>
+                    </p:cTn>
+                  </p:par>
+                  <p:par>
+                    <p:cTn id="45" fill="hold">
+                      <p:stCondLst>
+                        <p:cond delay="indefinite"/>
+                      </p:stCondLst>
+                      <p:childTnLst>
+                        <p:par>
+                          <p:cTn id="46" fill="hold">
+                            <p:stCondLst>
+                              <p:cond delay="0"/>
+                            </p:stCondLst>
+                            <p:childTnLst>
+                              <p:par>
+                                <p:cTn id="47" presetID="2" presetClass="entr" presetSubtype="8" fill="hold" grpId="0" nodeType="clickEffect">
+                                  <p:stCondLst>
+                                    <p:cond delay="0"/>
+                                  </p:stCondLst>
+                                  <p:childTnLst>
+                                    <p:set>
+                                      <p:cBhvr>
+                                        <p:cTn id="48" dur="1" fill="hold">
+                                          <p:stCondLst>
+                                            <p:cond delay="0"/>
+                                          </p:stCondLst>
+                                        </p:cTn>
+                                        <p:tgtEl>
+                                          <p:spTgt spid="4"/>
+                                        </p:tgtEl>
+                                        <p:attrNameLst>
+                                          <p:attrName>style.visibility</p:attrName>
+                                        </p:attrNameLst>
+                                      </p:cBhvr>
+                                      <p:to>
+                                        <p:strVal val="visible"/>
+                                      </p:to>
+                                    </p:set>
+                                    <p:anim calcmode="lin" valueType="num">
+                                      <p:cBhvr additive="base">
+                                        <p:cTn id="49" dur="1000" fill="hold"/>
+                                        <p:tgtEl>
+                                          <p:spTgt spid="4"/>
+                                        </p:tgtEl>
+                                        <p:attrNameLst>
+                                          <p:attrName>ppt_x</p:attrName>
+                                        </p:attrNameLst>
+                                      </p:cBhvr>
+                                      <p:tavLst>
+                                        <p:tav tm="0">
+                                          <p:val>
+                                            <p:strVal val="0-#ppt_w/2"/>
+                                          </p:val>
+                                        </p:tav>
+                                        <p:tav tm="100000">
+                                          <p:val>
+                                            <p:strVal val="#ppt_x"/>
+                                          </p:val>
+                                        </p:tav>
+                                      </p:tavLst>
+                                    </p:anim>
+                                    <p:anim calcmode="lin" valueType="num">
+                                      <p:cBhvr additive="base">
+                                        <p:cTn id="50" dur="1000" fill="hold"/>
+                                        <p:tgtEl>
+                                          <p:spTgt spid="4"/>
+                                        </p:tgtEl>
+                                        <p:attrNameLst>
+                                          <p:attrName>ppt_y</p:attrName>
+                                        </p:attrNameLst>
+                                      </p:cBhvr>
+                                      <p:tavLst>
+                                        <p:tav tm="0">
+                                          <p:val>
+                                            <p:strVal val="#ppt_y"/>
+                                          </p:val>
+                                        </p:tav>
+                                        <p:tav tm="100000">
+                                          <p:val>
+                                            <p:strVal val="#ppt_y"/>
+                                          </p:val>
+                                        </p:tav>
+                                      </p:tavLst>
+                                    </p:anim>
+                                  </p:childTnLst>
+                                </p:cTn>
+                              </p:par>
+                            </p:childTnLst>
+                          </p:cTn>
+                        </p:par>
+                      </p:childTnLst>
+                    </p:cTn>
+                  </p:par>
+                </p:childTnLst>
+              </p:cTn>
+              <p:prevCondLst>
+                <p:cond evt="onPrev" delay="0">
+                  <p:tgtEl>
+                    <p:sldTgt/>
+                  </p:tgtEl>
+                </p:cond>
+              </p:prevCondLst>
+              <p:nextCondLst>
+                <p:cond evt="onNext" delay="0">
+                  <p:tgtEl>
+                    <p:sldTgt/>
+                  </p:tgtEl>
+                </p:cond>
+              </p:nextCondLst>
+            </p:seq>
+          </p:childTnLst>
+        </p:cTn>
+      </p:par>
+    </p:tnLst>
+    <p:bldLst>
+      <p:bldP spid="2" grpId="0"/>
+      <p:bldP spid="4" grpId="0"/>
+    </p:bldLst>
+  </p:timing>
+</p:sld>
+</file>
+
+<file path=ppt/slides/slide4.xml><?xml version="1.0" encoding="utf-8"?>
+<p:sld xmlns:a="http://schemas.openxmlformats.org/drawingml/2006/main" xmlns:r="http://schemas.openxmlformats.org/officeDocument/2006/relationships" xmlns:p="http://schemas.openxmlformats.org/presentationml/2006/main">
+  <p:cSld>
+    <p:spTree>
+      <p:nvGrpSpPr>
+        <p:cNvPr id="1" name=""/>
+        <p:cNvGrpSpPr/>
+        <p:nvPr/>
+      </p:nvGrpSpPr>
+      <p:grpSpPr>
+        <a:xfrm>
+          <a:off x="0" y="0"/>
+          <a:ext cx="0" cy="0"/>
+          <a:chOff x="0" y="0"/>
+          <a:chExt cx="0" cy="0"/>
+        </a:xfrm>
+      </p:grpSpPr>
+      <p:sp>
+        <p:nvSpPr>
+          <p:cNvPr id="2" name="Cím 1"/>
+          <p:cNvSpPr>
+            <a:spLocks noGrp="1"/>
+          </p:cNvSpPr>
+          <p:nvPr>
+            <p:ph type="ctrTitle"/>
+          </p:nvPr>
+        </p:nvSpPr>
+        <p:spPr/>
+        <p:txBody>
+          <a:bodyPr/>
+          <a:lstStyle/>
+          <a:p>
+            <a:r>
+              <a:rPr lang="hu-HU" dirty="0" smtClean="0"/>
+              <a:t>Köszönjük a figyelmet!</a:t>
+            </a:r>
+            <a:br>
+              <a:rPr lang="hu-HU" dirty="0" smtClean="0"/>
+            </a:br>
+            <a:endParaRPr lang="hu-HU" dirty="0"/>
+          </a:p>
+        </p:txBody>
+      </p:sp>
+    </p:spTree>
+    <p:extLst>
+      <p:ext uri="{BB962C8B-B14F-4D97-AF65-F5344CB8AC3E}">
+        <p14:creationId xmlns:p14="http://schemas.microsoft.com/office/powerpoint/2010/main" val="817595166"/>
+      </p:ext>
+    </p:extLst>
+  </p:cSld>
+  <p:clrMapOvr>
+    <a:masterClrMapping/>
+  </p:clrMapOvr>
+  <p:timing>
+    <p:tnLst>
+      <p:par>
+        <p:cTn id="1" dur="indefinite" restart="never" nodeType="tmRoot">
+          <p:childTnLst>
+            <p:seq concurrent="1" nextAc="seek">
+              <p:cTn id="2" dur="indefinite" nodeType="mainSeq">
+                <p:childTnLst>
+                  <p:par>
+                    <p:cTn id="3" fill="hold">
+                      <p:stCondLst>
+                        <p:cond delay="indefinite"/>
+                      </p:stCondLst>
+                      <p:childTnLst>
+                        <p:par>
+                          <p:cTn id="4" fill="hold">
+                            <p:stCondLst>
+                              <p:cond delay="0"/>
+                            </p:stCondLst>
+                            <p:childTnLst>
+                              <p:par>
+                                <p:cTn id="5" presetID="14" presetClass="entr" presetSubtype="10" fill="hold" grpId="0" nodeType="clickEffect">
+                                  <p:stCondLst>
+                                    <p:cond delay="0"/>
+                                  </p:stCondLst>
+                                  <p:childTnLst>
+                                    <p:set>
+                                      <p:cBhvr>
+                                        <p:cTn id="6" dur="1" fill="hold">
+                                          <p:stCondLst>
+                                            <p:cond delay="0"/>
+                                          </p:stCondLst>
+                                        </p:cTn>
+                                        <p:tgtEl>
+                                          <p:spTgt spid="2"/>
+                                        </p:tgtEl>
+                                        <p:attrNameLst>
+                                          <p:attrName>style.visibility</p:attrName>
+                                        </p:attrNameLst>
+                                      </p:cBhvr>
+                                      <p:to>
+                                        <p:strVal val="visible"/>
+                                      </p:to>
+                                    </p:set>
+                                    <p:animEffect transition="in" filter="randombar(horizontal)">
+                                      <p:cBhvr>
+                                        <p:cTn id="7" dur="500"/>
+                                        <p:tgtEl>
+                                          <p:spTgt spid="2"/>
+                                        </p:tgtEl>
+                                      </p:cBhvr>
+                                    </p:animEffect>
+                                  </p:childTnLst>
+                                </p:cTn>
+                              </p:par>
+                            </p:childTnLst>
+                          </p:cTn>
+                        </p:par>
+                      </p:childTnLst>
+                    </p:cTn>
+                  </p:par>
+                </p:childTnLst>
+              </p:cTn>
+              <p:prevCondLst>
+                <p:cond evt="onPrev" delay="0">
+                  <p:tgtEl>
+                    <p:sldTgt/>
+                  </p:tgtEl>
+                </p:cond>
+              </p:prevCondLst>
+              <p:nextCondLst>
+                <p:cond evt="onNext" delay="0">
+                  <p:tgtEl>
+                    <p:sldTgt/>
+                  </p:tgtEl>
+                </p:cond>
+              </p:nextCondLst>
+            </p:seq>
+          </p:childTnLst>
+        </p:cTn>
+      </p:par>
+    </p:tnLst>
+    <p:bldLst>
+      <p:bldP spid="2" grpId="0"/>
+    </p:bldLst>
+  </p:timing>
 </p:sld>
 </file>
 

--- a/IKT 2.pptx
+++ b/IKT 2.pptx
@@ -8,7 +8,8 @@
     <p:sldId id="256" r:id="rId2"/>
     <p:sldId id="257" r:id="rId3"/>
     <p:sldId id="258" r:id="rId4"/>
-    <p:sldId id="259" r:id="rId5"/>
+    <p:sldId id="260" r:id="rId5"/>
+    <p:sldId id="259" r:id="rId6"/>
   </p:sldIdLst>
   <p:sldSz cx="12192000" cy="6858000"/>
   <p:notesSz cx="6858000" cy="9144000"/>
@@ -172,7 +173,7 @@
           <a:noFill/>
           <a:extLst>
             <a:ext uri="{909E8E84-426E-40dd-AFC4-6F175D3DCCD1}">
-              <a14:hiddenFill xmlns:a14="http://schemas.microsoft.com/office/drawing/2010/main" xmlns="">
+              <a14:hiddenFill xmlns="" xmlns:a14="http://schemas.microsoft.com/office/drawing/2010/main">
                 <a:solidFill>
                   <a:srgbClr val="FFFFFF"/>
                 </a:solidFill>
@@ -231,7 +232,7 @@
             </a:ln>
             <a:extLst>
               <a:ext uri="{91240B29-F687-4f45-9708-019B960494DF}">
-                <a14:hiddenLine xmlns:a14="http://schemas.microsoft.com/office/drawing/2010/main" xmlns="" w="9525">
+                <a14:hiddenLine xmlns="" xmlns:a14="http://schemas.microsoft.com/office/drawing/2010/main" w="9525">
                   <a:solidFill>
                     <a:srgbClr val="000000"/>
                   </a:solidFill>
@@ -321,7 +322,7 @@
             </a:ln>
             <a:extLst>
               <a:ext uri="{91240B29-F687-4f45-9708-019B960494DF}">
-                <a14:hiddenLine xmlns:a14="http://schemas.microsoft.com/office/drawing/2010/main" xmlns="" w="9525">
+                <a14:hiddenLine xmlns="" xmlns:a14="http://schemas.microsoft.com/office/drawing/2010/main" w="9525">
                   <a:solidFill>
                     <a:srgbClr val="000000"/>
                   </a:solidFill>
@@ -411,7 +412,7 @@
             </a:ln>
             <a:extLst>
               <a:ext uri="{91240B29-F687-4f45-9708-019B960494DF}">
-                <a14:hiddenLine xmlns:a14="http://schemas.microsoft.com/office/drawing/2010/main" xmlns="" w="9525">
+                <a14:hiddenLine xmlns="" xmlns:a14="http://schemas.microsoft.com/office/drawing/2010/main" w="9525">
                   <a:solidFill>
                     <a:srgbClr val="000000"/>
                   </a:solidFill>
@@ -445,7 +446,7 @@
             </a:ln>
             <a:extLst>
               <a:ext uri="{91240B29-F687-4f45-9708-019B960494DF}">
-                <a14:hiddenLine xmlns:a14="http://schemas.microsoft.com/office/drawing/2010/main" xmlns="" w="9525">
+                <a14:hiddenLine xmlns="" xmlns:a14="http://schemas.microsoft.com/office/drawing/2010/main" w="9525">
                   <a:solidFill>
                     <a:srgbClr val="000000"/>
                   </a:solidFill>
@@ -535,7 +536,7 @@
             </a:ln>
             <a:extLst>
               <a:ext uri="{91240B29-F687-4f45-9708-019B960494DF}">
-                <a14:hiddenLine xmlns:a14="http://schemas.microsoft.com/office/drawing/2010/main" xmlns="" w="9525">
+                <a14:hiddenLine xmlns="" xmlns:a14="http://schemas.microsoft.com/office/drawing/2010/main" w="9525">
                   <a:solidFill>
                     <a:srgbClr val="000000"/>
                   </a:solidFill>
@@ -597,7 +598,7 @@
             </a:ln>
             <a:extLst>
               <a:ext uri="{91240B29-F687-4f45-9708-019B960494DF}">
-                <a14:hiddenLine xmlns:a14="http://schemas.microsoft.com/office/drawing/2010/main" xmlns="" w="9525">
+                <a14:hiddenLine xmlns="" xmlns:a14="http://schemas.microsoft.com/office/drawing/2010/main" w="9525">
                   <a:solidFill>
                     <a:srgbClr val="000000"/>
                   </a:solidFill>
@@ -659,7 +660,7 @@
             </a:ln>
             <a:extLst>
               <a:ext uri="{91240B29-F687-4f45-9708-019B960494DF}">
-                <a14:hiddenLine xmlns:a14="http://schemas.microsoft.com/office/drawing/2010/main" xmlns="" w="9525">
+                <a14:hiddenLine xmlns="" xmlns:a14="http://schemas.microsoft.com/office/drawing/2010/main" w="9525">
                   <a:solidFill>
                     <a:srgbClr val="000000"/>
                   </a:solidFill>
@@ -749,7 +750,7 @@
             </a:ln>
             <a:extLst>
               <a:ext uri="{91240B29-F687-4f45-9708-019B960494DF}">
-                <a14:hiddenLine xmlns:a14="http://schemas.microsoft.com/office/drawing/2010/main" xmlns="" w="9525">
+                <a14:hiddenLine xmlns="" xmlns:a14="http://schemas.microsoft.com/office/drawing/2010/main" w="9525">
                   <a:solidFill>
                     <a:srgbClr val="000000"/>
                   </a:solidFill>
@@ -811,7 +812,7 @@
             </a:ln>
             <a:extLst>
               <a:ext uri="{91240B29-F687-4f45-9708-019B960494DF}">
-                <a14:hiddenLine xmlns:a14="http://schemas.microsoft.com/office/drawing/2010/main" xmlns="" w="9525">
+                <a14:hiddenLine xmlns="" xmlns:a14="http://schemas.microsoft.com/office/drawing/2010/main" w="9525">
                   <a:solidFill>
                     <a:srgbClr val="000000"/>
                   </a:solidFill>
@@ -873,7 +874,7 @@
             </a:ln>
             <a:extLst>
               <a:ext uri="{91240B29-F687-4f45-9708-019B960494DF}">
-                <a14:hiddenLine xmlns:a14="http://schemas.microsoft.com/office/drawing/2010/main" xmlns="" w="9525">
+                <a14:hiddenLine xmlns="" xmlns:a14="http://schemas.microsoft.com/office/drawing/2010/main" w="9525">
                   <a:solidFill>
                     <a:srgbClr val="000000"/>
                   </a:solidFill>
@@ -963,7 +964,7 @@
             </a:ln>
             <a:extLst>
               <a:ext uri="{91240B29-F687-4f45-9708-019B960494DF}">
-                <a14:hiddenLine xmlns:a14="http://schemas.microsoft.com/office/drawing/2010/main" xmlns="" w="9525">
+                <a14:hiddenLine xmlns="" xmlns:a14="http://schemas.microsoft.com/office/drawing/2010/main" w="9525">
                   <a:solidFill>
                     <a:srgbClr val="000000"/>
                   </a:solidFill>
@@ -1053,7 +1054,7 @@
             </a:ln>
             <a:extLst>
               <a:ext uri="{91240B29-F687-4f45-9708-019B960494DF}">
-                <a14:hiddenLine xmlns:a14="http://schemas.microsoft.com/office/drawing/2010/main" xmlns="" w="9525">
+                <a14:hiddenLine xmlns="" xmlns:a14="http://schemas.microsoft.com/office/drawing/2010/main" w="9525">
                   <a:solidFill>
                     <a:srgbClr val="000000"/>
                   </a:solidFill>
@@ -1115,7 +1116,7 @@
             </a:ln>
             <a:extLst>
               <a:ext uri="{91240B29-F687-4f45-9708-019B960494DF}">
-                <a14:hiddenLine xmlns:a14="http://schemas.microsoft.com/office/drawing/2010/main" xmlns="" w="9525">
+                <a14:hiddenLine xmlns="" xmlns:a14="http://schemas.microsoft.com/office/drawing/2010/main" w="9525">
                   <a:solidFill>
                     <a:srgbClr val="000000"/>
                   </a:solidFill>
@@ -1225,7 +1226,7 @@
             </a:ln>
             <a:extLst>
               <a:ext uri="{91240B29-F687-4f45-9708-019B960494DF}">
-                <a14:hiddenLine xmlns:a14="http://schemas.microsoft.com/office/drawing/2010/main" xmlns="" w="9525">
+                <a14:hiddenLine xmlns="" xmlns:a14="http://schemas.microsoft.com/office/drawing/2010/main" w="9525">
                   <a:solidFill>
                     <a:srgbClr val="000000"/>
                   </a:solidFill>
@@ -1287,7 +1288,7 @@
             </a:ln>
             <a:extLst>
               <a:ext uri="{91240B29-F687-4f45-9708-019B960494DF}">
-                <a14:hiddenLine xmlns:a14="http://schemas.microsoft.com/office/drawing/2010/main" xmlns="" w="9525">
+                <a14:hiddenLine xmlns="" xmlns:a14="http://schemas.microsoft.com/office/drawing/2010/main" w="9525">
                   <a:solidFill>
                     <a:srgbClr val="000000"/>
                   </a:solidFill>
@@ -1377,7 +1378,7 @@
             </a:ln>
             <a:extLst>
               <a:ext uri="{91240B29-F687-4f45-9708-019B960494DF}">
-                <a14:hiddenLine xmlns:a14="http://schemas.microsoft.com/office/drawing/2010/main" xmlns="" w="9525">
+                <a14:hiddenLine xmlns="" xmlns:a14="http://schemas.microsoft.com/office/drawing/2010/main" w="9525">
                   <a:solidFill>
                     <a:srgbClr val="000000"/>
                   </a:solidFill>
@@ -1467,7 +1468,7 @@
             </a:ln>
             <a:extLst>
               <a:ext uri="{91240B29-F687-4f45-9708-019B960494DF}">
-                <a14:hiddenLine xmlns:a14="http://schemas.microsoft.com/office/drawing/2010/main" xmlns="" w="9525">
+                <a14:hiddenLine xmlns="" xmlns:a14="http://schemas.microsoft.com/office/drawing/2010/main" w="9525">
                   <a:solidFill>
                     <a:srgbClr val="000000"/>
                   </a:solidFill>
@@ -1529,7 +1530,7 @@
             </a:ln>
             <a:extLst>
               <a:ext uri="{91240B29-F687-4f45-9708-019B960494DF}">
-                <a14:hiddenLine xmlns:a14="http://schemas.microsoft.com/office/drawing/2010/main" xmlns="" w="9525">
+                <a14:hiddenLine xmlns="" xmlns:a14="http://schemas.microsoft.com/office/drawing/2010/main" w="9525">
                   <a:solidFill>
                     <a:srgbClr val="000000"/>
                   </a:solidFill>
@@ -1619,7 +1620,7 @@
             </a:ln>
             <a:extLst>
               <a:ext uri="{91240B29-F687-4f45-9708-019B960494DF}">
-                <a14:hiddenLine xmlns:a14="http://schemas.microsoft.com/office/drawing/2010/main" xmlns="" w="9525">
+                <a14:hiddenLine xmlns="" xmlns:a14="http://schemas.microsoft.com/office/drawing/2010/main" w="9525">
                   <a:solidFill>
                     <a:srgbClr val="000000"/>
                   </a:solidFill>
@@ -1709,7 +1710,7 @@
             </a:ln>
             <a:extLst>
               <a:ext uri="{91240B29-F687-4f45-9708-019B960494DF}">
-                <a14:hiddenLine xmlns:a14="http://schemas.microsoft.com/office/drawing/2010/main" xmlns="" w="9525">
+                <a14:hiddenLine xmlns="" xmlns:a14="http://schemas.microsoft.com/office/drawing/2010/main" w="9525">
                   <a:solidFill>
                     <a:srgbClr val="000000"/>
                   </a:solidFill>
@@ -1765,7 +1766,7 @@
             </a:ln>
             <a:extLst>
               <a:ext uri="{91240B29-F687-4f45-9708-019B960494DF}">
-                <a14:hiddenLine xmlns:a14="http://schemas.microsoft.com/office/drawing/2010/main" xmlns="" w="9525">
+                <a14:hiddenLine xmlns="" xmlns:a14="http://schemas.microsoft.com/office/drawing/2010/main" w="9525">
                   <a:solidFill>
                     <a:srgbClr val="000000"/>
                   </a:solidFill>
@@ -1855,7 +1856,7 @@
             </a:ln>
             <a:extLst>
               <a:ext uri="{91240B29-F687-4f45-9708-019B960494DF}">
-                <a14:hiddenLine xmlns:a14="http://schemas.microsoft.com/office/drawing/2010/main" xmlns="" w="9525">
+                <a14:hiddenLine xmlns="" xmlns:a14="http://schemas.microsoft.com/office/drawing/2010/main" w="9525">
                   <a:solidFill>
                     <a:srgbClr val="000000"/>
                   </a:solidFill>
@@ -1911,7 +1912,7 @@
             </a:ln>
             <a:extLst>
               <a:ext uri="{91240B29-F687-4f45-9708-019B960494DF}">
-                <a14:hiddenLine xmlns:a14="http://schemas.microsoft.com/office/drawing/2010/main" xmlns="" w="9525">
+                <a14:hiddenLine xmlns="" xmlns:a14="http://schemas.microsoft.com/office/drawing/2010/main" w="9525">
                   <a:solidFill>
                     <a:srgbClr val="000000"/>
                   </a:solidFill>
@@ -2001,7 +2002,7 @@
             </a:ln>
             <a:extLst>
               <a:ext uri="{91240B29-F687-4f45-9708-019B960494DF}">
-                <a14:hiddenLine xmlns:a14="http://schemas.microsoft.com/office/drawing/2010/main" xmlns="" w="9525">
+                <a14:hiddenLine xmlns="" xmlns:a14="http://schemas.microsoft.com/office/drawing/2010/main" w="9525">
                   <a:solidFill>
                     <a:srgbClr val="000000"/>
                   </a:solidFill>
@@ -2069,7 +2070,7 @@
             </a:ln>
             <a:extLst>
               <a:ext uri="{91240B29-F687-4f45-9708-019B960494DF}">
-                <a14:hiddenLine xmlns:a14="http://schemas.microsoft.com/office/drawing/2010/main" xmlns="" w="9525">
+                <a14:hiddenLine xmlns="" xmlns:a14="http://schemas.microsoft.com/office/drawing/2010/main" w="9525">
                   <a:solidFill>
                     <a:srgbClr val="000000"/>
                   </a:solidFill>
@@ -2159,7 +2160,7 @@
             </a:ln>
             <a:extLst>
               <a:ext uri="{91240B29-F687-4f45-9708-019B960494DF}">
-                <a14:hiddenLine xmlns:a14="http://schemas.microsoft.com/office/drawing/2010/main" xmlns="" w="9525">
+                <a14:hiddenLine xmlns="" xmlns:a14="http://schemas.microsoft.com/office/drawing/2010/main" w="9525">
                   <a:solidFill>
                     <a:srgbClr val="000000"/>
                   </a:solidFill>
@@ -2227,7 +2228,7 @@
             </a:ln>
             <a:extLst>
               <a:ext uri="{91240B29-F687-4f45-9708-019B960494DF}">
-                <a14:hiddenLine xmlns:a14="http://schemas.microsoft.com/office/drawing/2010/main" xmlns="" w="9525">
+                <a14:hiddenLine xmlns="" xmlns:a14="http://schemas.microsoft.com/office/drawing/2010/main" w="9525">
                   <a:solidFill>
                     <a:srgbClr val="000000"/>
                   </a:solidFill>
@@ -2317,7 +2318,7 @@
             </a:ln>
             <a:extLst>
               <a:ext uri="{91240B29-F687-4f45-9708-019B960494DF}">
-                <a14:hiddenLine xmlns:a14="http://schemas.microsoft.com/office/drawing/2010/main" xmlns="" w="9525">
+                <a14:hiddenLine xmlns="" xmlns:a14="http://schemas.microsoft.com/office/drawing/2010/main" w="9525">
                   <a:solidFill>
                     <a:srgbClr val="000000"/>
                   </a:solidFill>
@@ -2351,7 +2352,7 @@
             </a:ln>
             <a:extLst>
               <a:ext uri="{91240B29-F687-4f45-9708-019B960494DF}">
-                <a14:hiddenLine xmlns:a14="http://schemas.microsoft.com/office/drawing/2010/main" xmlns="" w="9525">
+                <a14:hiddenLine xmlns="" xmlns:a14="http://schemas.microsoft.com/office/drawing/2010/main" w="9525">
                   <a:solidFill>
                     <a:srgbClr val="000000"/>
                   </a:solidFill>
@@ -2441,7 +2442,7 @@
             </a:ln>
             <a:extLst>
               <a:ext uri="{91240B29-F687-4f45-9708-019B960494DF}">
-                <a14:hiddenLine xmlns:a14="http://schemas.microsoft.com/office/drawing/2010/main" xmlns="" w="9525">
+                <a14:hiddenLine xmlns="" xmlns:a14="http://schemas.microsoft.com/office/drawing/2010/main" w="9525">
                   <a:solidFill>
                     <a:srgbClr val="000000"/>
                   </a:solidFill>
@@ -2503,7 +2504,7 @@
             </a:ln>
             <a:extLst>
               <a:ext uri="{91240B29-F687-4f45-9708-019B960494DF}">
-                <a14:hiddenLine xmlns:a14="http://schemas.microsoft.com/office/drawing/2010/main" xmlns="" w="9525">
+                <a14:hiddenLine xmlns="" xmlns:a14="http://schemas.microsoft.com/office/drawing/2010/main" w="9525">
                   <a:solidFill>
                     <a:srgbClr val="000000"/>
                   </a:solidFill>
@@ -2565,7 +2566,7 @@
             </a:ln>
             <a:extLst>
               <a:ext uri="{91240B29-F687-4f45-9708-019B960494DF}">
-                <a14:hiddenLine xmlns:a14="http://schemas.microsoft.com/office/drawing/2010/main" xmlns="" w="9525">
+                <a14:hiddenLine xmlns="" xmlns:a14="http://schemas.microsoft.com/office/drawing/2010/main" w="9525">
                   <a:solidFill>
                     <a:srgbClr val="000000"/>
                   </a:solidFill>
@@ -2655,7 +2656,7 @@
             </a:ln>
             <a:extLst>
               <a:ext uri="{91240B29-F687-4f45-9708-019B960494DF}">
-                <a14:hiddenLine xmlns:a14="http://schemas.microsoft.com/office/drawing/2010/main" xmlns="" w="9525">
+                <a14:hiddenLine xmlns="" xmlns:a14="http://schemas.microsoft.com/office/drawing/2010/main" w="9525">
                   <a:solidFill>
                     <a:srgbClr val="000000"/>
                   </a:solidFill>
@@ -2723,7 +2724,7 @@
             </a:ln>
             <a:extLst>
               <a:ext uri="{91240B29-F687-4f45-9708-019B960494DF}">
-                <a14:hiddenLine xmlns:a14="http://schemas.microsoft.com/office/drawing/2010/main" xmlns="" w="9525">
+                <a14:hiddenLine xmlns="" xmlns:a14="http://schemas.microsoft.com/office/drawing/2010/main" w="9525">
                   <a:solidFill>
                     <a:srgbClr val="000000"/>
                   </a:solidFill>
@@ -2785,7 +2786,7 @@
             </a:ln>
             <a:extLst>
               <a:ext uri="{91240B29-F687-4f45-9708-019B960494DF}">
-                <a14:hiddenLine xmlns:a14="http://schemas.microsoft.com/office/drawing/2010/main" xmlns="" w="9525">
+                <a14:hiddenLine xmlns="" xmlns:a14="http://schemas.microsoft.com/office/drawing/2010/main" w="9525">
                   <a:solidFill>
                     <a:srgbClr val="000000"/>
                   </a:solidFill>
@@ -2875,7 +2876,7 @@
             </a:ln>
             <a:extLst>
               <a:ext uri="{91240B29-F687-4f45-9708-019B960494DF}">
-                <a14:hiddenLine xmlns:a14="http://schemas.microsoft.com/office/drawing/2010/main" xmlns="" w="9525">
+                <a14:hiddenLine xmlns="" xmlns:a14="http://schemas.microsoft.com/office/drawing/2010/main" w="9525">
                   <a:solidFill>
                     <a:srgbClr val="000000"/>
                   </a:solidFill>
@@ -2937,7 +2938,7 @@
             </a:ln>
             <a:extLst>
               <a:ext uri="{91240B29-F687-4f45-9708-019B960494DF}">
-                <a14:hiddenLine xmlns:a14="http://schemas.microsoft.com/office/drawing/2010/main" xmlns="" w="9525">
+                <a14:hiddenLine xmlns="" xmlns:a14="http://schemas.microsoft.com/office/drawing/2010/main" w="9525">
                   <a:solidFill>
                     <a:srgbClr val="000000"/>
                   </a:solidFill>
@@ -3027,7 +3028,7 @@
             </a:ln>
             <a:extLst>
               <a:ext uri="{91240B29-F687-4f45-9708-019B960494DF}">
-                <a14:hiddenLine xmlns:a14="http://schemas.microsoft.com/office/drawing/2010/main" xmlns="" w="9525">
+                <a14:hiddenLine xmlns="" xmlns:a14="http://schemas.microsoft.com/office/drawing/2010/main" w="9525">
                   <a:solidFill>
                     <a:srgbClr val="000000"/>
                   </a:solidFill>
@@ -3089,7 +3090,7 @@
             </a:ln>
             <a:extLst>
               <a:ext uri="{91240B29-F687-4f45-9708-019B960494DF}">
-                <a14:hiddenLine xmlns:a14="http://schemas.microsoft.com/office/drawing/2010/main" xmlns="" w="9525">
+                <a14:hiddenLine xmlns="" xmlns:a14="http://schemas.microsoft.com/office/drawing/2010/main" w="9525">
                   <a:solidFill>
                     <a:srgbClr val="000000"/>
                   </a:solidFill>
@@ -3179,7 +3180,7 @@
             </a:ln>
             <a:extLst>
               <a:ext uri="{91240B29-F687-4f45-9708-019B960494DF}">
-                <a14:hiddenLine xmlns:a14="http://schemas.microsoft.com/office/drawing/2010/main" xmlns="" w="9525">
+                <a14:hiddenLine xmlns="" xmlns:a14="http://schemas.microsoft.com/office/drawing/2010/main" w="9525">
                   <a:solidFill>
                     <a:srgbClr val="000000"/>
                   </a:solidFill>
@@ -3213,7 +3214,7 @@
             </a:ln>
             <a:extLst>
               <a:ext uri="{91240B29-F687-4f45-9708-019B960494DF}">
-                <a14:hiddenLine xmlns:a14="http://schemas.microsoft.com/office/drawing/2010/main" xmlns="" w="9525">
+                <a14:hiddenLine xmlns="" xmlns:a14="http://schemas.microsoft.com/office/drawing/2010/main" w="9525">
                   <a:solidFill>
                     <a:srgbClr val="000000"/>
                   </a:solidFill>
@@ -3278,7 +3279,7 @@
             </a:ln>
             <a:extLst>
               <a:ext uri="{91240B29-F687-4f45-9708-019B960494DF}">
-                <a14:hiddenLine xmlns:a14="http://schemas.microsoft.com/office/drawing/2010/main" xmlns="" w="9525">
+                <a14:hiddenLine xmlns="" xmlns:a14="http://schemas.microsoft.com/office/drawing/2010/main" w="9525">
                   <a:solidFill>
                     <a:srgbClr val="000000"/>
                   </a:solidFill>
@@ -3368,7 +3369,7 @@
             </a:ln>
             <a:extLst>
               <a:ext uri="{91240B29-F687-4f45-9708-019B960494DF}">
-                <a14:hiddenLine xmlns:a14="http://schemas.microsoft.com/office/drawing/2010/main" xmlns="" w="9525">
+                <a14:hiddenLine xmlns="" xmlns:a14="http://schemas.microsoft.com/office/drawing/2010/main" w="9525">
                   <a:solidFill>
                     <a:srgbClr val="000000"/>
                   </a:solidFill>
@@ -3430,7 +3431,7 @@
             </a:ln>
             <a:extLst>
               <a:ext uri="{91240B29-F687-4f45-9708-019B960494DF}">
-                <a14:hiddenLine xmlns:a14="http://schemas.microsoft.com/office/drawing/2010/main" xmlns="" w="9525">
+                <a14:hiddenLine xmlns="" xmlns:a14="http://schemas.microsoft.com/office/drawing/2010/main" w="9525">
                   <a:solidFill>
                     <a:srgbClr val="000000"/>
                   </a:solidFill>
@@ -3520,7 +3521,7 @@
             </a:ln>
             <a:extLst>
               <a:ext uri="{91240B29-F687-4f45-9708-019B960494DF}">
-                <a14:hiddenLine xmlns:a14="http://schemas.microsoft.com/office/drawing/2010/main" xmlns="" w="9525">
+                <a14:hiddenLine xmlns="" xmlns:a14="http://schemas.microsoft.com/office/drawing/2010/main" w="9525">
                   <a:solidFill>
                     <a:srgbClr val="000000"/>
                   </a:solidFill>
@@ -3610,7 +3611,7 @@
             </a:ln>
             <a:extLst>
               <a:ext uri="{91240B29-F687-4f45-9708-019B960494DF}">
-                <a14:hiddenLine xmlns:a14="http://schemas.microsoft.com/office/drawing/2010/main" xmlns="" w="9525">
+                <a14:hiddenLine xmlns="" xmlns:a14="http://schemas.microsoft.com/office/drawing/2010/main" w="9525">
                   <a:solidFill>
                     <a:srgbClr val="000000"/>
                   </a:solidFill>
@@ -3675,7 +3676,7 @@
             </a:ln>
             <a:extLst>
               <a:ext uri="{91240B29-F687-4f45-9708-019B960494DF}">
-                <a14:hiddenLine xmlns:a14="http://schemas.microsoft.com/office/drawing/2010/main" xmlns="" w="9525">
+                <a14:hiddenLine xmlns="" xmlns:a14="http://schemas.microsoft.com/office/drawing/2010/main" w="9525">
                   <a:solidFill>
                     <a:srgbClr val="000000"/>
                   </a:solidFill>
@@ -3737,7 +3738,7 @@
             </a:ln>
             <a:extLst>
               <a:ext uri="{91240B29-F687-4f45-9708-019B960494DF}">
-                <a14:hiddenLine xmlns:a14="http://schemas.microsoft.com/office/drawing/2010/main" xmlns="" w="9525">
+                <a14:hiddenLine xmlns="" xmlns:a14="http://schemas.microsoft.com/office/drawing/2010/main" w="9525">
                   <a:solidFill>
                     <a:srgbClr val="000000"/>
                   </a:solidFill>
@@ -3827,7 +3828,7 @@
             </a:ln>
             <a:extLst>
               <a:ext uri="{91240B29-F687-4f45-9708-019B960494DF}">
-                <a14:hiddenLine xmlns:a14="http://schemas.microsoft.com/office/drawing/2010/main" xmlns="" w="9525">
+                <a14:hiddenLine xmlns="" xmlns:a14="http://schemas.microsoft.com/office/drawing/2010/main" w="9525">
                   <a:solidFill>
                     <a:srgbClr val="000000"/>
                   </a:solidFill>
@@ -3917,7 +3918,7 @@
             </a:ln>
             <a:extLst>
               <a:ext uri="{91240B29-F687-4f45-9708-019B960494DF}">
-                <a14:hiddenLine xmlns:a14="http://schemas.microsoft.com/office/drawing/2010/main" xmlns="" w="9525">
+                <a14:hiddenLine xmlns="" xmlns:a14="http://schemas.microsoft.com/office/drawing/2010/main" w="9525">
                   <a:solidFill>
                     <a:srgbClr val="000000"/>
                   </a:solidFill>
@@ -3979,7 +3980,7 @@
             </a:ln>
             <a:extLst>
               <a:ext uri="{91240B29-F687-4f45-9708-019B960494DF}">
-                <a14:hiddenLine xmlns:a14="http://schemas.microsoft.com/office/drawing/2010/main" xmlns="" w="9525">
+                <a14:hiddenLine xmlns="" xmlns:a14="http://schemas.microsoft.com/office/drawing/2010/main" w="9525">
                   <a:solidFill>
                     <a:srgbClr val="000000"/>
                   </a:solidFill>
@@ -4099,7 +4100,7 @@
             </a:ln>
             <a:extLst>
               <a:ext uri="{91240B29-F687-4f45-9708-019B960494DF}">
-                <a14:hiddenLine xmlns:a14="http://schemas.microsoft.com/office/drawing/2010/main" xmlns="" w="9525">
+                <a14:hiddenLine xmlns="" xmlns:a14="http://schemas.microsoft.com/office/drawing/2010/main" w="9525">
                   <a:solidFill>
                     <a:srgbClr val="000000"/>
                   </a:solidFill>
@@ -4167,7 +4168,7 @@
             </a:ln>
             <a:extLst>
               <a:ext uri="{91240B29-F687-4f45-9708-019B960494DF}">
-                <a14:hiddenLine xmlns:a14="http://schemas.microsoft.com/office/drawing/2010/main" xmlns="" w="9525">
+                <a14:hiddenLine xmlns="" xmlns:a14="http://schemas.microsoft.com/office/drawing/2010/main" w="9525">
                   <a:solidFill>
                     <a:srgbClr val="000000"/>
                   </a:solidFill>
@@ -4257,7 +4258,7 @@
             </a:ln>
             <a:extLst>
               <a:ext uri="{91240B29-F687-4f45-9708-019B960494DF}">
-                <a14:hiddenLine xmlns:a14="http://schemas.microsoft.com/office/drawing/2010/main" xmlns="" w="9525">
+                <a14:hiddenLine xmlns="" xmlns:a14="http://schemas.microsoft.com/office/drawing/2010/main" w="9525">
                   <a:solidFill>
                     <a:srgbClr val="000000"/>
                   </a:solidFill>
@@ -9071,7 +9072,7 @@
           <a:noFill/>
           <a:extLst>
             <a:ext uri="{909E8E84-426E-40dd-AFC4-6F175D3DCCD1}">
-              <a14:hiddenFill xmlns:a14="http://schemas.microsoft.com/office/drawing/2010/main" xmlns="">
+              <a14:hiddenFill xmlns="" xmlns:a14="http://schemas.microsoft.com/office/drawing/2010/main">
                 <a:solidFill>
                   <a:srgbClr val="FFFFFF"/>
                 </a:solidFill>
@@ -9145,7 +9146,7 @@
               </a:ln>
               <a:extLst>
                 <a:ext uri="{91240B29-F687-4f45-9708-019B960494DF}">
-                  <a14:hiddenLine xmlns:a14="http://schemas.microsoft.com/office/drawing/2010/main" xmlns="" w="9525">
+                  <a14:hiddenLine xmlns="" xmlns:a14="http://schemas.microsoft.com/office/drawing/2010/main" w="9525">
                     <a:solidFill>
                       <a:srgbClr val="000000"/>
                     </a:solidFill>
@@ -9235,7 +9236,7 @@
               </a:ln>
               <a:extLst>
                 <a:ext uri="{91240B29-F687-4f45-9708-019B960494DF}">
-                  <a14:hiddenLine xmlns:a14="http://schemas.microsoft.com/office/drawing/2010/main" xmlns="" w="9525">
+                  <a14:hiddenLine xmlns="" xmlns:a14="http://schemas.microsoft.com/office/drawing/2010/main" w="9525">
                     <a:solidFill>
                       <a:srgbClr val="000000"/>
                     </a:solidFill>
@@ -9325,7 +9326,7 @@
               </a:ln>
               <a:extLst>
                 <a:ext uri="{91240B29-F687-4f45-9708-019B960494DF}">
-                  <a14:hiddenLine xmlns:a14="http://schemas.microsoft.com/office/drawing/2010/main" xmlns="" w="9525">
+                  <a14:hiddenLine xmlns="" xmlns:a14="http://schemas.microsoft.com/office/drawing/2010/main" w="9525">
                     <a:solidFill>
                       <a:srgbClr val="000000"/>
                     </a:solidFill>
@@ -9387,7 +9388,7 @@
               </a:ln>
               <a:extLst>
                 <a:ext uri="{91240B29-F687-4f45-9708-019B960494DF}">
-                  <a14:hiddenLine xmlns:a14="http://schemas.microsoft.com/office/drawing/2010/main" xmlns="" w="9525">
+                  <a14:hiddenLine xmlns="" xmlns:a14="http://schemas.microsoft.com/office/drawing/2010/main" w="9525">
                     <a:solidFill>
                       <a:srgbClr val="000000"/>
                     </a:solidFill>
@@ -9477,7 +9478,7 @@
               </a:ln>
               <a:extLst>
                 <a:ext uri="{91240B29-F687-4f45-9708-019B960494DF}">
-                  <a14:hiddenLine xmlns:a14="http://schemas.microsoft.com/office/drawing/2010/main" xmlns="" w="9525">
+                  <a14:hiddenLine xmlns="" xmlns:a14="http://schemas.microsoft.com/office/drawing/2010/main" w="9525">
                     <a:solidFill>
                       <a:srgbClr val="000000"/>
                     </a:solidFill>
@@ -9539,7 +9540,7 @@
               </a:ln>
               <a:extLst>
                 <a:ext uri="{91240B29-F687-4f45-9708-019B960494DF}">
-                  <a14:hiddenLine xmlns:a14="http://schemas.microsoft.com/office/drawing/2010/main" xmlns="" w="9525">
+                  <a14:hiddenLine xmlns="" xmlns:a14="http://schemas.microsoft.com/office/drawing/2010/main" w="9525">
                     <a:solidFill>
                       <a:srgbClr val="000000"/>
                     </a:solidFill>
@@ -9601,7 +9602,7 @@
               </a:ln>
               <a:extLst>
                 <a:ext uri="{91240B29-F687-4f45-9708-019B960494DF}">
-                  <a14:hiddenLine xmlns:a14="http://schemas.microsoft.com/office/drawing/2010/main" xmlns="" w="9525">
+                  <a14:hiddenLine xmlns="" xmlns:a14="http://schemas.microsoft.com/office/drawing/2010/main" w="9525">
                     <a:solidFill>
                       <a:srgbClr val="000000"/>
                     </a:solidFill>
@@ -9691,7 +9692,7 @@
               </a:ln>
               <a:extLst>
                 <a:ext uri="{91240B29-F687-4f45-9708-019B960494DF}">
-                  <a14:hiddenLine xmlns:a14="http://schemas.microsoft.com/office/drawing/2010/main" xmlns="" w="9525">
+                  <a14:hiddenLine xmlns="" xmlns:a14="http://schemas.microsoft.com/office/drawing/2010/main" w="9525">
                     <a:solidFill>
                       <a:srgbClr val="000000"/>
                     </a:solidFill>
@@ -9781,7 +9782,7 @@
               </a:ln>
               <a:extLst>
                 <a:ext uri="{91240B29-F687-4f45-9708-019B960494DF}">
-                  <a14:hiddenLine xmlns:a14="http://schemas.microsoft.com/office/drawing/2010/main" xmlns="" w="9525">
+                  <a14:hiddenLine xmlns="" xmlns:a14="http://schemas.microsoft.com/office/drawing/2010/main" w="9525">
                     <a:solidFill>
                       <a:srgbClr val="000000"/>
                     </a:solidFill>
@@ -9843,7 +9844,7 @@
               </a:ln>
               <a:extLst>
                 <a:ext uri="{91240B29-F687-4f45-9708-019B960494DF}">
-                  <a14:hiddenLine xmlns:a14="http://schemas.microsoft.com/office/drawing/2010/main" xmlns="" w="9525">
+                  <a14:hiddenLine xmlns="" xmlns:a14="http://schemas.microsoft.com/office/drawing/2010/main" w="9525">
                     <a:solidFill>
                       <a:srgbClr val="000000"/>
                     </a:solidFill>
@@ -9953,7 +9954,7 @@
               </a:ln>
               <a:extLst>
                 <a:ext uri="{91240B29-F687-4f45-9708-019B960494DF}">
-                  <a14:hiddenLine xmlns:a14="http://schemas.microsoft.com/office/drawing/2010/main" xmlns="" w="9525">
+                  <a14:hiddenLine xmlns="" xmlns:a14="http://schemas.microsoft.com/office/drawing/2010/main" w="9525">
                     <a:solidFill>
                       <a:srgbClr val="000000"/>
                     </a:solidFill>
@@ -10037,7 +10038,7 @@
               </a:ln>
               <a:extLst>
                 <a:ext uri="{91240B29-F687-4f45-9708-019B960494DF}">
-                  <a14:hiddenLine xmlns:a14="http://schemas.microsoft.com/office/drawing/2010/main" xmlns="" w="9525">
+                  <a14:hiddenLine xmlns="" xmlns:a14="http://schemas.microsoft.com/office/drawing/2010/main" w="9525">
                     <a:solidFill>
                       <a:srgbClr val="000000"/>
                     </a:solidFill>
@@ -10099,7 +10100,7 @@
               </a:ln>
               <a:extLst>
                 <a:ext uri="{91240B29-F687-4f45-9708-019B960494DF}">
-                  <a14:hiddenLine xmlns:a14="http://schemas.microsoft.com/office/drawing/2010/main" xmlns="" w="9525">
+                  <a14:hiddenLine xmlns="" xmlns:a14="http://schemas.microsoft.com/office/drawing/2010/main" w="9525">
                     <a:solidFill>
                       <a:srgbClr val="000000"/>
                     </a:solidFill>
@@ -10161,7 +10162,7 @@
               </a:ln>
               <a:extLst>
                 <a:ext uri="{91240B29-F687-4f45-9708-019B960494DF}">
-                  <a14:hiddenLine xmlns:a14="http://schemas.microsoft.com/office/drawing/2010/main" xmlns="" w="9525">
+                  <a14:hiddenLine xmlns="" xmlns:a14="http://schemas.microsoft.com/office/drawing/2010/main" w="9525">
                     <a:solidFill>
                       <a:srgbClr val="000000"/>
                     </a:solidFill>
@@ -10251,7 +10252,7 @@
               </a:ln>
               <a:extLst>
                 <a:ext uri="{91240B29-F687-4f45-9708-019B960494DF}">
-                  <a14:hiddenLine xmlns:a14="http://schemas.microsoft.com/office/drawing/2010/main" xmlns="" w="9525">
+                  <a14:hiddenLine xmlns="" xmlns:a14="http://schemas.microsoft.com/office/drawing/2010/main" w="9525">
                     <a:solidFill>
                       <a:srgbClr val="000000"/>
                     </a:solidFill>
@@ -10285,7 +10286,7 @@
               </a:ln>
               <a:extLst>
                 <a:ext uri="{91240B29-F687-4f45-9708-019B960494DF}">
-                  <a14:hiddenLine xmlns:a14="http://schemas.microsoft.com/office/drawing/2010/main" xmlns="" w="9525">
+                  <a14:hiddenLine xmlns="" xmlns:a14="http://schemas.microsoft.com/office/drawing/2010/main" w="9525">
                     <a:solidFill>
                       <a:srgbClr val="000000"/>
                     </a:solidFill>
@@ -10350,7 +10351,7 @@
               </a:ln>
               <a:extLst>
                 <a:ext uri="{91240B29-F687-4f45-9708-019B960494DF}">
-                  <a14:hiddenLine xmlns:a14="http://schemas.microsoft.com/office/drawing/2010/main" xmlns="" w="9525">
+                  <a14:hiddenLine xmlns="" xmlns:a14="http://schemas.microsoft.com/office/drawing/2010/main" w="9525">
                     <a:solidFill>
                       <a:srgbClr val="000000"/>
                     </a:solidFill>
@@ -10440,7 +10441,7 @@
               </a:ln>
               <a:extLst>
                 <a:ext uri="{91240B29-F687-4f45-9708-019B960494DF}">
-                  <a14:hiddenLine xmlns:a14="http://schemas.microsoft.com/office/drawing/2010/main" xmlns="" w="9525">
+                  <a14:hiddenLine xmlns="" xmlns:a14="http://schemas.microsoft.com/office/drawing/2010/main" w="9525">
                     <a:solidFill>
                       <a:srgbClr val="000000"/>
                     </a:solidFill>
@@ -10502,7 +10503,7 @@
               </a:ln>
               <a:extLst>
                 <a:ext uri="{91240B29-F687-4f45-9708-019B960494DF}">
-                  <a14:hiddenLine xmlns:a14="http://schemas.microsoft.com/office/drawing/2010/main" xmlns="" w="9525">
+                  <a14:hiddenLine xmlns="" xmlns:a14="http://schemas.microsoft.com/office/drawing/2010/main" w="9525">
                     <a:solidFill>
                       <a:srgbClr val="000000"/>
                     </a:solidFill>
@@ -10592,7 +10593,7 @@
               </a:ln>
               <a:extLst>
                 <a:ext uri="{91240B29-F687-4f45-9708-019B960494DF}">
-                  <a14:hiddenLine xmlns:a14="http://schemas.microsoft.com/office/drawing/2010/main" xmlns="" w="9525">
+                  <a14:hiddenLine xmlns="" xmlns:a14="http://schemas.microsoft.com/office/drawing/2010/main" w="9525">
                     <a:solidFill>
                       <a:srgbClr val="000000"/>
                     </a:solidFill>
@@ -10657,7 +10658,7 @@
               </a:ln>
               <a:extLst>
                 <a:ext uri="{91240B29-F687-4f45-9708-019B960494DF}">
-                  <a14:hiddenLine xmlns:a14="http://schemas.microsoft.com/office/drawing/2010/main" xmlns="" w="9525">
+                  <a14:hiddenLine xmlns="" xmlns:a14="http://schemas.microsoft.com/office/drawing/2010/main" w="9525">
                     <a:solidFill>
                       <a:srgbClr val="000000"/>
                     </a:solidFill>
@@ -10719,7 +10720,7 @@
               </a:ln>
               <a:extLst>
                 <a:ext uri="{91240B29-F687-4f45-9708-019B960494DF}">
-                  <a14:hiddenLine xmlns:a14="http://schemas.microsoft.com/office/drawing/2010/main" xmlns="" w="9525">
+                  <a14:hiddenLine xmlns="" xmlns:a14="http://schemas.microsoft.com/office/drawing/2010/main" w="9525">
                     <a:solidFill>
                       <a:srgbClr val="000000"/>
                     </a:solidFill>
@@ -10809,7 +10810,7 @@
               </a:ln>
               <a:extLst>
                 <a:ext uri="{91240B29-F687-4f45-9708-019B960494DF}">
-                  <a14:hiddenLine xmlns:a14="http://schemas.microsoft.com/office/drawing/2010/main" xmlns="" w="9525">
+                  <a14:hiddenLine xmlns="" xmlns:a14="http://schemas.microsoft.com/office/drawing/2010/main" w="9525">
                     <a:solidFill>
                       <a:srgbClr val="000000"/>
                     </a:solidFill>
@@ -10899,7 +10900,7 @@
               </a:ln>
               <a:extLst>
                 <a:ext uri="{91240B29-F687-4f45-9708-019B960494DF}">
-                  <a14:hiddenLine xmlns:a14="http://schemas.microsoft.com/office/drawing/2010/main" xmlns="" w="9525">
+                  <a14:hiddenLine xmlns="" xmlns:a14="http://schemas.microsoft.com/office/drawing/2010/main" w="9525">
                     <a:solidFill>
                       <a:srgbClr val="000000"/>
                     </a:solidFill>
@@ -10964,7 +10965,7 @@
               </a:ln>
               <a:extLst>
                 <a:ext uri="{91240B29-F687-4f45-9708-019B960494DF}">
-                  <a14:hiddenLine xmlns:a14="http://schemas.microsoft.com/office/drawing/2010/main" xmlns="" w="9525">
+                  <a14:hiddenLine xmlns="" xmlns:a14="http://schemas.microsoft.com/office/drawing/2010/main" w="9525">
                     <a:solidFill>
                       <a:srgbClr val="000000"/>
                     </a:solidFill>
@@ -11084,7 +11085,7 @@
               </a:ln>
               <a:extLst>
                 <a:ext uri="{91240B29-F687-4f45-9708-019B960494DF}">
-                  <a14:hiddenLine xmlns:a14="http://schemas.microsoft.com/office/drawing/2010/main" xmlns="" w="9525">
+                  <a14:hiddenLine xmlns="" xmlns:a14="http://schemas.microsoft.com/office/drawing/2010/main" w="9525">
                     <a:solidFill>
                       <a:srgbClr val="000000"/>
                     </a:solidFill>
@@ -11165,7 +11166,7 @@
               </a:ln>
               <a:extLst>
                 <a:ext uri="{91240B29-F687-4f45-9708-019B960494DF}">
-                  <a14:hiddenLine xmlns:a14="http://schemas.microsoft.com/office/drawing/2010/main" xmlns="" w="9525">
+                  <a14:hiddenLine xmlns="" xmlns:a14="http://schemas.microsoft.com/office/drawing/2010/main" w="9525">
                     <a:solidFill>
                       <a:srgbClr val="000000"/>
                     </a:solidFill>
@@ -11280,7 +11281,7 @@
               </a:ln>
               <a:extLst>
                 <a:ext uri="{91240B29-F687-4f45-9708-019B960494DF}">
-                  <a14:hiddenLine xmlns:a14="http://schemas.microsoft.com/office/drawing/2010/main" xmlns="" w="9525">
+                  <a14:hiddenLine xmlns="" xmlns:a14="http://schemas.microsoft.com/office/drawing/2010/main" w="9525">
                     <a:solidFill>
                       <a:srgbClr val="000000"/>
                     </a:solidFill>
@@ -11370,7 +11371,7 @@
               </a:ln>
               <a:extLst>
                 <a:ext uri="{91240B29-F687-4f45-9708-019B960494DF}">
-                  <a14:hiddenLine xmlns:a14="http://schemas.microsoft.com/office/drawing/2010/main" xmlns="" w="9525">
+                  <a14:hiddenLine xmlns="" xmlns:a14="http://schemas.microsoft.com/office/drawing/2010/main" w="9525">
                     <a:solidFill>
                       <a:srgbClr val="000000"/>
                     </a:solidFill>
@@ -11435,7 +11436,7 @@
               </a:ln>
               <a:extLst>
                 <a:ext uri="{91240B29-F687-4f45-9708-019B960494DF}">
-                  <a14:hiddenLine xmlns:a14="http://schemas.microsoft.com/office/drawing/2010/main" xmlns="" w="9525">
+                  <a14:hiddenLine xmlns="" xmlns:a14="http://schemas.microsoft.com/office/drawing/2010/main" w="9525">
                     <a:solidFill>
                       <a:srgbClr val="000000"/>
                     </a:solidFill>
@@ -11525,7 +11526,7 @@
               </a:ln>
               <a:extLst>
                 <a:ext uri="{91240B29-F687-4f45-9708-019B960494DF}">
-                  <a14:hiddenLine xmlns:a14="http://schemas.microsoft.com/office/drawing/2010/main" xmlns="" w="9525">
+                  <a14:hiddenLine xmlns="" xmlns:a14="http://schemas.microsoft.com/office/drawing/2010/main" w="9525">
                     <a:solidFill>
                       <a:srgbClr val="000000"/>
                     </a:solidFill>
@@ -11593,7 +11594,7 @@
               </a:ln>
               <a:extLst>
                 <a:ext uri="{91240B29-F687-4f45-9708-019B960494DF}">
-                  <a14:hiddenLine xmlns:a14="http://schemas.microsoft.com/office/drawing/2010/main" xmlns="" w="9525">
+                  <a14:hiddenLine xmlns="" xmlns:a14="http://schemas.microsoft.com/office/drawing/2010/main" w="9525">
                     <a:solidFill>
                       <a:srgbClr val="000000"/>
                     </a:solidFill>
@@ -11683,7 +11684,7 @@
               </a:ln>
               <a:extLst>
                 <a:ext uri="{91240B29-F687-4f45-9708-019B960494DF}">
-                  <a14:hiddenLine xmlns:a14="http://schemas.microsoft.com/office/drawing/2010/main" xmlns="" w="9525">
+                  <a14:hiddenLine xmlns="" xmlns:a14="http://schemas.microsoft.com/office/drawing/2010/main" w="9525">
                     <a:solidFill>
                       <a:srgbClr val="000000"/>
                     </a:solidFill>
@@ -11751,7 +11752,7 @@
               </a:ln>
               <a:extLst>
                 <a:ext uri="{91240B29-F687-4f45-9708-019B960494DF}">
-                  <a14:hiddenLine xmlns:a14="http://schemas.microsoft.com/office/drawing/2010/main" xmlns="" w="9525">
+                  <a14:hiddenLine xmlns="" xmlns:a14="http://schemas.microsoft.com/office/drawing/2010/main" w="9525">
                     <a:solidFill>
                       <a:srgbClr val="000000"/>
                     </a:solidFill>
@@ -11841,7 +11842,7 @@
               </a:ln>
               <a:extLst>
                 <a:ext uri="{91240B29-F687-4f45-9708-019B960494DF}">
-                  <a14:hiddenLine xmlns:a14="http://schemas.microsoft.com/office/drawing/2010/main" xmlns="" w="9525">
+                  <a14:hiddenLine xmlns="" xmlns:a14="http://schemas.microsoft.com/office/drawing/2010/main" w="9525">
                     <a:solidFill>
                       <a:srgbClr val="000000"/>
                     </a:solidFill>
@@ -11875,7 +11876,7 @@
               </a:ln>
               <a:extLst>
                 <a:ext uri="{91240B29-F687-4f45-9708-019B960494DF}">
-                  <a14:hiddenLine xmlns:a14="http://schemas.microsoft.com/office/drawing/2010/main" xmlns="" w="9525">
+                  <a14:hiddenLine xmlns="" xmlns:a14="http://schemas.microsoft.com/office/drawing/2010/main" w="9525">
                     <a:solidFill>
                       <a:srgbClr val="000000"/>
                     </a:solidFill>
@@ -12490,13 +12491,6 @@
       </p:transition>
     </mc:Fallback>
   </mc:AlternateContent>
-  <p:timing>
-    <p:tnLst>
-      <p:par>
-        <p:cTn id="1" dur="indefinite" restart="never" nodeType="tmRoot"/>
-      </p:par>
-    </p:tnLst>
-  </p:timing>
 </p:sld>
 </file>
 
@@ -12571,7 +12565,7 @@
               <a:t>Boti Lóránt – HTML , Főoldal, </a:t>
             </a:r>
             <a:r>
-              <a:rPr lang="hu-HU" dirty="0" err="1" smtClean="0"/>
+              <a:rPr lang="hu-HU" dirty="0" err="1"/>
               <a:t>Style</a:t>
             </a:r>
             <a:endParaRPr lang="hu-HU" dirty="0"/>
@@ -12598,18 +12592,14 @@
           <a:p>
             <a:r>
               <a:rPr lang="hu-HU" dirty="0"/>
-              <a:t>Csicskó Réka – ASP , </a:t>
+              <a:t>Csicskó Réka – ASP , képkeresés, </a:t>
             </a:r>
             <a:r>
-              <a:rPr lang="hu-HU" dirty="0" smtClean="0"/>
-              <a:t>képkeresés, </a:t>
-            </a:r>
-            <a:r>
-              <a:rPr lang="hu-HU" dirty="0" err="1" smtClean="0"/>
+              <a:rPr lang="hu-HU" dirty="0" err="1"/>
               <a:t>Style</a:t>
             </a:r>
             <a:r>
-              <a:rPr lang="hu-HU" dirty="0" smtClean="0"/>
+              <a:rPr lang="hu-HU" dirty="0"/>
               <a:t>, PPT</a:t>
             </a:r>
           </a:p>
@@ -13155,84 +13145,39 @@
           <a:lstStyle/>
           <a:p>
             <a:r>
-              <a:rPr lang="hu-HU" sz="2000" dirty="0" smtClean="0"/>
-              <a:t>Megbeszéltük </a:t>
+              <a:rPr lang="hu-HU" sz="2000" dirty="0"/>
+              <a:t>Megbeszéltük hogy ki mit fog csinálni, felosztottuk a témákat és feladatokat. </a:t>
             </a:r>
+          </a:p>
+          <a:p>
             <a:r>
               <a:rPr lang="hu-HU" sz="2000" dirty="0"/>
-              <a:t>hogy ki mit fog </a:t>
+              <a:t>Megterveztük az oldalunk kinézetét, stílusát, felépítését </a:t>
             </a:r>
-            <a:r>
-              <a:rPr lang="hu-HU" sz="2000" dirty="0" smtClean="0"/>
-              <a:t>csinálni, felosztottuk a témákat és feladatokat. </a:t>
-            </a:r>
-            <a:endParaRPr lang="hu-HU" sz="2000" dirty="0"/>
           </a:p>
           <a:p>
             <a:r>
               <a:rPr lang="hu-HU" sz="2000" dirty="0"/>
-              <a:t>M</a:t>
+              <a:t>Ezek után érvényben megkezdődött a munka </a:t>
             </a:r>
-            <a:r>
-              <a:rPr lang="hu-HU" sz="2000" dirty="0" smtClean="0"/>
-              <a:t>egterveztük </a:t>
-            </a:r>
+          </a:p>
+          <a:p>
             <a:r>
               <a:rPr lang="hu-HU" sz="2000" dirty="0"/>
-              <a:t>az oldalunk kinézetét, </a:t>
+              <a:t>A munka alatt voltak kisebb viták, de nagyobb konfliktus nélkül megoldottuk őket. Valakinek mindig más tetszett jobban, de végül sikerült közös nevezőre jutnunk. </a:t>
             </a:r>
-            <a:r>
-              <a:rPr lang="hu-HU" sz="2000" dirty="0" smtClean="0"/>
-              <a:t>stílusát, felépítését </a:t>
-            </a:r>
-            <a:endParaRPr lang="hu-HU" sz="2000" dirty="0"/>
           </a:p>
           <a:p>
             <a:r>
               <a:rPr lang="hu-HU" sz="2000" dirty="0"/>
-              <a:t>E</a:t>
+              <a:t>Az elején nehéz dolgunk volt azzal, hogyan tudjunk együtt egy weblapon dolgozni, de a végére ez is megoldódni látszott. </a:t>
             </a:r>
-            <a:r>
-              <a:rPr lang="hu-HU" sz="2000" dirty="0" smtClean="0"/>
-              <a:t>zek </a:t>
-            </a:r>
+          </a:p>
+          <a:p>
             <a:r>
               <a:rPr lang="hu-HU" sz="2000" dirty="0"/>
-              <a:t>után </a:t>
-            </a:r>
-            <a:r>
-              <a:rPr lang="hu-HU" sz="2000" dirty="0" smtClean="0"/>
-              <a:t>érvényben megkezdődött a munka </a:t>
-            </a:r>
-            <a:endParaRPr lang="hu-HU" sz="2000" dirty="0"/>
-          </a:p>
-          <a:p>
-            <a:r>
-              <a:rPr lang="hu-HU" sz="2000" dirty="0" smtClean="0"/>
-              <a:t>A </a:t>
-            </a:r>
-            <a:r>
-              <a:rPr lang="hu-HU" sz="2000" dirty="0"/>
-              <a:t>munka alatt voltak kisebb viták, de nagyobb konfliktus nélkül megoldottuk őket. Valakinek mindig más tetszett jobban, de végül sikerült közös nevezőre jutnunk. </a:t>
-            </a:r>
-          </a:p>
-          <a:p>
-            <a:r>
-              <a:rPr lang="hu-HU" sz="2000" dirty="0"/>
-              <a:t>Az elején nehéz dolgunk volt azzal, hogyan tudjunk együtt egy weblapon </a:t>
-            </a:r>
-            <a:r>
-              <a:rPr lang="hu-HU" sz="2000" dirty="0" smtClean="0"/>
-              <a:t>dolgozni, de a végére ez is megoldódni látszott. </a:t>
-            </a:r>
-            <a:endParaRPr lang="hu-HU" sz="2000" dirty="0" smtClean="0"/>
-          </a:p>
-          <a:p>
-            <a:r>
-              <a:rPr lang="hu-HU" sz="2000" dirty="0" smtClean="0"/>
               <a:t>A feladat alatt kiismertük egymás tudását, képességeit, a felmerülő problémákat megoldottuk </a:t>
             </a:r>
-            <a:endParaRPr lang="hu-HU" sz="2000" dirty="0"/>
           </a:p>
           <a:p>
             <a:endParaRPr lang="hu-HU" dirty="0"/>
@@ -13262,16 +13207,12 @@
           <a:lstStyle/>
           <a:p>
             <a:r>
-              <a:rPr lang="hu-HU" sz="2000" dirty="0" smtClean="0"/>
+              <a:rPr lang="hu-HU" sz="2000" dirty="0"/>
               <a:t>Teljes munkanapló</a:t>
             </a:r>
             <a:r>
-              <a:rPr lang="hu-HU" dirty="0" smtClean="0"/>
+              <a:rPr lang="hu-HU" dirty="0"/>
               <a:t>:</a:t>
-            </a:r>
-            <a:r>
-              <a:rPr lang="hu-HU" dirty="0"/>
-              <a:t/>
             </a:r>
             <a:br>
               <a:rPr lang="hu-HU" dirty="0"/>
@@ -13280,19 +13221,12 @@
               <a:rPr lang="hu-HU" dirty="0">
                 <a:hlinkClick r:id="rId2"/>
               </a:rPr>
-              <a:t>https://</a:t>
+              <a:t>https://docs.google.com/document/d/1QaekkkRWYqpQRyWktSbFMkwrfy7JR0wBL8YyN1vkdzU/</a:t>
             </a:r>
             <a:r>
-              <a:rPr lang="hu-HU" dirty="0" smtClean="0">
-                <a:hlinkClick r:id="rId2"/>
-              </a:rPr>
-              <a:t>docs.google.com/document/d/1QaekkkRWYqpQRyWktSbFMkwrfy7JR0wBL8YyN1vkdzU/edit</a:t>
-            </a:r>
-            <a:r>
-              <a:rPr lang="hu-HU" dirty="0" smtClean="0"/>
+              <a:rPr lang="hu-HU" dirty="0"/>
               <a:t> </a:t>
             </a:r>
-            <a:endParaRPr lang="hu-HU" dirty="0"/>
           </a:p>
         </p:txBody>
       </p:sp>
@@ -14174,6 +14108,678 @@
       </p:grpSpPr>
       <p:sp>
         <p:nvSpPr>
+          <p:cNvPr id="2" name="Cím 1">
+            <a:extLst>
+              <a:ext uri="{FF2B5EF4-FFF2-40B4-BE49-F238E27FC236}">
+                <a16:creationId xmlns:a16="http://schemas.microsoft.com/office/drawing/2014/main" id="{0B0827A0-E8F8-4F8F-92FF-301D614A5B7A}"/>
+              </a:ext>
+            </a:extLst>
+          </p:cNvPr>
+          <p:cNvSpPr>
+            <a:spLocks noGrp="1"/>
+          </p:cNvSpPr>
+          <p:nvPr>
+            <p:ph type="title"/>
+          </p:nvPr>
+        </p:nvSpPr>
+        <p:spPr/>
+        <p:txBody>
+          <a:bodyPr/>
+          <a:lstStyle/>
+          <a:p>
+            <a:r>
+              <a:rPr lang="hu-HU" dirty="0"/>
+              <a:t>Felhasznált ezközök</a:t>
+            </a:r>
+          </a:p>
+        </p:txBody>
+      </p:sp>
+      <p:sp>
+        <p:nvSpPr>
+          <p:cNvPr id="3" name="Tartalom helye 2">
+            <a:extLst>
+              <a:ext uri="{FF2B5EF4-FFF2-40B4-BE49-F238E27FC236}">
+                <a16:creationId xmlns:a16="http://schemas.microsoft.com/office/drawing/2014/main" id="{EA929C11-1F3C-4D46-9684-9854CA93F655}"/>
+              </a:ext>
+            </a:extLst>
+          </p:cNvPr>
+          <p:cNvSpPr>
+            <a:spLocks noGrp="1"/>
+          </p:cNvSpPr>
+          <p:nvPr>
+            <p:ph idx="1"/>
+          </p:nvPr>
+        </p:nvSpPr>
+        <p:spPr/>
+        <p:txBody>
+          <a:bodyPr/>
+          <a:lstStyle/>
+          <a:p>
+            <a:pPr marL="0" indent="0">
+              <a:buNone/>
+            </a:pPr>
+            <a:r>
+              <a:rPr lang="hu-HU" dirty="0"/>
+              <a:t>A projekt teljes szerkezeti egésze HTML-ben készült (HTML 5). </a:t>
+            </a:r>
+          </a:p>
+          <a:p>
+            <a:pPr marL="0" indent="0">
+              <a:buNone/>
+            </a:pPr>
+            <a:r>
+              <a:rPr lang="hu-HU" dirty="0"/>
+              <a:t>Stílusát CSS-ben készítettük (CSS 3). </a:t>
+            </a:r>
+          </a:p>
+          <a:p>
+            <a:pPr marL="0" indent="0">
+              <a:buNone/>
+            </a:pPr>
+            <a:r>
+              <a:rPr lang="hu-HU" dirty="0"/>
+              <a:t>Visual </a:t>
+            </a:r>
+            <a:r>
+              <a:rPr lang="hu-HU" dirty="0" err="1"/>
+              <a:t>Studio</a:t>
+            </a:r>
+            <a:r>
+              <a:rPr lang="hu-HU" dirty="0"/>
+              <a:t> </a:t>
+            </a:r>
+            <a:r>
+              <a:rPr lang="hu-HU" dirty="0" err="1"/>
+              <a:t>Code</a:t>
+            </a:r>
+            <a:r>
+              <a:rPr lang="hu-HU" dirty="0"/>
+              <a:t>-ot használtunk a szövegszerkesztéshez </a:t>
+            </a:r>
+          </a:p>
+          <a:p>
+            <a:pPr marL="0" indent="0">
+              <a:buNone/>
+            </a:pPr>
+            <a:r>
+              <a:rPr lang="hu-HU" dirty="0" err="1"/>
+              <a:t>Git</a:t>
+            </a:r>
+            <a:r>
+              <a:rPr lang="hu-HU" dirty="0"/>
+              <a:t> verziókezelőt a mentéshez, csoportmunkához. </a:t>
+            </a:r>
+          </a:p>
+        </p:txBody>
+      </p:sp>
+    </p:spTree>
+    <p:extLst>
+      <p:ext uri="{BB962C8B-B14F-4D97-AF65-F5344CB8AC3E}">
+        <p14:creationId xmlns:p14="http://schemas.microsoft.com/office/powerpoint/2010/main" val="3120062829"/>
+      </p:ext>
+    </p:extLst>
+  </p:cSld>
+  <p:clrMapOvr>
+    <a:masterClrMapping/>
+  </p:clrMapOvr>
+  <p:timing>
+    <p:tnLst>
+      <p:par>
+        <p:cTn id="1" dur="indefinite" restart="never" nodeType="tmRoot">
+          <p:childTnLst>
+            <p:seq concurrent="1" nextAc="seek">
+              <p:cTn id="2" dur="indefinite" nodeType="mainSeq">
+                <p:childTnLst>
+                  <p:par>
+                    <p:cTn id="3" fill="hold">
+                      <p:stCondLst>
+                        <p:cond delay="indefinite"/>
+                      </p:stCondLst>
+                      <p:childTnLst>
+                        <p:par>
+                          <p:cTn id="4" fill="hold">
+                            <p:stCondLst>
+                              <p:cond delay="0"/>
+                            </p:stCondLst>
+                            <p:childTnLst>
+                              <p:par>
+                                <p:cTn id="5" presetID="2" presetClass="entr" presetSubtype="4" fill="hold" grpId="0" nodeType="clickEffect">
+                                  <p:stCondLst>
+                                    <p:cond delay="0"/>
+                                  </p:stCondLst>
+                                  <p:childTnLst>
+                                    <p:set>
+                                      <p:cBhvr>
+                                        <p:cTn id="6" dur="1" fill="hold">
+                                          <p:stCondLst>
+                                            <p:cond delay="0"/>
+                                          </p:stCondLst>
+                                        </p:cTn>
+                                        <p:tgtEl>
+                                          <p:spTgt spid="2"/>
+                                        </p:tgtEl>
+                                        <p:attrNameLst>
+                                          <p:attrName>style.visibility</p:attrName>
+                                        </p:attrNameLst>
+                                      </p:cBhvr>
+                                      <p:to>
+                                        <p:strVal val="visible"/>
+                                      </p:to>
+                                    </p:set>
+                                    <p:anim calcmode="lin" valueType="num">
+                                      <p:cBhvr additive="base">
+                                        <p:cTn id="7" dur="500" fill="hold"/>
+                                        <p:tgtEl>
+                                          <p:spTgt spid="2"/>
+                                        </p:tgtEl>
+                                        <p:attrNameLst>
+                                          <p:attrName>ppt_x</p:attrName>
+                                        </p:attrNameLst>
+                                      </p:cBhvr>
+                                      <p:tavLst>
+                                        <p:tav tm="0">
+                                          <p:val>
+                                            <p:strVal val="#ppt_x"/>
+                                          </p:val>
+                                        </p:tav>
+                                        <p:tav tm="100000">
+                                          <p:val>
+                                            <p:strVal val="#ppt_x"/>
+                                          </p:val>
+                                        </p:tav>
+                                      </p:tavLst>
+                                    </p:anim>
+                                    <p:anim calcmode="lin" valueType="num">
+                                      <p:cBhvr additive="base">
+                                        <p:cTn id="8" dur="500" fill="hold"/>
+                                        <p:tgtEl>
+                                          <p:spTgt spid="2"/>
+                                        </p:tgtEl>
+                                        <p:attrNameLst>
+                                          <p:attrName>ppt_y</p:attrName>
+                                        </p:attrNameLst>
+                                      </p:cBhvr>
+                                      <p:tavLst>
+                                        <p:tav tm="0">
+                                          <p:val>
+                                            <p:strVal val="1+#ppt_h/2"/>
+                                          </p:val>
+                                        </p:tav>
+                                        <p:tav tm="100000">
+                                          <p:val>
+                                            <p:strVal val="#ppt_y"/>
+                                          </p:val>
+                                        </p:tav>
+                                      </p:tavLst>
+                                    </p:anim>
+                                  </p:childTnLst>
+                                </p:cTn>
+                              </p:par>
+                            </p:childTnLst>
+                          </p:cTn>
+                        </p:par>
+                      </p:childTnLst>
+                    </p:cTn>
+                  </p:par>
+                  <p:par>
+                    <p:cTn id="9" fill="hold">
+                      <p:stCondLst>
+                        <p:cond delay="indefinite"/>
+                      </p:stCondLst>
+                      <p:childTnLst>
+                        <p:par>
+                          <p:cTn id="10" fill="hold">
+                            <p:stCondLst>
+                              <p:cond delay="0"/>
+                            </p:stCondLst>
+                            <p:childTnLst>
+                              <p:par>
+                                <p:cTn id="11" presetID="2" presetClass="entr" presetSubtype="4" fill="hold" nodeType="clickEffect">
+                                  <p:stCondLst>
+                                    <p:cond delay="0"/>
+                                  </p:stCondLst>
+                                  <p:childTnLst>
+                                    <p:set>
+                                      <p:cBhvr>
+                                        <p:cTn id="12" dur="1" fill="hold">
+                                          <p:stCondLst>
+                                            <p:cond delay="0"/>
+                                          </p:stCondLst>
+                                        </p:cTn>
+                                        <p:tgtEl>
+                                          <p:spTgt spid="3">
+                                            <p:txEl>
+                                              <p:pRg st="0" end="0"/>
+                                            </p:txEl>
+                                          </p:spTgt>
+                                        </p:tgtEl>
+                                        <p:attrNameLst>
+                                          <p:attrName>style.visibility</p:attrName>
+                                        </p:attrNameLst>
+                                      </p:cBhvr>
+                                      <p:to>
+                                        <p:strVal val="visible"/>
+                                      </p:to>
+                                    </p:set>
+                                    <p:anim calcmode="lin" valueType="num">
+                                      <p:cBhvr additive="base">
+                                        <p:cTn id="13" dur="500" fill="hold"/>
+                                        <p:tgtEl>
+                                          <p:spTgt spid="3">
+                                            <p:txEl>
+                                              <p:pRg st="0" end="0"/>
+                                            </p:txEl>
+                                          </p:spTgt>
+                                        </p:tgtEl>
+                                        <p:attrNameLst>
+                                          <p:attrName>ppt_x</p:attrName>
+                                        </p:attrNameLst>
+                                      </p:cBhvr>
+                                      <p:tavLst>
+                                        <p:tav tm="0">
+                                          <p:val>
+                                            <p:strVal val="#ppt_x"/>
+                                          </p:val>
+                                        </p:tav>
+                                        <p:tav tm="100000">
+                                          <p:val>
+                                            <p:strVal val="#ppt_x"/>
+                                          </p:val>
+                                        </p:tav>
+                                      </p:tavLst>
+                                    </p:anim>
+                                    <p:anim calcmode="lin" valueType="num">
+                                      <p:cBhvr additive="base">
+                                        <p:cTn id="14" dur="500" fill="hold"/>
+                                        <p:tgtEl>
+                                          <p:spTgt spid="3">
+                                            <p:txEl>
+                                              <p:pRg st="0" end="0"/>
+                                            </p:txEl>
+                                          </p:spTgt>
+                                        </p:tgtEl>
+                                        <p:attrNameLst>
+                                          <p:attrName>ppt_y</p:attrName>
+                                        </p:attrNameLst>
+                                      </p:cBhvr>
+                                      <p:tavLst>
+                                        <p:tav tm="0">
+                                          <p:val>
+                                            <p:strVal val="1+#ppt_h/2"/>
+                                          </p:val>
+                                        </p:tav>
+                                        <p:tav tm="100000">
+                                          <p:val>
+                                            <p:strVal val="#ppt_y"/>
+                                          </p:val>
+                                        </p:tav>
+                                      </p:tavLst>
+                                    </p:anim>
+                                  </p:childTnLst>
+                                </p:cTn>
+                              </p:par>
+                            </p:childTnLst>
+                          </p:cTn>
+                        </p:par>
+                      </p:childTnLst>
+                    </p:cTn>
+                  </p:par>
+                  <p:par>
+                    <p:cTn id="15" fill="hold">
+                      <p:stCondLst>
+                        <p:cond delay="indefinite"/>
+                      </p:stCondLst>
+                      <p:childTnLst>
+                        <p:par>
+                          <p:cTn id="16" fill="hold">
+                            <p:stCondLst>
+                              <p:cond delay="0"/>
+                            </p:stCondLst>
+                            <p:childTnLst>
+                              <p:par>
+                                <p:cTn id="17" presetID="2" presetClass="entr" presetSubtype="4" fill="hold" nodeType="clickEffect">
+                                  <p:stCondLst>
+                                    <p:cond delay="0"/>
+                                  </p:stCondLst>
+                                  <p:childTnLst>
+                                    <p:set>
+                                      <p:cBhvr>
+                                        <p:cTn id="18" dur="1" fill="hold">
+                                          <p:stCondLst>
+                                            <p:cond delay="0"/>
+                                          </p:stCondLst>
+                                        </p:cTn>
+                                        <p:tgtEl>
+                                          <p:spTgt spid="3">
+                                            <p:txEl>
+                                              <p:pRg st="1" end="1"/>
+                                            </p:txEl>
+                                          </p:spTgt>
+                                        </p:tgtEl>
+                                        <p:attrNameLst>
+                                          <p:attrName>style.visibility</p:attrName>
+                                        </p:attrNameLst>
+                                      </p:cBhvr>
+                                      <p:to>
+                                        <p:strVal val="visible"/>
+                                      </p:to>
+                                    </p:set>
+                                    <p:anim calcmode="lin" valueType="num">
+                                      <p:cBhvr additive="base">
+                                        <p:cTn id="19" dur="500" fill="hold"/>
+                                        <p:tgtEl>
+                                          <p:spTgt spid="3">
+                                            <p:txEl>
+                                              <p:pRg st="1" end="1"/>
+                                            </p:txEl>
+                                          </p:spTgt>
+                                        </p:tgtEl>
+                                        <p:attrNameLst>
+                                          <p:attrName>ppt_x</p:attrName>
+                                        </p:attrNameLst>
+                                      </p:cBhvr>
+                                      <p:tavLst>
+                                        <p:tav tm="0">
+                                          <p:val>
+                                            <p:strVal val="#ppt_x"/>
+                                          </p:val>
+                                        </p:tav>
+                                        <p:tav tm="100000">
+                                          <p:val>
+                                            <p:strVal val="#ppt_x"/>
+                                          </p:val>
+                                        </p:tav>
+                                      </p:tavLst>
+                                    </p:anim>
+                                    <p:anim calcmode="lin" valueType="num">
+                                      <p:cBhvr additive="base">
+                                        <p:cTn id="20" dur="500" fill="hold"/>
+                                        <p:tgtEl>
+                                          <p:spTgt spid="3">
+                                            <p:txEl>
+                                              <p:pRg st="1" end="1"/>
+                                            </p:txEl>
+                                          </p:spTgt>
+                                        </p:tgtEl>
+                                        <p:attrNameLst>
+                                          <p:attrName>ppt_y</p:attrName>
+                                        </p:attrNameLst>
+                                      </p:cBhvr>
+                                      <p:tavLst>
+                                        <p:tav tm="0">
+                                          <p:val>
+                                            <p:strVal val="1+#ppt_h/2"/>
+                                          </p:val>
+                                        </p:tav>
+                                        <p:tav tm="100000">
+                                          <p:val>
+                                            <p:strVal val="#ppt_y"/>
+                                          </p:val>
+                                        </p:tav>
+                                      </p:tavLst>
+                                    </p:anim>
+                                  </p:childTnLst>
+                                </p:cTn>
+                              </p:par>
+                            </p:childTnLst>
+                          </p:cTn>
+                        </p:par>
+                      </p:childTnLst>
+                    </p:cTn>
+                  </p:par>
+                  <p:par>
+                    <p:cTn id="21" fill="hold">
+                      <p:stCondLst>
+                        <p:cond delay="indefinite"/>
+                      </p:stCondLst>
+                      <p:childTnLst>
+                        <p:par>
+                          <p:cTn id="22" fill="hold">
+                            <p:stCondLst>
+                              <p:cond delay="0"/>
+                            </p:stCondLst>
+                            <p:childTnLst>
+                              <p:par>
+                                <p:cTn id="23" presetID="2" presetClass="entr" presetSubtype="4" fill="hold" nodeType="clickEffect">
+                                  <p:stCondLst>
+                                    <p:cond delay="0"/>
+                                  </p:stCondLst>
+                                  <p:childTnLst>
+                                    <p:set>
+                                      <p:cBhvr>
+                                        <p:cTn id="24" dur="1" fill="hold">
+                                          <p:stCondLst>
+                                            <p:cond delay="0"/>
+                                          </p:stCondLst>
+                                        </p:cTn>
+                                        <p:tgtEl>
+                                          <p:spTgt spid="3">
+                                            <p:txEl>
+                                              <p:pRg st="2" end="2"/>
+                                            </p:txEl>
+                                          </p:spTgt>
+                                        </p:tgtEl>
+                                        <p:attrNameLst>
+                                          <p:attrName>style.visibility</p:attrName>
+                                        </p:attrNameLst>
+                                      </p:cBhvr>
+                                      <p:to>
+                                        <p:strVal val="visible"/>
+                                      </p:to>
+                                    </p:set>
+                                    <p:anim calcmode="lin" valueType="num">
+                                      <p:cBhvr additive="base">
+                                        <p:cTn id="25" dur="500" fill="hold"/>
+                                        <p:tgtEl>
+                                          <p:spTgt spid="3">
+                                            <p:txEl>
+                                              <p:pRg st="2" end="2"/>
+                                            </p:txEl>
+                                          </p:spTgt>
+                                        </p:tgtEl>
+                                        <p:attrNameLst>
+                                          <p:attrName>ppt_x</p:attrName>
+                                        </p:attrNameLst>
+                                      </p:cBhvr>
+                                      <p:tavLst>
+                                        <p:tav tm="0">
+                                          <p:val>
+                                            <p:strVal val="#ppt_x"/>
+                                          </p:val>
+                                        </p:tav>
+                                        <p:tav tm="100000">
+                                          <p:val>
+                                            <p:strVal val="#ppt_x"/>
+                                          </p:val>
+                                        </p:tav>
+                                      </p:tavLst>
+                                    </p:anim>
+                                    <p:anim calcmode="lin" valueType="num">
+                                      <p:cBhvr additive="base">
+                                        <p:cTn id="26" dur="500" fill="hold"/>
+                                        <p:tgtEl>
+                                          <p:spTgt spid="3">
+                                            <p:txEl>
+                                              <p:pRg st="2" end="2"/>
+                                            </p:txEl>
+                                          </p:spTgt>
+                                        </p:tgtEl>
+                                        <p:attrNameLst>
+                                          <p:attrName>ppt_y</p:attrName>
+                                        </p:attrNameLst>
+                                      </p:cBhvr>
+                                      <p:tavLst>
+                                        <p:tav tm="0">
+                                          <p:val>
+                                            <p:strVal val="1+#ppt_h/2"/>
+                                          </p:val>
+                                        </p:tav>
+                                        <p:tav tm="100000">
+                                          <p:val>
+                                            <p:strVal val="#ppt_y"/>
+                                          </p:val>
+                                        </p:tav>
+                                      </p:tavLst>
+                                    </p:anim>
+                                  </p:childTnLst>
+                                </p:cTn>
+                              </p:par>
+                            </p:childTnLst>
+                          </p:cTn>
+                        </p:par>
+                      </p:childTnLst>
+                    </p:cTn>
+                  </p:par>
+                  <p:par>
+                    <p:cTn id="27" fill="hold">
+                      <p:stCondLst>
+                        <p:cond delay="indefinite"/>
+                      </p:stCondLst>
+                      <p:childTnLst>
+                        <p:par>
+                          <p:cTn id="28" fill="hold">
+                            <p:stCondLst>
+                              <p:cond delay="0"/>
+                            </p:stCondLst>
+                            <p:childTnLst>
+                              <p:par>
+                                <p:cTn id="29" presetID="2" presetClass="entr" presetSubtype="4" fill="hold" nodeType="clickEffect">
+                                  <p:stCondLst>
+                                    <p:cond delay="0"/>
+                                  </p:stCondLst>
+                                  <p:childTnLst>
+                                    <p:set>
+                                      <p:cBhvr>
+                                        <p:cTn id="30" dur="1" fill="hold">
+                                          <p:stCondLst>
+                                            <p:cond delay="0"/>
+                                          </p:stCondLst>
+                                        </p:cTn>
+                                        <p:tgtEl>
+                                          <p:spTgt spid="3">
+                                            <p:txEl>
+                                              <p:pRg st="3" end="3"/>
+                                            </p:txEl>
+                                          </p:spTgt>
+                                        </p:tgtEl>
+                                        <p:attrNameLst>
+                                          <p:attrName>style.visibility</p:attrName>
+                                        </p:attrNameLst>
+                                      </p:cBhvr>
+                                      <p:to>
+                                        <p:strVal val="visible"/>
+                                      </p:to>
+                                    </p:set>
+                                    <p:anim calcmode="lin" valueType="num">
+                                      <p:cBhvr additive="base">
+                                        <p:cTn id="31" dur="500" fill="hold"/>
+                                        <p:tgtEl>
+                                          <p:spTgt spid="3">
+                                            <p:txEl>
+                                              <p:pRg st="3" end="3"/>
+                                            </p:txEl>
+                                          </p:spTgt>
+                                        </p:tgtEl>
+                                        <p:attrNameLst>
+                                          <p:attrName>ppt_x</p:attrName>
+                                        </p:attrNameLst>
+                                      </p:cBhvr>
+                                      <p:tavLst>
+                                        <p:tav tm="0">
+                                          <p:val>
+                                            <p:strVal val="#ppt_x"/>
+                                          </p:val>
+                                        </p:tav>
+                                        <p:tav tm="100000">
+                                          <p:val>
+                                            <p:strVal val="#ppt_x"/>
+                                          </p:val>
+                                        </p:tav>
+                                      </p:tavLst>
+                                    </p:anim>
+                                    <p:anim calcmode="lin" valueType="num">
+                                      <p:cBhvr additive="base">
+                                        <p:cTn id="32" dur="500" fill="hold"/>
+                                        <p:tgtEl>
+                                          <p:spTgt spid="3">
+                                            <p:txEl>
+                                              <p:pRg st="3" end="3"/>
+                                            </p:txEl>
+                                          </p:spTgt>
+                                        </p:tgtEl>
+                                        <p:attrNameLst>
+                                          <p:attrName>ppt_y</p:attrName>
+                                        </p:attrNameLst>
+                                      </p:cBhvr>
+                                      <p:tavLst>
+                                        <p:tav tm="0">
+                                          <p:val>
+                                            <p:strVal val="1+#ppt_h/2"/>
+                                          </p:val>
+                                        </p:tav>
+                                        <p:tav tm="100000">
+                                          <p:val>
+                                            <p:strVal val="#ppt_y"/>
+                                          </p:val>
+                                        </p:tav>
+                                      </p:tavLst>
+                                    </p:anim>
+                                  </p:childTnLst>
+                                </p:cTn>
+                              </p:par>
+                            </p:childTnLst>
+                          </p:cTn>
+                        </p:par>
+                      </p:childTnLst>
+                    </p:cTn>
+                  </p:par>
+                </p:childTnLst>
+              </p:cTn>
+              <p:prevCondLst>
+                <p:cond evt="onPrev" delay="0">
+                  <p:tgtEl>
+                    <p:sldTgt/>
+                  </p:tgtEl>
+                </p:cond>
+              </p:prevCondLst>
+              <p:nextCondLst>
+                <p:cond evt="onNext" delay="0">
+                  <p:tgtEl>
+                    <p:sldTgt/>
+                  </p:tgtEl>
+                </p:cond>
+              </p:nextCondLst>
+            </p:seq>
+          </p:childTnLst>
+        </p:cTn>
+      </p:par>
+    </p:tnLst>
+    <p:bldLst>
+      <p:bldP spid="2" grpId="0"/>
+    </p:bldLst>
+  </p:timing>
+</p:sld>
+</file>
+
+<file path=ppt/slides/slide5.xml><?xml version="1.0" encoding="utf-8"?>
+<p:sld xmlns:a="http://schemas.openxmlformats.org/drawingml/2006/main" xmlns:r="http://schemas.openxmlformats.org/officeDocument/2006/relationships" xmlns:p="http://schemas.openxmlformats.org/presentationml/2006/main">
+  <p:cSld>
+    <p:spTree>
+      <p:nvGrpSpPr>
+        <p:cNvPr id="1" name=""/>
+        <p:cNvGrpSpPr/>
+        <p:nvPr/>
+      </p:nvGrpSpPr>
+      <p:grpSpPr>
+        <a:xfrm>
+          <a:off x="0" y="0"/>
+          <a:ext cx="0" cy="0"/>
+          <a:chOff x="0" y="0"/>
+          <a:chExt cx="0" cy="0"/>
+        </a:xfrm>
+      </p:grpSpPr>
+      <p:sp>
+        <p:nvSpPr>
           <p:cNvPr id="2" name="Cím 1"/>
           <p:cNvSpPr>
             <a:spLocks noGrp="1"/>
@@ -14188,11 +14794,11 @@
           <a:lstStyle/>
           <a:p>
             <a:r>
-              <a:rPr lang="hu-HU" dirty="0" smtClean="0"/>
+              <a:rPr lang="hu-HU" dirty="0"/>
               <a:t>Köszönjük a figyelmet!</a:t>
             </a:r>
             <a:br>
-              <a:rPr lang="hu-HU" dirty="0" smtClean="0"/>
+              <a:rPr lang="hu-HU" dirty="0"/>
             </a:br>
             <a:endParaRPr lang="hu-HU" dirty="0"/>
           </a:p>

--- a/IKT 2.pptx
+++ b/IKT 2.pptx
@@ -173,7 +173,7 @@
           <a:noFill/>
           <a:extLst>
             <a:ext uri="{909E8E84-426E-40dd-AFC4-6F175D3DCCD1}">
-              <a14:hiddenFill xmlns="" xmlns:a14="http://schemas.microsoft.com/office/drawing/2010/main">
+              <a14:hiddenFill xmlns:a14="http://schemas.microsoft.com/office/drawing/2010/main" xmlns="">
                 <a:solidFill>
                   <a:srgbClr val="FFFFFF"/>
                 </a:solidFill>
@@ -232,7 +232,7 @@
             </a:ln>
             <a:extLst>
               <a:ext uri="{91240B29-F687-4f45-9708-019B960494DF}">
-                <a14:hiddenLine xmlns="" xmlns:a14="http://schemas.microsoft.com/office/drawing/2010/main" w="9525">
+                <a14:hiddenLine xmlns:a14="http://schemas.microsoft.com/office/drawing/2010/main" xmlns="" w="9525">
                   <a:solidFill>
                     <a:srgbClr val="000000"/>
                   </a:solidFill>
@@ -322,7 +322,7 @@
             </a:ln>
             <a:extLst>
               <a:ext uri="{91240B29-F687-4f45-9708-019B960494DF}">
-                <a14:hiddenLine xmlns="" xmlns:a14="http://schemas.microsoft.com/office/drawing/2010/main" w="9525">
+                <a14:hiddenLine xmlns:a14="http://schemas.microsoft.com/office/drawing/2010/main" xmlns="" w="9525">
                   <a:solidFill>
                     <a:srgbClr val="000000"/>
                   </a:solidFill>
@@ -412,7 +412,7 @@
             </a:ln>
             <a:extLst>
               <a:ext uri="{91240B29-F687-4f45-9708-019B960494DF}">
-                <a14:hiddenLine xmlns="" xmlns:a14="http://schemas.microsoft.com/office/drawing/2010/main" w="9525">
+                <a14:hiddenLine xmlns:a14="http://schemas.microsoft.com/office/drawing/2010/main" xmlns="" w="9525">
                   <a:solidFill>
                     <a:srgbClr val="000000"/>
                   </a:solidFill>
@@ -446,7 +446,7 @@
             </a:ln>
             <a:extLst>
               <a:ext uri="{91240B29-F687-4f45-9708-019B960494DF}">
-                <a14:hiddenLine xmlns="" xmlns:a14="http://schemas.microsoft.com/office/drawing/2010/main" w="9525">
+                <a14:hiddenLine xmlns:a14="http://schemas.microsoft.com/office/drawing/2010/main" xmlns="" w="9525">
                   <a:solidFill>
                     <a:srgbClr val="000000"/>
                   </a:solidFill>
@@ -536,7 +536,7 @@
             </a:ln>
             <a:extLst>
               <a:ext uri="{91240B29-F687-4f45-9708-019B960494DF}">
-                <a14:hiddenLine xmlns="" xmlns:a14="http://schemas.microsoft.com/office/drawing/2010/main" w="9525">
+                <a14:hiddenLine xmlns:a14="http://schemas.microsoft.com/office/drawing/2010/main" xmlns="" w="9525">
                   <a:solidFill>
                     <a:srgbClr val="000000"/>
                   </a:solidFill>
@@ -598,7 +598,7 @@
             </a:ln>
             <a:extLst>
               <a:ext uri="{91240B29-F687-4f45-9708-019B960494DF}">
-                <a14:hiddenLine xmlns="" xmlns:a14="http://schemas.microsoft.com/office/drawing/2010/main" w="9525">
+                <a14:hiddenLine xmlns:a14="http://schemas.microsoft.com/office/drawing/2010/main" xmlns="" w="9525">
                   <a:solidFill>
                     <a:srgbClr val="000000"/>
                   </a:solidFill>
@@ -660,7 +660,7 @@
             </a:ln>
             <a:extLst>
               <a:ext uri="{91240B29-F687-4f45-9708-019B960494DF}">
-                <a14:hiddenLine xmlns="" xmlns:a14="http://schemas.microsoft.com/office/drawing/2010/main" w="9525">
+                <a14:hiddenLine xmlns:a14="http://schemas.microsoft.com/office/drawing/2010/main" xmlns="" w="9525">
                   <a:solidFill>
                     <a:srgbClr val="000000"/>
                   </a:solidFill>
@@ -750,7 +750,7 @@
             </a:ln>
             <a:extLst>
               <a:ext uri="{91240B29-F687-4f45-9708-019B960494DF}">
-                <a14:hiddenLine xmlns="" xmlns:a14="http://schemas.microsoft.com/office/drawing/2010/main" w="9525">
+                <a14:hiddenLine xmlns:a14="http://schemas.microsoft.com/office/drawing/2010/main" xmlns="" w="9525">
                   <a:solidFill>
                     <a:srgbClr val="000000"/>
                   </a:solidFill>
@@ -812,7 +812,7 @@
             </a:ln>
             <a:extLst>
               <a:ext uri="{91240B29-F687-4f45-9708-019B960494DF}">
-                <a14:hiddenLine xmlns="" xmlns:a14="http://schemas.microsoft.com/office/drawing/2010/main" w="9525">
+                <a14:hiddenLine xmlns:a14="http://schemas.microsoft.com/office/drawing/2010/main" xmlns="" w="9525">
                   <a:solidFill>
                     <a:srgbClr val="000000"/>
                   </a:solidFill>
@@ -874,7 +874,7 @@
             </a:ln>
             <a:extLst>
               <a:ext uri="{91240B29-F687-4f45-9708-019B960494DF}">
-                <a14:hiddenLine xmlns="" xmlns:a14="http://schemas.microsoft.com/office/drawing/2010/main" w="9525">
+                <a14:hiddenLine xmlns:a14="http://schemas.microsoft.com/office/drawing/2010/main" xmlns="" w="9525">
                   <a:solidFill>
                     <a:srgbClr val="000000"/>
                   </a:solidFill>
@@ -964,7 +964,7 @@
             </a:ln>
             <a:extLst>
               <a:ext uri="{91240B29-F687-4f45-9708-019B960494DF}">
-                <a14:hiddenLine xmlns="" xmlns:a14="http://schemas.microsoft.com/office/drawing/2010/main" w="9525">
+                <a14:hiddenLine xmlns:a14="http://schemas.microsoft.com/office/drawing/2010/main" xmlns="" w="9525">
                   <a:solidFill>
                     <a:srgbClr val="000000"/>
                   </a:solidFill>
@@ -1054,7 +1054,7 @@
             </a:ln>
             <a:extLst>
               <a:ext uri="{91240B29-F687-4f45-9708-019B960494DF}">
-                <a14:hiddenLine xmlns="" xmlns:a14="http://schemas.microsoft.com/office/drawing/2010/main" w="9525">
+                <a14:hiddenLine xmlns:a14="http://schemas.microsoft.com/office/drawing/2010/main" xmlns="" w="9525">
                   <a:solidFill>
                     <a:srgbClr val="000000"/>
                   </a:solidFill>
@@ -1116,7 +1116,7 @@
             </a:ln>
             <a:extLst>
               <a:ext uri="{91240B29-F687-4f45-9708-019B960494DF}">
-                <a14:hiddenLine xmlns="" xmlns:a14="http://schemas.microsoft.com/office/drawing/2010/main" w="9525">
+                <a14:hiddenLine xmlns:a14="http://schemas.microsoft.com/office/drawing/2010/main" xmlns="" w="9525">
                   <a:solidFill>
                     <a:srgbClr val="000000"/>
                   </a:solidFill>
@@ -1226,7 +1226,7 @@
             </a:ln>
             <a:extLst>
               <a:ext uri="{91240B29-F687-4f45-9708-019B960494DF}">
-                <a14:hiddenLine xmlns="" xmlns:a14="http://schemas.microsoft.com/office/drawing/2010/main" w="9525">
+                <a14:hiddenLine xmlns:a14="http://schemas.microsoft.com/office/drawing/2010/main" xmlns="" w="9525">
                   <a:solidFill>
                     <a:srgbClr val="000000"/>
                   </a:solidFill>
@@ -1288,7 +1288,7 @@
             </a:ln>
             <a:extLst>
               <a:ext uri="{91240B29-F687-4f45-9708-019B960494DF}">
-                <a14:hiddenLine xmlns="" xmlns:a14="http://schemas.microsoft.com/office/drawing/2010/main" w="9525">
+                <a14:hiddenLine xmlns:a14="http://schemas.microsoft.com/office/drawing/2010/main" xmlns="" w="9525">
                   <a:solidFill>
                     <a:srgbClr val="000000"/>
                   </a:solidFill>
@@ -1378,7 +1378,7 @@
             </a:ln>
             <a:extLst>
               <a:ext uri="{91240B29-F687-4f45-9708-019B960494DF}">
-                <a14:hiddenLine xmlns="" xmlns:a14="http://schemas.microsoft.com/office/drawing/2010/main" w="9525">
+                <a14:hiddenLine xmlns:a14="http://schemas.microsoft.com/office/drawing/2010/main" xmlns="" w="9525">
                   <a:solidFill>
                     <a:srgbClr val="000000"/>
                   </a:solidFill>
@@ -1468,7 +1468,7 @@
             </a:ln>
             <a:extLst>
               <a:ext uri="{91240B29-F687-4f45-9708-019B960494DF}">
-                <a14:hiddenLine xmlns="" xmlns:a14="http://schemas.microsoft.com/office/drawing/2010/main" w="9525">
+                <a14:hiddenLine xmlns:a14="http://schemas.microsoft.com/office/drawing/2010/main" xmlns="" w="9525">
                   <a:solidFill>
                     <a:srgbClr val="000000"/>
                   </a:solidFill>
@@ -1530,7 +1530,7 @@
             </a:ln>
             <a:extLst>
               <a:ext uri="{91240B29-F687-4f45-9708-019B960494DF}">
-                <a14:hiddenLine xmlns="" xmlns:a14="http://schemas.microsoft.com/office/drawing/2010/main" w="9525">
+                <a14:hiddenLine xmlns:a14="http://schemas.microsoft.com/office/drawing/2010/main" xmlns="" w="9525">
                   <a:solidFill>
                     <a:srgbClr val="000000"/>
                   </a:solidFill>
@@ -1620,7 +1620,7 @@
             </a:ln>
             <a:extLst>
               <a:ext uri="{91240B29-F687-4f45-9708-019B960494DF}">
-                <a14:hiddenLine xmlns="" xmlns:a14="http://schemas.microsoft.com/office/drawing/2010/main" w="9525">
+                <a14:hiddenLine xmlns:a14="http://schemas.microsoft.com/office/drawing/2010/main" xmlns="" w="9525">
                   <a:solidFill>
                     <a:srgbClr val="000000"/>
                   </a:solidFill>
@@ -1710,7 +1710,7 @@
             </a:ln>
             <a:extLst>
               <a:ext uri="{91240B29-F687-4f45-9708-019B960494DF}">
-                <a14:hiddenLine xmlns="" xmlns:a14="http://schemas.microsoft.com/office/drawing/2010/main" w="9525">
+                <a14:hiddenLine xmlns:a14="http://schemas.microsoft.com/office/drawing/2010/main" xmlns="" w="9525">
                   <a:solidFill>
                     <a:srgbClr val="000000"/>
                   </a:solidFill>
@@ -1766,7 +1766,7 @@
             </a:ln>
             <a:extLst>
               <a:ext uri="{91240B29-F687-4f45-9708-019B960494DF}">
-                <a14:hiddenLine xmlns="" xmlns:a14="http://schemas.microsoft.com/office/drawing/2010/main" w="9525">
+                <a14:hiddenLine xmlns:a14="http://schemas.microsoft.com/office/drawing/2010/main" xmlns="" w="9525">
                   <a:solidFill>
                     <a:srgbClr val="000000"/>
                   </a:solidFill>
@@ -1856,7 +1856,7 @@
             </a:ln>
             <a:extLst>
               <a:ext uri="{91240B29-F687-4f45-9708-019B960494DF}">
-                <a14:hiddenLine xmlns="" xmlns:a14="http://schemas.microsoft.com/office/drawing/2010/main" w="9525">
+                <a14:hiddenLine xmlns:a14="http://schemas.microsoft.com/office/drawing/2010/main" xmlns="" w="9525">
                   <a:solidFill>
                     <a:srgbClr val="000000"/>
                   </a:solidFill>
@@ -1912,7 +1912,7 @@
             </a:ln>
             <a:extLst>
               <a:ext uri="{91240B29-F687-4f45-9708-019B960494DF}">
-                <a14:hiddenLine xmlns="" xmlns:a14="http://schemas.microsoft.com/office/drawing/2010/main" w="9525">
+                <a14:hiddenLine xmlns:a14="http://schemas.microsoft.com/office/drawing/2010/main" xmlns="" w="9525">
                   <a:solidFill>
                     <a:srgbClr val="000000"/>
                   </a:solidFill>
@@ -2002,7 +2002,7 @@
             </a:ln>
             <a:extLst>
               <a:ext uri="{91240B29-F687-4f45-9708-019B960494DF}">
-                <a14:hiddenLine xmlns="" xmlns:a14="http://schemas.microsoft.com/office/drawing/2010/main" w="9525">
+                <a14:hiddenLine xmlns:a14="http://schemas.microsoft.com/office/drawing/2010/main" xmlns="" w="9525">
                   <a:solidFill>
                     <a:srgbClr val="000000"/>
                   </a:solidFill>
@@ -2070,7 +2070,7 @@
             </a:ln>
             <a:extLst>
               <a:ext uri="{91240B29-F687-4f45-9708-019B960494DF}">
-                <a14:hiddenLine xmlns="" xmlns:a14="http://schemas.microsoft.com/office/drawing/2010/main" w="9525">
+                <a14:hiddenLine xmlns:a14="http://schemas.microsoft.com/office/drawing/2010/main" xmlns="" w="9525">
                   <a:solidFill>
                     <a:srgbClr val="000000"/>
                   </a:solidFill>
@@ -2160,7 +2160,7 @@
             </a:ln>
             <a:extLst>
               <a:ext uri="{91240B29-F687-4f45-9708-019B960494DF}">
-                <a14:hiddenLine xmlns="" xmlns:a14="http://schemas.microsoft.com/office/drawing/2010/main" w="9525">
+                <a14:hiddenLine xmlns:a14="http://schemas.microsoft.com/office/drawing/2010/main" xmlns="" w="9525">
                   <a:solidFill>
                     <a:srgbClr val="000000"/>
                   </a:solidFill>
@@ -2228,7 +2228,7 @@
             </a:ln>
             <a:extLst>
               <a:ext uri="{91240B29-F687-4f45-9708-019B960494DF}">
-                <a14:hiddenLine xmlns="" xmlns:a14="http://schemas.microsoft.com/office/drawing/2010/main" w="9525">
+                <a14:hiddenLine xmlns:a14="http://schemas.microsoft.com/office/drawing/2010/main" xmlns="" w="9525">
                   <a:solidFill>
                     <a:srgbClr val="000000"/>
                   </a:solidFill>
@@ -2318,7 +2318,7 @@
             </a:ln>
             <a:extLst>
               <a:ext uri="{91240B29-F687-4f45-9708-019B960494DF}">
-                <a14:hiddenLine xmlns="" xmlns:a14="http://schemas.microsoft.com/office/drawing/2010/main" w="9525">
+                <a14:hiddenLine xmlns:a14="http://schemas.microsoft.com/office/drawing/2010/main" xmlns="" w="9525">
                   <a:solidFill>
                     <a:srgbClr val="000000"/>
                   </a:solidFill>
@@ -2352,7 +2352,7 @@
             </a:ln>
             <a:extLst>
               <a:ext uri="{91240B29-F687-4f45-9708-019B960494DF}">
-                <a14:hiddenLine xmlns="" xmlns:a14="http://schemas.microsoft.com/office/drawing/2010/main" w="9525">
+                <a14:hiddenLine xmlns:a14="http://schemas.microsoft.com/office/drawing/2010/main" xmlns="" w="9525">
                   <a:solidFill>
                     <a:srgbClr val="000000"/>
                   </a:solidFill>
@@ -2442,7 +2442,7 @@
             </a:ln>
             <a:extLst>
               <a:ext uri="{91240B29-F687-4f45-9708-019B960494DF}">
-                <a14:hiddenLine xmlns="" xmlns:a14="http://schemas.microsoft.com/office/drawing/2010/main" w="9525">
+                <a14:hiddenLine xmlns:a14="http://schemas.microsoft.com/office/drawing/2010/main" xmlns="" w="9525">
                   <a:solidFill>
                     <a:srgbClr val="000000"/>
                   </a:solidFill>
@@ -2504,7 +2504,7 @@
             </a:ln>
             <a:extLst>
               <a:ext uri="{91240B29-F687-4f45-9708-019B960494DF}">
-                <a14:hiddenLine xmlns="" xmlns:a14="http://schemas.microsoft.com/office/drawing/2010/main" w="9525">
+                <a14:hiddenLine xmlns:a14="http://schemas.microsoft.com/office/drawing/2010/main" xmlns="" w="9525">
                   <a:solidFill>
                     <a:srgbClr val="000000"/>
                   </a:solidFill>
@@ -2566,7 +2566,7 @@
             </a:ln>
             <a:extLst>
               <a:ext uri="{91240B29-F687-4f45-9708-019B960494DF}">
-                <a14:hiddenLine xmlns="" xmlns:a14="http://schemas.microsoft.com/office/drawing/2010/main" w="9525">
+                <a14:hiddenLine xmlns:a14="http://schemas.microsoft.com/office/drawing/2010/main" xmlns="" w="9525">
                   <a:solidFill>
                     <a:srgbClr val="000000"/>
                   </a:solidFill>
@@ -2656,7 +2656,7 @@
             </a:ln>
             <a:extLst>
               <a:ext uri="{91240B29-F687-4f45-9708-019B960494DF}">
-                <a14:hiddenLine xmlns="" xmlns:a14="http://schemas.microsoft.com/office/drawing/2010/main" w="9525">
+                <a14:hiddenLine xmlns:a14="http://schemas.microsoft.com/office/drawing/2010/main" xmlns="" w="9525">
                   <a:solidFill>
                     <a:srgbClr val="000000"/>
                   </a:solidFill>
@@ -2724,7 +2724,7 @@
             </a:ln>
             <a:extLst>
               <a:ext uri="{91240B29-F687-4f45-9708-019B960494DF}">
-                <a14:hiddenLine xmlns="" xmlns:a14="http://schemas.microsoft.com/office/drawing/2010/main" w="9525">
+                <a14:hiddenLine xmlns:a14="http://schemas.microsoft.com/office/drawing/2010/main" xmlns="" w="9525">
                   <a:solidFill>
                     <a:srgbClr val="000000"/>
                   </a:solidFill>
@@ -2786,7 +2786,7 @@
             </a:ln>
             <a:extLst>
               <a:ext uri="{91240B29-F687-4f45-9708-019B960494DF}">
-                <a14:hiddenLine xmlns="" xmlns:a14="http://schemas.microsoft.com/office/drawing/2010/main" w="9525">
+                <a14:hiddenLine xmlns:a14="http://schemas.microsoft.com/office/drawing/2010/main" xmlns="" w="9525">
                   <a:solidFill>
                     <a:srgbClr val="000000"/>
                   </a:solidFill>
@@ -2876,7 +2876,7 @@
             </a:ln>
             <a:extLst>
               <a:ext uri="{91240B29-F687-4f45-9708-019B960494DF}">
-                <a14:hiddenLine xmlns="" xmlns:a14="http://schemas.microsoft.com/office/drawing/2010/main" w="9525">
+                <a14:hiddenLine xmlns:a14="http://schemas.microsoft.com/office/drawing/2010/main" xmlns="" w="9525">
                   <a:solidFill>
                     <a:srgbClr val="000000"/>
                   </a:solidFill>
@@ -2938,7 +2938,7 @@
             </a:ln>
             <a:extLst>
               <a:ext uri="{91240B29-F687-4f45-9708-019B960494DF}">
-                <a14:hiddenLine xmlns="" xmlns:a14="http://schemas.microsoft.com/office/drawing/2010/main" w="9525">
+                <a14:hiddenLine xmlns:a14="http://schemas.microsoft.com/office/drawing/2010/main" xmlns="" w="9525">
                   <a:solidFill>
                     <a:srgbClr val="000000"/>
                   </a:solidFill>
@@ -3028,7 +3028,7 @@
             </a:ln>
             <a:extLst>
               <a:ext uri="{91240B29-F687-4f45-9708-019B960494DF}">
-                <a14:hiddenLine xmlns="" xmlns:a14="http://schemas.microsoft.com/office/drawing/2010/main" w="9525">
+                <a14:hiddenLine xmlns:a14="http://schemas.microsoft.com/office/drawing/2010/main" xmlns="" w="9525">
                   <a:solidFill>
                     <a:srgbClr val="000000"/>
                   </a:solidFill>
@@ -3090,7 +3090,7 @@
             </a:ln>
             <a:extLst>
               <a:ext uri="{91240B29-F687-4f45-9708-019B960494DF}">
-                <a14:hiddenLine xmlns="" xmlns:a14="http://schemas.microsoft.com/office/drawing/2010/main" w="9525">
+                <a14:hiddenLine xmlns:a14="http://schemas.microsoft.com/office/drawing/2010/main" xmlns="" w="9525">
                   <a:solidFill>
                     <a:srgbClr val="000000"/>
                   </a:solidFill>
@@ -3180,7 +3180,7 @@
             </a:ln>
             <a:extLst>
               <a:ext uri="{91240B29-F687-4f45-9708-019B960494DF}">
-                <a14:hiddenLine xmlns="" xmlns:a14="http://schemas.microsoft.com/office/drawing/2010/main" w="9525">
+                <a14:hiddenLine xmlns:a14="http://schemas.microsoft.com/office/drawing/2010/main" xmlns="" w="9525">
                   <a:solidFill>
                     <a:srgbClr val="000000"/>
                   </a:solidFill>
@@ -3214,7 +3214,7 @@
             </a:ln>
             <a:extLst>
               <a:ext uri="{91240B29-F687-4f45-9708-019B960494DF}">
-                <a14:hiddenLine xmlns="" xmlns:a14="http://schemas.microsoft.com/office/drawing/2010/main" w="9525">
+                <a14:hiddenLine xmlns:a14="http://schemas.microsoft.com/office/drawing/2010/main" xmlns="" w="9525">
                   <a:solidFill>
                     <a:srgbClr val="000000"/>
                   </a:solidFill>
@@ -3279,7 +3279,7 @@
             </a:ln>
             <a:extLst>
               <a:ext uri="{91240B29-F687-4f45-9708-019B960494DF}">
-                <a14:hiddenLine xmlns="" xmlns:a14="http://schemas.microsoft.com/office/drawing/2010/main" w="9525">
+                <a14:hiddenLine xmlns:a14="http://schemas.microsoft.com/office/drawing/2010/main" xmlns="" w="9525">
                   <a:solidFill>
                     <a:srgbClr val="000000"/>
                   </a:solidFill>
@@ -3369,7 +3369,7 @@
             </a:ln>
             <a:extLst>
               <a:ext uri="{91240B29-F687-4f45-9708-019B960494DF}">
-                <a14:hiddenLine xmlns="" xmlns:a14="http://schemas.microsoft.com/office/drawing/2010/main" w="9525">
+                <a14:hiddenLine xmlns:a14="http://schemas.microsoft.com/office/drawing/2010/main" xmlns="" w="9525">
                   <a:solidFill>
                     <a:srgbClr val="000000"/>
                   </a:solidFill>
@@ -3431,7 +3431,7 @@
             </a:ln>
             <a:extLst>
               <a:ext uri="{91240B29-F687-4f45-9708-019B960494DF}">
-                <a14:hiddenLine xmlns="" xmlns:a14="http://schemas.microsoft.com/office/drawing/2010/main" w="9525">
+                <a14:hiddenLine xmlns:a14="http://schemas.microsoft.com/office/drawing/2010/main" xmlns="" w="9525">
                   <a:solidFill>
                     <a:srgbClr val="000000"/>
                   </a:solidFill>
@@ -3521,7 +3521,7 @@
             </a:ln>
             <a:extLst>
               <a:ext uri="{91240B29-F687-4f45-9708-019B960494DF}">
-                <a14:hiddenLine xmlns="" xmlns:a14="http://schemas.microsoft.com/office/drawing/2010/main" w="9525">
+                <a14:hiddenLine xmlns:a14="http://schemas.microsoft.com/office/drawing/2010/main" xmlns="" w="9525">
                   <a:solidFill>
                     <a:srgbClr val="000000"/>
                   </a:solidFill>
@@ -3611,7 +3611,7 @@
             </a:ln>
             <a:extLst>
               <a:ext uri="{91240B29-F687-4f45-9708-019B960494DF}">
-                <a14:hiddenLine xmlns="" xmlns:a14="http://schemas.microsoft.com/office/drawing/2010/main" w="9525">
+                <a14:hiddenLine xmlns:a14="http://schemas.microsoft.com/office/drawing/2010/main" xmlns="" w="9525">
                   <a:solidFill>
                     <a:srgbClr val="000000"/>
                   </a:solidFill>
@@ -3676,7 +3676,7 @@
             </a:ln>
             <a:extLst>
               <a:ext uri="{91240B29-F687-4f45-9708-019B960494DF}">
-                <a14:hiddenLine xmlns="" xmlns:a14="http://schemas.microsoft.com/office/drawing/2010/main" w="9525">
+                <a14:hiddenLine xmlns:a14="http://schemas.microsoft.com/office/drawing/2010/main" xmlns="" w="9525">
                   <a:solidFill>
                     <a:srgbClr val="000000"/>
                   </a:solidFill>
@@ -3738,7 +3738,7 @@
             </a:ln>
             <a:extLst>
               <a:ext uri="{91240B29-F687-4f45-9708-019B960494DF}">
-                <a14:hiddenLine xmlns="" xmlns:a14="http://schemas.microsoft.com/office/drawing/2010/main" w="9525">
+                <a14:hiddenLine xmlns:a14="http://schemas.microsoft.com/office/drawing/2010/main" xmlns="" w="9525">
                   <a:solidFill>
                     <a:srgbClr val="000000"/>
                   </a:solidFill>
@@ -3828,7 +3828,7 @@
             </a:ln>
             <a:extLst>
               <a:ext uri="{91240B29-F687-4f45-9708-019B960494DF}">
-                <a14:hiddenLine xmlns="" xmlns:a14="http://schemas.microsoft.com/office/drawing/2010/main" w="9525">
+                <a14:hiddenLine xmlns:a14="http://schemas.microsoft.com/office/drawing/2010/main" xmlns="" w="9525">
                   <a:solidFill>
                     <a:srgbClr val="000000"/>
                   </a:solidFill>
@@ -3918,7 +3918,7 @@
             </a:ln>
             <a:extLst>
               <a:ext uri="{91240B29-F687-4f45-9708-019B960494DF}">
-                <a14:hiddenLine xmlns="" xmlns:a14="http://schemas.microsoft.com/office/drawing/2010/main" w="9525">
+                <a14:hiddenLine xmlns:a14="http://schemas.microsoft.com/office/drawing/2010/main" xmlns="" w="9525">
                   <a:solidFill>
                     <a:srgbClr val="000000"/>
                   </a:solidFill>
@@ -3980,7 +3980,7 @@
             </a:ln>
             <a:extLst>
               <a:ext uri="{91240B29-F687-4f45-9708-019B960494DF}">
-                <a14:hiddenLine xmlns="" xmlns:a14="http://schemas.microsoft.com/office/drawing/2010/main" w="9525">
+                <a14:hiddenLine xmlns:a14="http://schemas.microsoft.com/office/drawing/2010/main" xmlns="" w="9525">
                   <a:solidFill>
                     <a:srgbClr val="000000"/>
                   </a:solidFill>
@@ -4100,7 +4100,7 @@
             </a:ln>
             <a:extLst>
               <a:ext uri="{91240B29-F687-4f45-9708-019B960494DF}">
-                <a14:hiddenLine xmlns="" xmlns:a14="http://schemas.microsoft.com/office/drawing/2010/main" w="9525">
+                <a14:hiddenLine xmlns:a14="http://schemas.microsoft.com/office/drawing/2010/main" xmlns="" w="9525">
                   <a:solidFill>
                     <a:srgbClr val="000000"/>
                   </a:solidFill>
@@ -4168,7 +4168,7 @@
             </a:ln>
             <a:extLst>
               <a:ext uri="{91240B29-F687-4f45-9708-019B960494DF}">
-                <a14:hiddenLine xmlns="" xmlns:a14="http://schemas.microsoft.com/office/drawing/2010/main" w="9525">
+                <a14:hiddenLine xmlns:a14="http://schemas.microsoft.com/office/drawing/2010/main" xmlns="" w="9525">
                   <a:solidFill>
                     <a:srgbClr val="000000"/>
                   </a:solidFill>
@@ -4258,7 +4258,7 @@
             </a:ln>
             <a:extLst>
               <a:ext uri="{91240B29-F687-4f45-9708-019B960494DF}">
-                <a14:hiddenLine xmlns="" xmlns:a14="http://schemas.microsoft.com/office/drawing/2010/main" w="9525">
+                <a14:hiddenLine xmlns:a14="http://schemas.microsoft.com/office/drawing/2010/main" xmlns="" w="9525">
                   <a:solidFill>
                     <a:srgbClr val="000000"/>
                   </a:solidFill>
@@ -9072,7 +9072,7 @@
           <a:noFill/>
           <a:extLst>
             <a:ext uri="{909E8E84-426E-40dd-AFC4-6F175D3DCCD1}">
-              <a14:hiddenFill xmlns="" xmlns:a14="http://schemas.microsoft.com/office/drawing/2010/main">
+              <a14:hiddenFill xmlns:a14="http://schemas.microsoft.com/office/drawing/2010/main" xmlns="">
                 <a:solidFill>
                   <a:srgbClr val="FFFFFF"/>
                 </a:solidFill>
@@ -9146,7 +9146,7 @@
               </a:ln>
               <a:extLst>
                 <a:ext uri="{91240B29-F687-4f45-9708-019B960494DF}">
-                  <a14:hiddenLine xmlns="" xmlns:a14="http://schemas.microsoft.com/office/drawing/2010/main" w="9525">
+                  <a14:hiddenLine xmlns:a14="http://schemas.microsoft.com/office/drawing/2010/main" xmlns="" w="9525">
                     <a:solidFill>
                       <a:srgbClr val="000000"/>
                     </a:solidFill>
@@ -9236,7 +9236,7 @@
               </a:ln>
               <a:extLst>
                 <a:ext uri="{91240B29-F687-4f45-9708-019B960494DF}">
-                  <a14:hiddenLine xmlns="" xmlns:a14="http://schemas.microsoft.com/office/drawing/2010/main" w="9525">
+                  <a14:hiddenLine xmlns:a14="http://schemas.microsoft.com/office/drawing/2010/main" xmlns="" w="9525">
                     <a:solidFill>
                       <a:srgbClr val="000000"/>
                     </a:solidFill>
@@ -9326,7 +9326,7 @@
               </a:ln>
               <a:extLst>
                 <a:ext uri="{91240B29-F687-4f45-9708-019B960494DF}">
-                  <a14:hiddenLine xmlns="" xmlns:a14="http://schemas.microsoft.com/office/drawing/2010/main" w="9525">
+                  <a14:hiddenLine xmlns:a14="http://schemas.microsoft.com/office/drawing/2010/main" xmlns="" w="9525">
                     <a:solidFill>
                       <a:srgbClr val="000000"/>
                     </a:solidFill>
@@ -9388,7 +9388,7 @@
               </a:ln>
               <a:extLst>
                 <a:ext uri="{91240B29-F687-4f45-9708-019B960494DF}">
-                  <a14:hiddenLine xmlns="" xmlns:a14="http://schemas.microsoft.com/office/drawing/2010/main" w="9525">
+                  <a14:hiddenLine xmlns:a14="http://schemas.microsoft.com/office/drawing/2010/main" xmlns="" w="9525">
                     <a:solidFill>
                       <a:srgbClr val="000000"/>
                     </a:solidFill>
@@ -9478,7 +9478,7 @@
               </a:ln>
               <a:extLst>
                 <a:ext uri="{91240B29-F687-4f45-9708-019B960494DF}">
-                  <a14:hiddenLine xmlns="" xmlns:a14="http://schemas.microsoft.com/office/drawing/2010/main" w="9525">
+                  <a14:hiddenLine xmlns:a14="http://schemas.microsoft.com/office/drawing/2010/main" xmlns="" w="9525">
                     <a:solidFill>
                       <a:srgbClr val="000000"/>
                     </a:solidFill>
@@ -9540,7 +9540,7 @@
               </a:ln>
               <a:extLst>
                 <a:ext uri="{91240B29-F687-4f45-9708-019B960494DF}">
-                  <a14:hiddenLine xmlns="" xmlns:a14="http://schemas.microsoft.com/office/drawing/2010/main" w="9525">
+                  <a14:hiddenLine xmlns:a14="http://schemas.microsoft.com/office/drawing/2010/main" xmlns="" w="9525">
                     <a:solidFill>
                       <a:srgbClr val="000000"/>
                     </a:solidFill>
@@ -9602,7 +9602,7 @@
               </a:ln>
               <a:extLst>
                 <a:ext uri="{91240B29-F687-4f45-9708-019B960494DF}">
-                  <a14:hiddenLine xmlns="" xmlns:a14="http://schemas.microsoft.com/office/drawing/2010/main" w="9525">
+                  <a14:hiddenLine xmlns:a14="http://schemas.microsoft.com/office/drawing/2010/main" xmlns="" w="9525">
                     <a:solidFill>
                       <a:srgbClr val="000000"/>
                     </a:solidFill>
@@ -9692,7 +9692,7 @@
               </a:ln>
               <a:extLst>
                 <a:ext uri="{91240B29-F687-4f45-9708-019B960494DF}">
-                  <a14:hiddenLine xmlns="" xmlns:a14="http://schemas.microsoft.com/office/drawing/2010/main" w="9525">
+                  <a14:hiddenLine xmlns:a14="http://schemas.microsoft.com/office/drawing/2010/main" xmlns="" w="9525">
                     <a:solidFill>
                       <a:srgbClr val="000000"/>
                     </a:solidFill>
@@ -9782,7 +9782,7 @@
               </a:ln>
               <a:extLst>
                 <a:ext uri="{91240B29-F687-4f45-9708-019B960494DF}">
-                  <a14:hiddenLine xmlns="" xmlns:a14="http://schemas.microsoft.com/office/drawing/2010/main" w="9525">
+                  <a14:hiddenLine xmlns:a14="http://schemas.microsoft.com/office/drawing/2010/main" xmlns="" w="9525">
                     <a:solidFill>
                       <a:srgbClr val="000000"/>
                     </a:solidFill>
@@ -9844,7 +9844,7 @@
               </a:ln>
               <a:extLst>
                 <a:ext uri="{91240B29-F687-4f45-9708-019B960494DF}">
-                  <a14:hiddenLine xmlns="" xmlns:a14="http://schemas.microsoft.com/office/drawing/2010/main" w="9525">
+                  <a14:hiddenLine xmlns:a14="http://schemas.microsoft.com/office/drawing/2010/main" xmlns="" w="9525">
                     <a:solidFill>
                       <a:srgbClr val="000000"/>
                     </a:solidFill>
@@ -9954,7 +9954,7 @@
               </a:ln>
               <a:extLst>
                 <a:ext uri="{91240B29-F687-4f45-9708-019B960494DF}">
-                  <a14:hiddenLine xmlns="" xmlns:a14="http://schemas.microsoft.com/office/drawing/2010/main" w="9525">
+                  <a14:hiddenLine xmlns:a14="http://schemas.microsoft.com/office/drawing/2010/main" xmlns="" w="9525">
                     <a:solidFill>
                       <a:srgbClr val="000000"/>
                     </a:solidFill>
@@ -10038,7 +10038,7 @@
               </a:ln>
               <a:extLst>
                 <a:ext uri="{91240B29-F687-4f45-9708-019B960494DF}">
-                  <a14:hiddenLine xmlns="" xmlns:a14="http://schemas.microsoft.com/office/drawing/2010/main" w="9525">
+                  <a14:hiddenLine xmlns:a14="http://schemas.microsoft.com/office/drawing/2010/main" xmlns="" w="9525">
                     <a:solidFill>
                       <a:srgbClr val="000000"/>
                     </a:solidFill>
@@ -10100,7 +10100,7 @@
               </a:ln>
               <a:extLst>
                 <a:ext uri="{91240B29-F687-4f45-9708-019B960494DF}">
-                  <a14:hiddenLine xmlns="" xmlns:a14="http://schemas.microsoft.com/office/drawing/2010/main" w="9525">
+                  <a14:hiddenLine xmlns:a14="http://schemas.microsoft.com/office/drawing/2010/main" xmlns="" w="9525">
                     <a:solidFill>
                       <a:srgbClr val="000000"/>
                     </a:solidFill>
@@ -10162,7 +10162,7 @@
               </a:ln>
               <a:extLst>
                 <a:ext uri="{91240B29-F687-4f45-9708-019B960494DF}">
-                  <a14:hiddenLine xmlns="" xmlns:a14="http://schemas.microsoft.com/office/drawing/2010/main" w="9525">
+                  <a14:hiddenLine xmlns:a14="http://schemas.microsoft.com/office/drawing/2010/main" xmlns="" w="9525">
                     <a:solidFill>
                       <a:srgbClr val="000000"/>
                     </a:solidFill>
@@ -10252,7 +10252,7 @@
               </a:ln>
               <a:extLst>
                 <a:ext uri="{91240B29-F687-4f45-9708-019B960494DF}">
-                  <a14:hiddenLine xmlns="" xmlns:a14="http://schemas.microsoft.com/office/drawing/2010/main" w="9525">
+                  <a14:hiddenLine xmlns:a14="http://schemas.microsoft.com/office/drawing/2010/main" xmlns="" w="9525">
                     <a:solidFill>
                       <a:srgbClr val="000000"/>
                     </a:solidFill>
@@ -10286,7 +10286,7 @@
               </a:ln>
               <a:extLst>
                 <a:ext uri="{91240B29-F687-4f45-9708-019B960494DF}">
-                  <a14:hiddenLine xmlns="" xmlns:a14="http://schemas.microsoft.com/office/drawing/2010/main" w="9525">
+                  <a14:hiddenLine xmlns:a14="http://schemas.microsoft.com/office/drawing/2010/main" xmlns="" w="9525">
                     <a:solidFill>
                       <a:srgbClr val="000000"/>
                     </a:solidFill>
@@ -10351,7 +10351,7 @@
               </a:ln>
               <a:extLst>
                 <a:ext uri="{91240B29-F687-4f45-9708-019B960494DF}">
-                  <a14:hiddenLine xmlns="" xmlns:a14="http://schemas.microsoft.com/office/drawing/2010/main" w="9525">
+                  <a14:hiddenLine xmlns:a14="http://schemas.microsoft.com/office/drawing/2010/main" xmlns="" w="9525">
                     <a:solidFill>
                       <a:srgbClr val="000000"/>
                     </a:solidFill>
@@ -10441,7 +10441,7 @@
               </a:ln>
               <a:extLst>
                 <a:ext uri="{91240B29-F687-4f45-9708-019B960494DF}">
-                  <a14:hiddenLine xmlns="" xmlns:a14="http://schemas.microsoft.com/office/drawing/2010/main" w="9525">
+                  <a14:hiddenLine xmlns:a14="http://schemas.microsoft.com/office/drawing/2010/main" xmlns="" w="9525">
                     <a:solidFill>
                       <a:srgbClr val="000000"/>
                     </a:solidFill>
@@ -10503,7 +10503,7 @@
               </a:ln>
               <a:extLst>
                 <a:ext uri="{91240B29-F687-4f45-9708-019B960494DF}">
-                  <a14:hiddenLine xmlns="" xmlns:a14="http://schemas.microsoft.com/office/drawing/2010/main" w="9525">
+                  <a14:hiddenLine xmlns:a14="http://schemas.microsoft.com/office/drawing/2010/main" xmlns="" w="9525">
                     <a:solidFill>
                       <a:srgbClr val="000000"/>
                     </a:solidFill>
@@ -10593,7 +10593,7 @@
               </a:ln>
               <a:extLst>
                 <a:ext uri="{91240B29-F687-4f45-9708-019B960494DF}">
-                  <a14:hiddenLine xmlns="" xmlns:a14="http://schemas.microsoft.com/office/drawing/2010/main" w="9525">
+                  <a14:hiddenLine xmlns:a14="http://schemas.microsoft.com/office/drawing/2010/main" xmlns="" w="9525">
                     <a:solidFill>
                       <a:srgbClr val="000000"/>
                     </a:solidFill>
@@ -10658,7 +10658,7 @@
               </a:ln>
               <a:extLst>
                 <a:ext uri="{91240B29-F687-4f45-9708-019B960494DF}">
-                  <a14:hiddenLine xmlns="" xmlns:a14="http://schemas.microsoft.com/office/drawing/2010/main" w="9525">
+                  <a14:hiddenLine xmlns:a14="http://schemas.microsoft.com/office/drawing/2010/main" xmlns="" w="9525">
                     <a:solidFill>
                       <a:srgbClr val="000000"/>
                     </a:solidFill>
@@ -10720,7 +10720,7 @@
               </a:ln>
               <a:extLst>
                 <a:ext uri="{91240B29-F687-4f45-9708-019B960494DF}">
-                  <a14:hiddenLine xmlns="" xmlns:a14="http://schemas.microsoft.com/office/drawing/2010/main" w="9525">
+                  <a14:hiddenLine xmlns:a14="http://schemas.microsoft.com/office/drawing/2010/main" xmlns="" w="9525">
                     <a:solidFill>
                       <a:srgbClr val="000000"/>
                     </a:solidFill>
@@ -10810,7 +10810,7 @@
               </a:ln>
               <a:extLst>
                 <a:ext uri="{91240B29-F687-4f45-9708-019B960494DF}">
-                  <a14:hiddenLine xmlns="" xmlns:a14="http://schemas.microsoft.com/office/drawing/2010/main" w="9525">
+                  <a14:hiddenLine xmlns:a14="http://schemas.microsoft.com/office/drawing/2010/main" xmlns="" w="9525">
                     <a:solidFill>
                       <a:srgbClr val="000000"/>
                     </a:solidFill>
@@ -10900,7 +10900,7 @@
               </a:ln>
               <a:extLst>
                 <a:ext uri="{91240B29-F687-4f45-9708-019B960494DF}">
-                  <a14:hiddenLine xmlns="" xmlns:a14="http://schemas.microsoft.com/office/drawing/2010/main" w="9525">
+                  <a14:hiddenLine xmlns:a14="http://schemas.microsoft.com/office/drawing/2010/main" xmlns="" w="9525">
                     <a:solidFill>
                       <a:srgbClr val="000000"/>
                     </a:solidFill>
@@ -10965,7 +10965,7 @@
               </a:ln>
               <a:extLst>
                 <a:ext uri="{91240B29-F687-4f45-9708-019B960494DF}">
-                  <a14:hiddenLine xmlns="" xmlns:a14="http://schemas.microsoft.com/office/drawing/2010/main" w="9525">
+                  <a14:hiddenLine xmlns:a14="http://schemas.microsoft.com/office/drawing/2010/main" xmlns="" w="9525">
                     <a:solidFill>
                       <a:srgbClr val="000000"/>
                     </a:solidFill>
@@ -11085,7 +11085,7 @@
               </a:ln>
               <a:extLst>
                 <a:ext uri="{91240B29-F687-4f45-9708-019B960494DF}">
-                  <a14:hiddenLine xmlns="" xmlns:a14="http://schemas.microsoft.com/office/drawing/2010/main" w="9525">
+                  <a14:hiddenLine xmlns:a14="http://schemas.microsoft.com/office/drawing/2010/main" xmlns="" w="9525">
                     <a:solidFill>
                       <a:srgbClr val="000000"/>
                     </a:solidFill>
@@ -11166,7 +11166,7 @@
               </a:ln>
               <a:extLst>
                 <a:ext uri="{91240B29-F687-4f45-9708-019B960494DF}">
-                  <a14:hiddenLine xmlns="" xmlns:a14="http://schemas.microsoft.com/office/drawing/2010/main" w="9525">
+                  <a14:hiddenLine xmlns:a14="http://schemas.microsoft.com/office/drawing/2010/main" xmlns="" w="9525">
                     <a:solidFill>
                       <a:srgbClr val="000000"/>
                     </a:solidFill>
@@ -11281,7 +11281,7 @@
               </a:ln>
               <a:extLst>
                 <a:ext uri="{91240B29-F687-4f45-9708-019B960494DF}">
-                  <a14:hiddenLine xmlns="" xmlns:a14="http://schemas.microsoft.com/office/drawing/2010/main" w="9525">
+                  <a14:hiddenLine xmlns:a14="http://schemas.microsoft.com/office/drawing/2010/main" xmlns="" w="9525">
                     <a:solidFill>
                       <a:srgbClr val="000000"/>
                     </a:solidFill>
@@ -11371,7 +11371,7 @@
               </a:ln>
               <a:extLst>
                 <a:ext uri="{91240B29-F687-4f45-9708-019B960494DF}">
-                  <a14:hiddenLine xmlns="" xmlns:a14="http://schemas.microsoft.com/office/drawing/2010/main" w="9525">
+                  <a14:hiddenLine xmlns:a14="http://schemas.microsoft.com/office/drawing/2010/main" xmlns="" w="9525">
                     <a:solidFill>
                       <a:srgbClr val="000000"/>
                     </a:solidFill>
@@ -11436,7 +11436,7 @@
               </a:ln>
               <a:extLst>
                 <a:ext uri="{91240B29-F687-4f45-9708-019B960494DF}">
-                  <a14:hiddenLine xmlns="" xmlns:a14="http://schemas.microsoft.com/office/drawing/2010/main" w="9525">
+                  <a14:hiddenLine xmlns:a14="http://schemas.microsoft.com/office/drawing/2010/main" xmlns="" w="9525">
                     <a:solidFill>
                       <a:srgbClr val="000000"/>
                     </a:solidFill>
@@ -11526,7 +11526,7 @@
               </a:ln>
               <a:extLst>
                 <a:ext uri="{91240B29-F687-4f45-9708-019B960494DF}">
-                  <a14:hiddenLine xmlns="" xmlns:a14="http://schemas.microsoft.com/office/drawing/2010/main" w="9525">
+                  <a14:hiddenLine xmlns:a14="http://schemas.microsoft.com/office/drawing/2010/main" xmlns="" w="9525">
                     <a:solidFill>
                       <a:srgbClr val="000000"/>
                     </a:solidFill>
@@ -11594,7 +11594,7 @@
               </a:ln>
               <a:extLst>
                 <a:ext uri="{91240B29-F687-4f45-9708-019B960494DF}">
-                  <a14:hiddenLine xmlns="" xmlns:a14="http://schemas.microsoft.com/office/drawing/2010/main" w="9525">
+                  <a14:hiddenLine xmlns:a14="http://schemas.microsoft.com/office/drawing/2010/main" xmlns="" w="9525">
                     <a:solidFill>
                       <a:srgbClr val="000000"/>
                     </a:solidFill>
@@ -11684,7 +11684,7 @@
               </a:ln>
               <a:extLst>
                 <a:ext uri="{91240B29-F687-4f45-9708-019B960494DF}">
-                  <a14:hiddenLine xmlns="" xmlns:a14="http://schemas.microsoft.com/office/drawing/2010/main" w="9525">
+                  <a14:hiddenLine xmlns:a14="http://schemas.microsoft.com/office/drawing/2010/main" xmlns="" w="9525">
                     <a:solidFill>
                       <a:srgbClr val="000000"/>
                     </a:solidFill>
@@ -11752,7 +11752,7 @@
               </a:ln>
               <a:extLst>
                 <a:ext uri="{91240B29-F687-4f45-9708-019B960494DF}">
-                  <a14:hiddenLine xmlns="" xmlns:a14="http://schemas.microsoft.com/office/drawing/2010/main" w="9525">
+                  <a14:hiddenLine xmlns:a14="http://schemas.microsoft.com/office/drawing/2010/main" xmlns="" w="9525">
                     <a:solidFill>
                       <a:srgbClr val="000000"/>
                     </a:solidFill>
@@ -11842,7 +11842,7 @@
               </a:ln>
               <a:extLst>
                 <a:ext uri="{91240B29-F687-4f45-9708-019B960494DF}">
-                  <a14:hiddenLine xmlns="" xmlns:a14="http://schemas.microsoft.com/office/drawing/2010/main" w="9525">
+                  <a14:hiddenLine xmlns:a14="http://schemas.microsoft.com/office/drawing/2010/main" xmlns="" w="9525">
                     <a:solidFill>
                       <a:srgbClr val="000000"/>
                     </a:solidFill>
@@ -11876,7 +11876,7 @@
               </a:ln>
               <a:extLst>
                 <a:ext uri="{91240B29-F687-4f45-9708-019B960494DF}">
-                  <a14:hiddenLine xmlns="" xmlns:a14="http://schemas.microsoft.com/office/drawing/2010/main" w="9525">
+                  <a14:hiddenLine xmlns:a14="http://schemas.microsoft.com/office/drawing/2010/main" xmlns="" w="9525">
                     <a:solidFill>
                       <a:srgbClr val="000000"/>
                     </a:solidFill>
@@ -13221,7 +13221,7 @@
               <a:rPr lang="hu-HU" dirty="0">
                 <a:hlinkClick r:id="rId2"/>
               </a:rPr>
-              <a:t>https://docs.google.com/document/d/1QaekkkRWYqpQRyWktSbFMkwrfy7JR0wBL8YyN1vkdzU/</a:t>
+              <a:t>https://docs.google.com/document/d/1QaekkkRWYqpQRyWktSbFMkwrfy7JR0wBL8YyN1vkdzU/edit</a:t>
             </a:r>
             <a:r>
               <a:rPr lang="hu-HU" dirty="0"/>
